--- a/Part 3 - Solving the problems/Powerpoint Slides/3-3_Chemical_Stability_Analysis.pptx
+++ b/Part 3 - Solving the problems/Powerpoint Slides/3-3_Chemical_Stability_Analysis.pptx
@@ -5,10 +5,10 @@
     <p:sldMasterId id="2147483648" r:id="rId1"/>
   </p:sldMasterIdLst>
   <p:notesMasterIdLst>
-    <p:notesMasterId r:id="rId28"/>
+    <p:notesMasterId r:id="rId33"/>
   </p:notesMasterIdLst>
   <p:handoutMasterIdLst>
-    <p:handoutMasterId r:id="rId29"/>
+    <p:handoutMasterId r:id="rId34"/>
   </p:handoutMasterIdLst>
   <p:sldIdLst>
     <p:sldId id="364" r:id="rId2"/>
@@ -16,27 +16,32 @@
     <p:sldId id="366" r:id="rId4"/>
     <p:sldId id="368" r:id="rId5"/>
     <p:sldId id="369" r:id="rId6"/>
-    <p:sldId id="370" r:id="rId7"/>
-    <p:sldId id="371" r:id="rId8"/>
-    <p:sldId id="372" r:id="rId9"/>
-    <p:sldId id="373" r:id="rId10"/>
-    <p:sldId id="374" r:id="rId11"/>
-    <p:sldId id="375" r:id="rId12"/>
-    <p:sldId id="376" r:id="rId13"/>
-    <p:sldId id="380" r:id="rId14"/>
-    <p:sldId id="377" r:id="rId15"/>
-    <p:sldId id="378" r:id="rId16"/>
-    <p:sldId id="379" r:id="rId17"/>
-    <p:sldId id="381" r:id="rId18"/>
-    <p:sldId id="382" r:id="rId19"/>
-    <p:sldId id="383" r:id="rId20"/>
-    <p:sldId id="384" r:id="rId21"/>
-    <p:sldId id="385" r:id="rId22"/>
-    <p:sldId id="386" r:id="rId23"/>
-    <p:sldId id="387" r:id="rId24"/>
-    <p:sldId id="388" r:id="rId25"/>
-    <p:sldId id="389" r:id="rId26"/>
-    <p:sldId id="390" r:id="rId27"/>
+    <p:sldId id="391" r:id="rId7"/>
+    <p:sldId id="392" r:id="rId8"/>
+    <p:sldId id="370" r:id="rId9"/>
+    <p:sldId id="371" r:id="rId10"/>
+    <p:sldId id="372" r:id="rId11"/>
+    <p:sldId id="373" r:id="rId12"/>
+    <p:sldId id="374" r:id="rId13"/>
+    <p:sldId id="393" r:id="rId14"/>
+    <p:sldId id="375" r:id="rId15"/>
+    <p:sldId id="376" r:id="rId16"/>
+    <p:sldId id="380" r:id="rId17"/>
+    <p:sldId id="377" r:id="rId18"/>
+    <p:sldId id="378" r:id="rId19"/>
+    <p:sldId id="379" r:id="rId20"/>
+    <p:sldId id="381" r:id="rId21"/>
+    <p:sldId id="394" r:id="rId22"/>
+    <p:sldId id="382" r:id="rId23"/>
+    <p:sldId id="383" r:id="rId24"/>
+    <p:sldId id="395" r:id="rId25"/>
+    <p:sldId id="384" r:id="rId26"/>
+    <p:sldId id="397" r:id="rId27"/>
+    <p:sldId id="396" r:id="rId28"/>
+    <p:sldId id="385" r:id="rId29"/>
+    <p:sldId id="386" r:id="rId30"/>
+    <p:sldId id="387" r:id="rId31"/>
+    <p:sldId id="390" r:id="rId32"/>
   </p:sldIdLst>
   <p:sldSz cx="9144000" cy="6858000" type="screen4x3"/>
   <p:notesSz cx="6858000" cy="9144000"/>
@@ -136,6 +141,45 @@
     </a:lvl9pPr>
   </p:defaultTextStyle>
   <p:extLst>
+    <p:ext uri="{521415D9-36F7-43E2-AB2F-B90AF26B5E84}">
+      <p14:sectionLst xmlns:p14="http://schemas.microsoft.com/office/powerpoint/2010/main">
+        <p14:section name="Default Section" id="{5E4AD640-14B4-4AA6-8CB9-6EAEB59BE00A}">
+          <p14:sldIdLst>
+            <p14:sldId id="364"/>
+            <p14:sldId id="365"/>
+            <p14:sldId id="366"/>
+            <p14:sldId id="368"/>
+            <p14:sldId id="369"/>
+            <p14:sldId id="391"/>
+            <p14:sldId id="392"/>
+            <p14:sldId id="370"/>
+            <p14:sldId id="371"/>
+            <p14:sldId id="372"/>
+            <p14:sldId id="373"/>
+            <p14:sldId id="374"/>
+            <p14:sldId id="393"/>
+            <p14:sldId id="375"/>
+            <p14:sldId id="376"/>
+            <p14:sldId id="380"/>
+            <p14:sldId id="377"/>
+            <p14:sldId id="378"/>
+            <p14:sldId id="379"/>
+            <p14:sldId id="381"/>
+            <p14:sldId id="394"/>
+            <p14:sldId id="382"/>
+            <p14:sldId id="383"/>
+            <p14:sldId id="395"/>
+            <p14:sldId id="384"/>
+            <p14:sldId id="397"/>
+            <p14:sldId id="396"/>
+            <p14:sldId id="385"/>
+            <p14:sldId id="386"/>
+            <p14:sldId id="387"/>
+            <p14:sldId id="390"/>
+          </p14:sldIdLst>
+        </p14:section>
+      </p14:sectionLst>
+    </p:ext>
     <p:ext uri="{EFAFB233-063F-42B5-8137-9DF3F51BA10A}">
       <p15:sldGuideLst xmlns:p15="http://schemas.microsoft.com/office/powerpoint/2012/main">
         <p15:guide id="1" orient="horz" pos="2160">
@@ -171,7 +215,7 @@
 <file path=ppt/revisionInfo.xml><?xml version="1.0" encoding="utf-8"?>
 <p1510:revInfo xmlns:a="http://schemas.openxmlformats.org/drawingml/2006/main" xmlns:r="http://schemas.openxmlformats.org/officeDocument/2006/relationships" xmlns:p1510="http://schemas.microsoft.com/office/powerpoint/2015/10/main">
   <p1510:revLst>
-    <p1510:client id="{383512B5-F5F2-4149-9F56-1C225E310E1E}" v="3499" dt="2022-08-12T21:27:13.436"/>
+    <p1510:client id="{01FEE128-D782-43AC-BEF0-51AF3BD45076}" v="150" dt="2022-09-02T07:30:10.933"/>
   </p1510:revLst>
 </p1510:revInfo>
 </file>
@@ -886,6 +930,319 @@
       </pc:sldChg>
     </pc:docChg>
   </pc:docChgLst>
+  <pc:docChgLst>
+    <pc:chgData name="Luc Paoli" userId="28bcbf778cf7ff89" providerId="LiveId" clId="{01FEE128-D782-43AC-BEF0-51AF3BD45076}"/>
+    <pc:docChg chg="undo custSel addSld delSld modSld sldOrd addSection delSection">
+      <pc:chgData name="Luc Paoli" userId="28bcbf778cf7ff89" providerId="LiveId" clId="{01FEE128-D782-43AC-BEF0-51AF3BD45076}" dt="2022-09-02T07:30:46.852" v="1412"/>
+      <pc:docMkLst>
+        <pc:docMk/>
+      </pc:docMkLst>
+      <pc:sldChg chg="delSp modSp mod">
+        <pc:chgData name="Luc Paoli" userId="28bcbf778cf7ff89" providerId="LiveId" clId="{01FEE128-D782-43AC-BEF0-51AF3BD45076}" dt="2022-09-02T07:11:13.542" v="1" actId="1076"/>
+        <pc:sldMkLst>
+          <pc:docMk/>
+          <pc:sldMk cId="173834916" sldId="369"/>
+        </pc:sldMkLst>
+        <pc:spChg chg="del">
+          <ac:chgData name="Luc Paoli" userId="28bcbf778cf7ff89" providerId="LiveId" clId="{01FEE128-D782-43AC-BEF0-51AF3BD45076}" dt="2022-09-02T07:11:10.635" v="0" actId="478"/>
+          <ac:spMkLst>
+            <pc:docMk/>
+            <pc:sldMk cId="173834916" sldId="369"/>
+            <ac:spMk id="8" creationId="{D422B410-D21E-C370-3BDF-2E88B5F68B13}"/>
+          </ac:spMkLst>
+        </pc:spChg>
+        <pc:picChg chg="mod">
+          <ac:chgData name="Luc Paoli" userId="28bcbf778cf7ff89" providerId="LiveId" clId="{01FEE128-D782-43AC-BEF0-51AF3BD45076}" dt="2022-09-02T07:11:13.542" v="1" actId="1076"/>
+          <ac:picMkLst>
+            <pc:docMk/>
+            <pc:sldMk cId="173834916" sldId="369"/>
+            <ac:picMk id="7" creationId="{32D5A50B-CF9A-B297-8391-7610C8CA09E9}"/>
+          </ac:picMkLst>
+        </pc:picChg>
+      </pc:sldChg>
+      <pc:sldChg chg="modSp mod">
+        <pc:chgData name="Luc Paoli" userId="28bcbf778cf7ff89" providerId="LiveId" clId="{01FEE128-D782-43AC-BEF0-51AF3BD45076}" dt="2022-09-02T07:11:47.058" v="33" actId="20577"/>
+        <pc:sldMkLst>
+          <pc:docMk/>
+          <pc:sldMk cId="602924158" sldId="370"/>
+        </pc:sldMkLst>
+        <pc:spChg chg="mod">
+          <ac:chgData name="Luc Paoli" userId="28bcbf778cf7ff89" providerId="LiveId" clId="{01FEE128-D782-43AC-BEF0-51AF3BD45076}" dt="2022-09-02T07:11:47.058" v="33" actId="20577"/>
+          <ac:spMkLst>
+            <pc:docMk/>
+            <pc:sldMk cId="602924158" sldId="370"/>
+            <ac:spMk id="3" creationId="{55407B72-9FD0-07B8-0835-4A56499CF6AE}"/>
+          </ac:spMkLst>
+        </pc:spChg>
+      </pc:sldChg>
+      <pc:sldChg chg="modSp">
+        <pc:chgData name="Luc Paoli" userId="28bcbf778cf7ff89" providerId="LiveId" clId="{01FEE128-D782-43AC-BEF0-51AF3BD45076}" dt="2022-09-02T07:16:46.139" v="88" actId="20577"/>
+        <pc:sldMkLst>
+          <pc:docMk/>
+          <pc:sldMk cId="1048843457" sldId="371"/>
+        </pc:sldMkLst>
+        <pc:spChg chg="mod">
+          <ac:chgData name="Luc Paoli" userId="28bcbf778cf7ff89" providerId="LiveId" clId="{01FEE128-D782-43AC-BEF0-51AF3BD45076}" dt="2022-09-02T07:16:46.139" v="88" actId="20577"/>
+          <ac:spMkLst>
+            <pc:docMk/>
+            <pc:sldMk cId="1048843457" sldId="371"/>
+            <ac:spMk id="3" creationId="{8F6DB89B-7344-6F6C-5692-23BEF9A9601E}"/>
+          </ac:spMkLst>
+        </pc:spChg>
+      </pc:sldChg>
+      <pc:sldChg chg="modSp">
+        <pc:chgData name="Luc Paoli" userId="28bcbf778cf7ff89" providerId="LiveId" clId="{01FEE128-D782-43AC-BEF0-51AF3BD45076}" dt="2022-09-02T07:17:23.094" v="98" actId="20577"/>
+        <pc:sldMkLst>
+          <pc:docMk/>
+          <pc:sldMk cId="2421420483" sldId="373"/>
+        </pc:sldMkLst>
+        <pc:spChg chg="mod">
+          <ac:chgData name="Luc Paoli" userId="28bcbf778cf7ff89" providerId="LiveId" clId="{01FEE128-D782-43AC-BEF0-51AF3BD45076}" dt="2022-09-02T07:17:23.094" v="98" actId="20577"/>
+          <ac:spMkLst>
+            <pc:docMk/>
+            <pc:sldMk cId="2421420483" sldId="373"/>
+            <ac:spMk id="3" creationId="{E17D2067-812E-4AE4-3608-6A014A550968}"/>
+          </ac:spMkLst>
+        </pc:spChg>
+      </pc:sldChg>
+      <pc:sldChg chg="modSp">
+        <pc:chgData name="Luc Paoli" userId="28bcbf778cf7ff89" providerId="LiveId" clId="{01FEE128-D782-43AC-BEF0-51AF3BD45076}" dt="2022-09-02T07:18:46.087" v="162" actId="20577"/>
+        <pc:sldMkLst>
+          <pc:docMk/>
+          <pc:sldMk cId="1080354258" sldId="375"/>
+        </pc:sldMkLst>
+        <pc:spChg chg="mod">
+          <ac:chgData name="Luc Paoli" userId="28bcbf778cf7ff89" providerId="LiveId" clId="{01FEE128-D782-43AC-BEF0-51AF3BD45076}" dt="2022-09-02T07:18:46.087" v="162" actId="20577"/>
+          <ac:spMkLst>
+            <pc:docMk/>
+            <pc:sldMk cId="1080354258" sldId="375"/>
+            <ac:spMk id="3" creationId="{C8A65B96-74D9-0FA1-8113-0270C139450E}"/>
+          </ac:spMkLst>
+        </pc:spChg>
+      </pc:sldChg>
+      <pc:sldChg chg="modNotesTx">
+        <pc:chgData name="Luc Paoli" userId="28bcbf778cf7ff89" providerId="LiveId" clId="{01FEE128-D782-43AC-BEF0-51AF3BD45076}" dt="2022-09-02T07:19:44.206" v="354" actId="20577"/>
+        <pc:sldMkLst>
+          <pc:docMk/>
+          <pc:sldMk cId="505262784" sldId="376"/>
+        </pc:sldMkLst>
+      </pc:sldChg>
+      <pc:sldChg chg="modSp mod">
+        <pc:chgData name="Luc Paoli" userId="28bcbf778cf7ff89" providerId="LiveId" clId="{01FEE128-D782-43AC-BEF0-51AF3BD45076}" dt="2022-09-02T07:19:53.698" v="355" actId="20577"/>
+        <pc:sldMkLst>
+          <pc:docMk/>
+          <pc:sldMk cId="4130849071" sldId="377"/>
+        </pc:sldMkLst>
+        <pc:spChg chg="mod">
+          <ac:chgData name="Luc Paoli" userId="28bcbf778cf7ff89" providerId="LiveId" clId="{01FEE128-D782-43AC-BEF0-51AF3BD45076}" dt="2022-09-02T07:19:53.698" v="355" actId="20577"/>
+          <ac:spMkLst>
+            <pc:docMk/>
+            <pc:sldMk cId="4130849071" sldId="377"/>
+            <ac:spMk id="3" creationId="{D00F8448-8E99-B901-A890-EA790ADF14AE}"/>
+          </ac:spMkLst>
+        </pc:spChg>
+      </pc:sldChg>
+      <pc:sldChg chg="modSp">
+        <pc:chgData name="Luc Paoli" userId="28bcbf778cf7ff89" providerId="LiveId" clId="{01FEE128-D782-43AC-BEF0-51AF3BD45076}" dt="2022-09-02T07:20:23.104" v="359" actId="20577"/>
+        <pc:sldMkLst>
+          <pc:docMk/>
+          <pc:sldMk cId="3710366564" sldId="379"/>
+        </pc:sldMkLst>
+        <pc:spChg chg="mod">
+          <ac:chgData name="Luc Paoli" userId="28bcbf778cf7ff89" providerId="LiveId" clId="{01FEE128-D782-43AC-BEF0-51AF3BD45076}" dt="2022-09-02T07:20:23.104" v="359" actId="20577"/>
+          <ac:spMkLst>
+            <pc:docMk/>
+            <pc:sldMk cId="3710366564" sldId="379"/>
+            <ac:spMk id="3" creationId="{3725D185-BEA6-E205-8556-FFBDECC04296}"/>
+          </ac:spMkLst>
+        </pc:spChg>
+      </pc:sldChg>
+      <pc:sldChg chg="modSp mod">
+        <pc:chgData name="Luc Paoli" userId="28bcbf778cf7ff89" providerId="LiveId" clId="{01FEE128-D782-43AC-BEF0-51AF3BD45076}" dt="2022-09-02T07:21:29.839" v="373" actId="20577"/>
+        <pc:sldMkLst>
+          <pc:docMk/>
+          <pc:sldMk cId="47091817" sldId="382"/>
+        </pc:sldMkLst>
+        <pc:spChg chg="mod">
+          <ac:chgData name="Luc Paoli" userId="28bcbf778cf7ff89" providerId="LiveId" clId="{01FEE128-D782-43AC-BEF0-51AF3BD45076}" dt="2022-09-02T07:21:29.839" v="373" actId="20577"/>
+          <ac:spMkLst>
+            <pc:docMk/>
+            <pc:sldMk cId="47091817" sldId="382"/>
+            <ac:spMk id="3" creationId="{C1215E58-15B8-809D-85BC-EDD444222B42}"/>
+          </ac:spMkLst>
+        </pc:spChg>
+      </pc:sldChg>
+      <pc:sldChg chg="modSp mod">
+        <pc:chgData name="Luc Paoli" userId="28bcbf778cf7ff89" providerId="LiveId" clId="{01FEE128-D782-43AC-BEF0-51AF3BD45076}" dt="2022-09-02T07:21:53.483" v="376" actId="20577"/>
+        <pc:sldMkLst>
+          <pc:docMk/>
+          <pc:sldMk cId="512776855" sldId="383"/>
+        </pc:sldMkLst>
+        <pc:spChg chg="mod">
+          <ac:chgData name="Luc Paoli" userId="28bcbf778cf7ff89" providerId="LiveId" clId="{01FEE128-D782-43AC-BEF0-51AF3BD45076}" dt="2022-09-02T07:21:53.483" v="376" actId="20577"/>
+          <ac:spMkLst>
+            <pc:docMk/>
+            <pc:sldMk cId="512776855" sldId="383"/>
+            <ac:spMk id="3" creationId="{57614F68-6532-E288-C15D-36DB919987F7}"/>
+          </ac:spMkLst>
+        </pc:spChg>
+      </pc:sldChg>
+      <pc:sldChg chg="modSp mod">
+        <pc:chgData name="Luc Paoli" userId="28bcbf778cf7ff89" providerId="LiveId" clId="{01FEE128-D782-43AC-BEF0-51AF3BD45076}" dt="2022-09-02T07:22:23.547" v="387" actId="5793"/>
+        <pc:sldMkLst>
+          <pc:docMk/>
+          <pc:sldMk cId="3566713906" sldId="384"/>
+        </pc:sldMkLst>
+        <pc:spChg chg="mod">
+          <ac:chgData name="Luc Paoli" userId="28bcbf778cf7ff89" providerId="LiveId" clId="{01FEE128-D782-43AC-BEF0-51AF3BD45076}" dt="2022-09-02T07:22:23.547" v="387" actId="5793"/>
+          <ac:spMkLst>
+            <pc:docMk/>
+            <pc:sldMk cId="3566713906" sldId="384"/>
+            <ac:spMk id="3" creationId="{C1BF8438-9FF8-1BE1-E7AD-781A7A3B92AA}"/>
+          </ac:spMkLst>
+        </pc:spChg>
+      </pc:sldChg>
+      <pc:sldChg chg="modSp">
+        <pc:chgData name="Luc Paoli" userId="28bcbf778cf7ff89" providerId="LiveId" clId="{01FEE128-D782-43AC-BEF0-51AF3BD45076}" dt="2022-09-02T07:23:17.858" v="459" actId="20577"/>
+        <pc:sldMkLst>
+          <pc:docMk/>
+          <pc:sldMk cId="3849963506" sldId="385"/>
+        </pc:sldMkLst>
+        <pc:spChg chg="mod">
+          <ac:chgData name="Luc Paoli" userId="28bcbf778cf7ff89" providerId="LiveId" clId="{01FEE128-D782-43AC-BEF0-51AF3BD45076}" dt="2022-09-02T07:23:17.858" v="459" actId="20577"/>
+          <ac:spMkLst>
+            <pc:docMk/>
+            <pc:sldMk cId="3849963506" sldId="385"/>
+            <ac:spMk id="3" creationId="{A2BCE162-9B03-D214-8195-CF9C4E753469}"/>
+          </ac:spMkLst>
+        </pc:spChg>
+      </pc:sldChg>
+      <pc:sldChg chg="ord modNotesTx">
+        <pc:chgData name="Luc Paoli" userId="28bcbf778cf7ff89" providerId="LiveId" clId="{01FEE128-D782-43AC-BEF0-51AF3BD45076}" dt="2022-09-02T07:30:46.852" v="1412"/>
+        <pc:sldMkLst>
+          <pc:docMk/>
+          <pc:sldMk cId="1018146709" sldId="386"/>
+        </pc:sldMkLst>
+      </pc:sldChg>
+      <pc:sldChg chg="modNotesTx">
+        <pc:chgData name="Luc Paoli" userId="28bcbf778cf7ff89" providerId="LiveId" clId="{01FEE128-D782-43AC-BEF0-51AF3BD45076}" dt="2022-09-02T07:25:31.339" v="778" actId="20577"/>
+        <pc:sldMkLst>
+          <pc:docMk/>
+          <pc:sldMk cId="853940684" sldId="387"/>
+        </pc:sldMkLst>
+      </pc:sldChg>
+      <pc:sldChg chg="del">
+        <pc:chgData name="Luc Paoli" userId="28bcbf778cf7ff89" providerId="LiveId" clId="{01FEE128-D782-43AC-BEF0-51AF3BD45076}" dt="2022-09-02T07:24:41.806" v="461" actId="2696"/>
+        <pc:sldMkLst>
+          <pc:docMk/>
+          <pc:sldMk cId="3860679924" sldId="388"/>
+        </pc:sldMkLst>
+      </pc:sldChg>
+      <pc:sldChg chg="del">
+        <pc:chgData name="Luc Paoli" userId="28bcbf778cf7ff89" providerId="LiveId" clId="{01FEE128-D782-43AC-BEF0-51AF3BD45076}" dt="2022-09-02T07:24:39.530" v="460" actId="2696"/>
+        <pc:sldMkLst>
+          <pc:docMk/>
+          <pc:sldMk cId="3841461831" sldId="389"/>
+        </pc:sldMkLst>
+      </pc:sldChg>
+      <pc:sldChg chg="modSp mod modNotesTx">
+        <pc:chgData name="Luc Paoli" userId="28bcbf778cf7ff89" providerId="LiveId" clId="{01FEE128-D782-43AC-BEF0-51AF3BD45076}" dt="2022-09-02T07:30:44.125" v="1410" actId="20577"/>
+        <pc:sldMkLst>
+          <pc:docMk/>
+          <pc:sldMk cId="3182583764" sldId="390"/>
+        </pc:sldMkLst>
+        <pc:spChg chg="mod">
+          <ac:chgData name="Luc Paoli" userId="28bcbf778cf7ff89" providerId="LiveId" clId="{01FEE128-D782-43AC-BEF0-51AF3BD45076}" dt="2022-09-02T07:30:44.125" v="1410" actId="20577"/>
+          <ac:spMkLst>
+            <pc:docMk/>
+            <pc:sldMk cId="3182583764" sldId="390"/>
+            <ac:spMk id="3" creationId="{07AFC933-3B76-A90C-5714-5F57ABCEF8D7}"/>
+          </ac:spMkLst>
+        </pc:spChg>
+      </pc:sldChg>
+      <pc:sldChg chg="modSp add mod ord">
+        <pc:chgData name="Luc Paoli" userId="28bcbf778cf7ff89" providerId="LiveId" clId="{01FEE128-D782-43AC-BEF0-51AF3BD45076}" dt="2022-09-02T07:11:42.717" v="19" actId="20577"/>
+        <pc:sldMkLst>
+          <pc:docMk/>
+          <pc:sldMk cId="3552292344" sldId="391"/>
+        </pc:sldMkLst>
+        <pc:spChg chg="mod">
+          <ac:chgData name="Luc Paoli" userId="28bcbf778cf7ff89" providerId="LiveId" clId="{01FEE128-D782-43AC-BEF0-51AF3BD45076}" dt="2022-09-02T07:11:42.717" v="19" actId="20577"/>
+          <ac:spMkLst>
+            <pc:docMk/>
+            <pc:sldMk cId="3552292344" sldId="391"/>
+            <ac:spMk id="3" creationId="{55407B72-9FD0-07B8-0835-4A56499CF6AE}"/>
+          </ac:spMkLst>
+        </pc:spChg>
+      </pc:sldChg>
+      <pc:sldChg chg="modSp add ord">
+        <pc:chgData name="Luc Paoli" userId="28bcbf778cf7ff89" providerId="LiveId" clId="{01FEE128-D782-43AC-BEF0-51AF3BD45076}" dt="2022-09-02T07:16:59.743" v="92"/>
+        <pc:sldMkLst>
+          <pc:docMk/>
+          <pc:sldMk cId="2227276125" sldId="392"/>
+        </pc:sldMkLst>
+        <pc:spChg chg="mod">
+          <ac:chgData name="Luc Paoli" userId="28bcbf778cf7ff89" providerId="LiveId" clId="{01FEE128-D782-43AC-BEF0-51AF3BD45076}" dt="2022-09-02T07:16:57.512" v="90" actId="20577"/>
+          <ac:spMkLst>
+            <pc:docMk/>
+            <pc:sldMk cId="2227276125" sldId="392"/>
+            <ac:spMk id="3" creationId="{55407B72-9FD0-07B8-0835-4A56499CF6AE}"/>
+          </ac:spMkLst>
+        </pc:spChg>
+      </pc:sldChg>
+      <pc:sldChg chg="modSp add mod ord modNotesTx">
+        <pc:chgData name="Luc Paoli" userId="28bcbf778cf7ff89" providerId="LiveId" clId="{01FEE128-D782-43AC-BEF0-51AF3BD45076}" dt="2022-09-02T07:18:40.090" v="160" actId="20577"/>
+        <pc:sldMkLst>
+          <pc:docMk/>
+          <pc:sldMk cId="3844324816" sldId="393"/>
+        </pc:sldMkLst>
+        <pc:spChg chg="mod">
+          <ac:chgData name="Luc Paoli" userId="28bcbf778cf7ff89" providerId="LiveId" clId="{01FEE128-D782-43AC-BEF0-51AF3BD45076}" dt="2022-09-02T07:18:40.090" v="160" actId="20577"/>
+          <ac:spMkLst>
+            <pc:docMk/>
+            <pc:sldMk cId="3844324816" sldId="393"/>
+            <ac:spMk id="3" creationId="{C8A65B96-74D9-0FA1-8113-0270C139450E}"/>
+          </ac:spMkLst>
+        </pc:spChg>
+      </pc:sldChg>
+      <pc:sldChg chg="modSp add mod ord">
+        <pc:chgData name="Luc Paoli" userId="28bcbf778cf7ff89" providerId="LiveId" clId="{01FEE128-D782-43AC-BEF0-51AF3BD45076}" dt="2022-09-02T07:21:18.213" v="363"/>
+        <pc:sldMkLst>
+          <pc:docMk/>
+          <pc:sldMk cId="711142160" sldId="394"/>
+        </pc:sldMkLst>
+        <pc:spChg chg="mod">
+          <ac:chgData name="Luc Paoli" userId="28bcbf778cf7ff89" providerId="LiveId" clId="{01FEE128-D782-43AC-BEF0-51AF3BD45076}" dt="2022-09-02T07:21:15.519" v="361" actId="20577"/>
+          <ac:spMkLst>
+            <pc:docMk/>
+            <pc:sldMk cId="711142160" sldId="394"/>
+            <ac:spMk id="3" creationId="{C1215E58-15B8-809D-85BC-EDD444222B42}"/>
+          </ac:spMkLst>
+        </pc:spChg>
+      </pc:sldChg>
+      <pc:sldChg chg="add">
+        <pc:chgData name="Luc Paoli" userId="28bcbf778cf7ff89" providerId="LiveId" clId="{01FEE128-D782-43AC-BEF0-51AF3BD45076}" dt="2022-09-02T07:21:47.360" v="375" actId="2890"/>
+        <pc:sldMkLst>
+          <pc:docMk/>
+          <pc:sldMk cId="116966292" sldId="395"/>
+        </pc:sldMkLst>
+      </pc:sldChg>
+      <pc:sldChg chg="add">
+        <pc:chgData name="Luc Paoli" userId="28bcbf778cf7ff89" providerId="LiveId" clId="{01FEE128-D782-43AC-BEF0-51AF3BD45076}" dt="2022-09-02T07:22:05.474" v="377" actId="2890"/>
+        <pc:sldMkLst>
+          <pc:docMk/>
+          <pc:sldMk cId="27909446" sldId="396"/>
+        </pc:sldMkLst>
+      </pc:sldChg>
+      <pc:sldChg chg="add">
+        <pc:chgData name="Luc Paoli" userId="28bcbf778cf7ff89" providerId="LiveId" clId="{01FEE128-D782-43AC-BEF0-51AF3BD45076}" dt="2022-09-02T07:22:15.949" v="379" actId="2890"/>
+        <pc:sldMkLst>
+          <pc:docMk/>
+          <pc:sldMk cId="3124029530" sldId="397"/>
+        </pc:sldMkLst>
+      </pc:sldChg>
+    </pc:docChg>
+  </pc:docChgLst>
 </pc:chgInfo>
 </file>
 
@@ -971,7 +1328,7 @@
           <a:p>
             <a:fld id="{6D2CC9D1-B559-0843-AD36-897B157130C2}" type="datetimeFigureOut">
               <a:rPr lang="en-US" smtClean="0"/>
-              <a:t>8/17/2022</a:t>
+              <a:t>9/2/2022</a:t>
             </a:fld>
             <a:endParaRPr lang="en-US"/>
           </a:p>
@@ -1138,7 +1495,7 @@
             <a:fld id="{21E07F8B-42E5-8848-9418-61648E606395}" type="datetimeFigureOut">
               <a:rPr lang="en-US" smtClean="0"/>
               <a:pPr/>
-              <a:t>8/17/2022</a:t>
+              <a:t>9/2/2022</a:t>
             </a:fld>
             <a:endParaRPr lang="en-US"/>
           </a:p>
@@ -1475,7 +1832,365 @@
             <a:fld id="{03652605-0564-D447-8592-4B3916BD2E72}" type="slidenum">
               <a:rPr lang="en-US" smtClean="0"/>
               <a:pPr/>
-              <a:t>18</a:t>
+              <a:t>5</a:t>
+            </a:fld>
+            <a:endParaRPr lang="en-US"/>
+          </a:p>
+        </p:txBody>
+      </p:sp>
+    </p:spTree>
+    <p:extLst>
+      <p:ext uri="{BB962C8B-B14F-4D97-AF65-F5344CB8AC3E}">
+        <p14:creationId xmlns:p14="http://schemas.microsoft.com/office/powerpoint/2010/main" val="4294355300"/>
+      </p:ext>
+    </p:extLst>
+  </p:cSld>
+  <p:clrMapOvr>
+    <a:masterClrMapping/>
+  </p:clrMapOvr>
+</p:notes>
+</file>
+
+<file path=ppt/notesSlides/notesSlide2.xml><?xml version="1.0" encoding="utf-8"?>
+<p:notes xmlns:a="http://schemas.openxmlformats.org/drawingml/2006/main" xmlns:r="http://schemas.openxmlformats.org/officeDocument/2006/relationships" xmlns:p="http://schemas.openxmlformats.org/presentationml/2006/main">
+  <p:cSld>
+    <p:spTree>
+      <p:nvGrpSpPr>
+        <p:cNvPr id="1" name=""/>
+        <p:cNvGrpSpPr/>
+        <p:nvPr/>
+      </p:nvGrpSpPr>
+      <p:grpSpPr>
+        <a:xfrm>
+          <a:off x="0" y="0"/>
+          <a:ext cx="0" cy="0"/>
+          <a:chOff x="0" y="0"/>
+          <a:chExt cx="0" cy="0"/>
+        </a:xfrm>
+      </p:grpSpPr>
+      <p:sp>
+        <p:nvSpPr>
+          <p:cNvPr id="2" name="Slide Image Placeholder 1"/>
+          <p:cNvSpPr>
+            <a:spLocks noGrp="1" noRot="1" noChangeAspect="1"/>
+          </p:cNvSpPr>
+          <p:nvPr>
+            <p:ph type="sldImg"/>
+          </p:nvPr>
+        </p:nvSpPr>
+        <p:spPr/>
+      </p:sp>
+      <p:sp>
+        <p:nvSpPr>
+          <p:cNvPr id="3" name="Notes Placeholder 2"/>
+          <p:cNvSpPr>
+            <a:spLocks noGrp="1"/>
+          </p:cNvSpPr>
+          <p:nvPr>
+            <p:ph type="body" idx="1"/>
+          </p:nvPr>
+        </p:nvSpPr>
+        <p:spPr/>
+        <p:txBody>
+          <a:bodyPr/>
+          <a:lstStyle/>
+          <a:p>
+            <a:r>
+              <a:rPr lang="en-GB" dirty="0" err="1"/>
+              <a:t>Mu_i</a:t>
+            </a:r>
+            <a:r>
+              <a:rPr lang="en-GB" dirty="0"/>
+              <a:t>^* is the pure component fugacity</a:t>
+            </a:r>
+          </a:p>
+        </p:txBody>
+      </p:sp>
+      <p:sp>
+        <p:nvSpPr>
+          <p:cNvPr id="4" name="Slide Number Placeholder 3"/>
+          <p:cNvSpPr>
+            <a:spLocks noGrp="1"/>
+          </p:cNvSpPr>
+          <p:nvPr>
+            <p:ph type="sldNum" sz="quarter" idx="5"/>
+          </p:nvPr>
+        </p:nvSpPr>
+        <p:spPr/>
+        <p:txBody>
+          <a:bodyPr/>
+          <a:lstStyle/>
+          <a:p>
+            <a:fld id="{03652605-0564-D447-8592-4B3916BD2E72}" type="slidenum">
+              <a:rPr lang="en-US" smtClean="0"/>
+              <a:pPr/>
+              <a:t>13</a:t>
+            </a:fld>
+            <a:endParaRPr lang="en-US"/>
+          </a:p>
+        </p:txBody>
+      </p:sp>
+    </p:spTree>
+    <p:extLst>
+      <p:ext uri="{BB962C8B-B14F-4D97-AF65-F5344CB8AC3E}">
+        <p14:creationId xmlns:p14="http://schemas.microsoft.com/office/powerpoint/2010/main" val="3605447223"/>
+      </p:ext>
+    </p:extLst>
+  </p:cSld>
+  <p:clrMapOvr>
+    <a:masterClrMapping/>
+  </p:clrMapOvr>
+</p:notes>
+</file>
+
+<file path=ppt/notesSlides/notesSlide3.xml><?xml version="1.0" encoding="utf-8"?>
+<p:notes xmlns:a="http://schemas.openxmlformats.org/drawingml/2006/main" xmlns:r="http://schemas.openxmlformats.org/officeDocument/2006/relationships" xmlns:p="http://schemas.openxmlformats.org/presentationml/2006/main">
+  <p:cSld>
+    <p:spTree>
+      <p:nvGrpSpPr>
+        <p:cNvPr id="1" name=""/>
+        <p:cNvGrpSpPr/>
+        <p:nvPr/>
+      </p:nvGrpSpPr>
+      <p:grpSpPr>
+        <a:xfrm>
+          <a:off x="0" y="0"/>
+          <a:ext cx="0" cy="0"/>
+          <a:chOff x="0" y="0"/>
+          <a:chExt cx="0" cy="0"/>
+        </a:xfrm>
+      </p:grpSpPr>
+      <p:sp>
+        <p:nvSpPr>
+          <p:cNvPr id="2" name="Slide Image Placeholder 1"/>
+          <p:cNvSpPr>
+            <a:spLocks noGrp="1" noRot="1" noChangeAspect="1"/>
+          </p:cNvSpPr>
+          <p:nvPr>
+            <p:ph type="sldImg"/>
+          </p:nvPr>
+        </p:nvSpPr>
+        <p:spPr/>
+      </p:sp>
+      <p:sp>
+        <p:nvSpPr>
+          <p:cNvPr id="3" name="Notes Placeholder 2"/>
+          <p:cNvSpPr>
+            <a:spLocks noGrp="1"/>
+          </p:cNvSpPr>
+          <p:nvPr>
+            <p:ph type="body" idx="1"/>
+          </p:nvPr>
+        </p:nvSpPr>
+        <p:spPr/>
+        <p:txBody>
+          <a:bodyPr/>
+          <a:lstStyle/>
+          <a:p>
+            <a:r>
+              <a:rPr lang="en-GB" dirty="0"/>
+              <a:t>It is important to realise that tm(X) is _not_ the same as </a:t>
+            </a:r>
+            <a:r>
+              <a:rPr lang="en-GB" dirty="0" err="1"/>
+              <a:t>tpd</a:t>
+            </a:r>
+            <a:r>
+              <a:rPr lang="en-GB" dirty="0"/>
+              <a:t>, but rather a related but new function turning out to be more convenient</a:t>
+            </a:r>
+          </a:p>
+        </p:txBody>
+      </p:sp>
+      <p:sp>
+        <p:nvSpPr>
+          <p:cNvPr id="4" name="Slide Number Placeholder 3"/>
+          <p:cNvSpPr>
+            <a:spLocks noGrp="1"/>
+          </p:cNvSpPr>
+          <p:nvPr>
+            <p:ph type="sldNum" sz="quarter" idx="5"/>
+          </p:nvPr>
+        </p:nvSpPr>
+        <p:spPr/>
+        <p:txBody>
+          <a:bodyPr/>
+          <a:lstStyle/>
+          <a:p>
+            <a:fld id="{03652605-0564-D447-8592-4B3916BD2E72}" type="slidenum">
+              <a:rPr lang="en-US" smtClean="0"/>
+              <a:pPr/>
+              <a:t>15</a:t>
+            </a:fld>
+            <a:endParaRPr lang="en-US"/>
+          </a:p>
+        </p:txBody>
+      </p:sp>
+    </p:spTree>
+    <p:extLst>
+      <p:ext uri="{BB962C8B-B14F-4D97-AF65-F5344CB8AC3E}">
+        <p14:creationId xmlns:p14="http://schemas.microsoft.com/office/powerpoint/2010/main" val="2235270098"/>
+      </p:ext>
+    </p:extLst>
+  </p:cSld>
+  <p:clrMapOvr>
+    <a:masterClrMapping/>
+  </p:clrMapOvr>
+</p:notes>
+</file>
+
+<file path=ppt/notesSlides/notesSlide4.xml><?xml version="1.0" encoding="utf-8"?>
+<p:notes xmlns:a="http://schemas.openxmlformats.org/drawingml/2006/main" xmlns:r="http://schemas.openxmlformats.org/officeDocument/2006/relationships" xmlns:p="http://schemas.openxmlformats.org/presentationml/2006/main">
+  <p:cSld>
+    <p:spTree>
+      <p:nvGrpSpPr>
+        <p:cNvPr id="1" name=""/>
+        <p:cNvGrpSpPr/>
+        <p:nvPr/>
+      </p:nvGrpSpPr>
+      <p:grpSpPr>
+        <a:xfrm>
+          <a:off x="0" y="0"/>
+          <a:ext cx="0" cy="0"/>
+          <a:chOff x="0" y="0"/>
+          <a:chExt cx="0" cy="0"/>
+        </a:xfrm>
+      </p:grpSpPr>
+      <p:sp>
+        <p:nvSpPr>
+          <p:cNvPr id="2" name="Slide Image Placeholder 1"/>
+          <p:cNvSpPr>
+            <a:spLocks noGrp="1" noRot="1" noChangeAspect="1"/>
+          </p:cNvSpPr>
+          <p:nvPr>
+            <p:ph type="sldImg"/>
+          </p:nvPr>
+        </p:nvSpPr>
+        <p:spPr/>
+      </p:sp>
+      <p:sp>
+        <p:nvSpPr>
+          <p:cNvPr id="3" name="Notes Placeholder 2"/>
+          <p:cNvSpPr>
+            <a:spLocks noGrp="1"/>
+          </p:cNvSpPr>
+          <p:nvPr>
+            <p:ph type="body" idx="1"/>
+          </p:nvPr>
+        </p:nvSpPr>
+        <p:spPr/>
+        <p:txBody>
+          <a:bodyPr/>
+          <a:lstStyle/>
+          <a:p>
+            <a:endParaRPr lang="en-GB" dirty="0"/>
+          </a:p>
+        </p:txBody>
+      </p:sp>
+      <p:sp>
+        <p:nvSpPr>
+          <p:cNvPr id="4" name="Slide Number Placeholder 3"/>
+          <p:cNvSpPr>
+            <a:spLocks noGrp="1"/>
+          </p:cNvSpPr>
+          <p:nvPr>
+            <p:ph type="sldNum" sz="quarter" idx="5"/>
+          </p:nvPr>
+        </p:nvSpPr>
+        <p:spPr/>
+        <p:txBody>
+          <a:bodyPr/>
+          <a:lstStyle/>
+          <a:p>
+            <a:fld id="{03652605-0564-D447-8592-4B3916BD2E72}" type="slidenum">
+              <a:rPr lang="en-US" smtClean="0"/>
+              <a:pPr/>
+              <a:t>21</a:t>
+            </a:fld>
+            <a:endParaRPr lang="en-US"/>
+          </a:p>
+        </p:txBody>
+      </p:sp>
+    </p:spTree>
+    <p:extLst>
+      <p:ext uri="{BB962C8B-B14F-4D97-AF65-F5344CB8AC3E}">
+        <p14:creationId xmlns:p14="http://schemas.microsoft.com/office/powerpoint/2010/main" val="2839796283"/>
+      </p:ext>
+    </p:extLst>
+  </p:cSld>
+  <p:clrMapOvr>
+    <a:masterClrMapping/>
+  </p:clrMapOvr>
+</p:notes>
+</file>
+
+<file path=ppt/notesSlides/notesSlide5.xml><?xml version="1.0" encoding="utf-8"?>
+<p:notes xmlns:a="http://schemas.openxmlformats.org/drawingml/2006/main" xmlns:r="http://schemas.openxmlformats.org/officeDocument/2006/relationships" xmlns:p="http://schemas.openxmlformats.org/presentationml/2006/main">
+  <p:cSld>
+    <p:spTree>
+      <p:nvGrpSpPr>
+        <p:cNvPr id="1" name=""/>
+        <p:cNvGrpSpPr/>
+        <p:nvPr/>
+      </p:nvGrpSpPr>
+      <p:grpSpPr>
+        <a:xfrm>
+          <a:off x="0" y="0"/>
+          <a:ext cx="0" cy="0"/>
+          <a:chOff x="0" y="0"/>
+          <a:chExt cx="0" cy="0"/>
+        </a:xfrm>
+      </p:grpSpPr>
+      <p:sp>
+        <p:nvSpPr>
+          <p:cNvPr id="2" name="Slide Image Placeholder 1"/>
+          <p:cNvSpPr>
+            <a:spLocks noGrp="1" noRot="1" noChangeAspect="1"/>
+          </p:cNvSpPr>
+          <p:nvPr>
+            <p:ph type="sldImg"/>
+          </p:nvPr>
+        </p:nvSpPr>
+        <p:spPr/>
+      </p:sp>
+      <p:sp>
+        <p:nvSpPr>
+          <p:cNvPr id="3" name="Notes Placeholder 2"/>
+          <p:cNvSpPr>
+            <a:spLocks noGrp="1"/>
+          </p:cNvSpPr>
+          <p:nvPr>
+            <p:ph type="body" idx="1"/>
+          </p:nvPr>
+        </p:nvSpPr>
+        <p:spPr/>
+        <p:txBody>
+          <a:bodyPr/>
+          <a:lstStyle/>
+          <a:p>
+            <a:endParaRPr lang="en-GB" dirty="0"/>
+          </a:p>
+        </p:txBody>
+      </p:sp>
+      <p:sp>
+        <p:nvSpPr>
+          <p:cNvPr id="4" name="Slide Number Placeholder 3"/>
+          <p:cNvSpPr>
+            <a:spLocks noGrp="1"/>
+          </p:cNvSpPr>
+          <p:nvPr>
+            <p:ph type="sldNum" sz="quarter" idx="5"/>
+          </p:nvPr>
+        </p:nvSpPr>
+        <p:spPr/>
+        <p:txBody>
+          <a:bodyPr/>
+          <a:lstStyle/>
+          <a:p>
+            <a:fld id="{03652605-0564-D447-8592-4B3916BD2E72}" type="slidenum">
+              <a:rPr lang="en-US" smtClean="0"/>
+              <a:pPr/>
+              <a:t>22</a:t>
             </a:fld>
             <a:endParaRPr lang="en-US"/>
           </a:p>
@@ -1485,6 +2200,340 @@
     <p:extLst>
       <p:ext uri="{BB962C8B-B14F-4D97-AF65-F5344CB8AC3E}">
         <p14:creationId xmlns:p14="http://schemas.microsoft.com/office/powerpoint/2010/main" val="810357374"/>
+      </p:ext>
+    </p:extLst>
+  </p:cSld>
+  <p:clrMapOvr>
+    <a:masterClrMapping/>
+  </p:clrMapOvr>
+</p:notes>
+</file>
+
+<file path=ppt/notesSlides/notesSlide6.xml><?xml version="1.0" encoding="utf-8"?>
+<p:notes xmlns:a="http://schemas.openxmlformats.org/drawingml/2006/main" xmlns:r="http://schemas.openxmlformats.org/officeDocument/2006/relationships" xmlns:p="http://schemas.openxmlformats.org/presentationml/2006/main">
+  <p:cSld>
+    <p:spTree>
+      <p:nvGrpSpPr>
+        <p:cNvPr id="1" name=""/>
+        <p:cNvGrpSpPr/>
+        <p:nvPr/>
+      </p:nvGrpSpPr>
+      <p:grpSpPr>
+        <a:xfrm>
+          <a:off x="0" y="0"/>
+          <a:ext cx="0" cy="0"/>
+          <a:chOff x="0" y="0"/>
+          <a:chExt cx="0" cy="0"/>
+        </a:xfrm>
+      </p:grpSpPr>
+      <p:sp>
+        <p:nvSpPr>
+          <p:cNvPr id="2" name="Slide Image Placeholder 1"/>
+          <p:cNvSpPr>
+            <a:spLocks noGrp="1" noRot="1" noChangeAspect="1"/>
+          </p:cNvSpPr>
+          <p:nvPr>
+            <p:ph type="sldImg"/>
+          </p:nvPr>
+        </p:nvSpPr>
+        <p:spPr/>
+      </p:sp>
+      <p:sp>
+        <p:nvSpPr>
+          <p:cNvPr id="3" name="Notes Placeholder 2"/>
+          <p:cNvSpPr>
+            <a:spLocks noGrp="1"/>
+          </p:cNvSpPr>
+          <p:nvPr>
+            <p:ph type="body" idx="1"/>
+          </p:nvPr>
+        </p:nvSpPr>
+        <p:spPr/>
+        <p:txBody>
+          <a:bodyPr/>
+          <a:lstStyle/>
+          <a:p>
+            <a:r>
+              <a:rPr lang="en-GB" dirty="0"/>
+              <a:t># Solve for our liquid and vapour guesses</a:t>
+            </a:r>
+          </a:p>
+          <a:p>
+            <a:r>
+              <a:rPr lang="en-GB" dirty="0" err="1"/>
+              <a:t>optf</a:t>
+            </a:r>
+            <a:r>
+              <a:rPr lang="en-GB" dirty="0"/>
+              <a:t> = </a:t>
+            </a:r>
+            <a:r>
+              <a:rPr lang="en-GB" dirty="0" err="1"/>
+              <a:t>OptimizationFunction</a:t>
+            </a:r>
+            <a:r>
+              <a:rPr lang="en-GB" dirty="0"/>
+              <a:t>(f, </a:t>
+            </a:r>
+            <a:r>
+              <a:rPr lang="en-GB" dirty="0" err="1"/>
+              <a:t>Optimization.AutoForwardDiff</a:t>
+            </a:r>
+            <a:r>
+              <a:rPr lang="en-GB" dirty="0"/>
+              <a:t>())</a:t>
+            </a:r>
+          </a:p>
+          <a:p>
+            <a:r>
+              <a:rPr lang="en-GB" dirty="0"/>
+              <a:t>prob(x0) = </a:t>
+            </a:r>
+            <a:r>
+              <a:rPr lang="en-GB" dirty="0" err="1"/>
+              <a:t>OptimizationProblem</a:t>
+            </a:r>
+            <a:r>
+              <a:rPr lang="en-GB" dirty="0"/>
+              <a:t>(</a:t>
+            </a:r>
+            <a:r>
+              <a:rPr lang="en-GB" dirty="0" err="1"/>
+              <a:t>optf</a:t>
+            </a:r>
+            <a:r>
+              <a:rPr lang="en-GB" dirty="0"/>
+              <a:t>, log.(x0))</a:t>
+            </a:r>
+          </a:p>
+          <a:p>
+            <a:r>
+              <a:rPr lang="en-GB" dirty="0"/>
+              <a:t>sol(x0) = solve(prob(x0), Newton())</a:t>
+            </a:r>
+          </a:p>
+          <a:p>
+            <a:r>
+              <a:rPr lang="en-GB" dirty="0"/>
+              <a:t># Evaluate solutions</a:t>
+            </a:r>
+          </a:p>
+          <a:p>
+            <a:r>
+              <a:rPr lang="en-GB" dirty="0" err="1"/>
+              <a:t>sol_vec</a:t>
+            </a:r>
+            <a:r>
+              <a:rPr lang="en-GB" dirty="0"/>
+              <a:t> = sol.(x0_vec)</a:t>
+            </a:r>
+          </a:p>
+          <a:p>
+            <a:endParaRPr lang="en-GB" dirty="0"/>
+          </a:p>
+        </p:txBody>
+      </p:sp>
+      <p:sp>
+        <p:nvSpPr>
+          <p:cNvPr id="4" name="Slide Number Placeholder 3"/>
+          <p:cNvSpPr>
+            <a:spLocks noGrp="1"/>
+          </p:cNvSpPr>
+          <p:nvPr>
+            <p:ph type="sldNum" sz="quarter" idx="5"/>
+          </p:nvPr>
+        </p:nvSpPr>
+        <p:spPr/>
+        <p:txBody>
+          <a:bodyPr/>
+          <a:lstStyle/>
+          <a:p>
+            <a:fld id="{03652605-0564-D447-8592-4B3916BD2E72}" type="slidenum">
+              <a:rPr lang="en-US" smtClean="0"/>
+              <a:pPr/>
+              <a:t>29</a:t>
+            </a:fld>
+            <a:endParaRPr lang="en-US"/>
+          </a:p>
+        </p:txBody>
+      </p:sp>
+    </p:spTree>
+    <p:extLst>
+      <p:ext uri="{BB962C8B-B14F-4D97-AF65-F5344CB8AC3E}">
+        <p14:creationId xmlns:p14="http://schemas.microsoft.com/office/powerpoint/2010/main" val="2385464630"/>
+      </p:ext>
+    </p:extLst>
+  </p:cSld>
+  <p:clrMapOvr>
+    <a:masterClrMapping/>
+  </p:clrMapOvr>
+</p:notes>
+</file>
+
+<file path=ppt/notesSlides/notesSlide7.xml><?xml version="1.0" encoding="utf-8"?>
+<p:notes xmlns:a="http://schemas.openxmlformats.org/drawingml/2006/main" xmlns:r="http://schemas.openxmlformats.org/officeDocument/2006/relationships" xmlns:p="http://schemas.openxmlformats.org/presentationml/2006/main">
+  <p:cSld>
+    <p:spTree>
+      <p:nvGrpSpPr>
+        <p:cNvPr id="1" name=""/>
+        <p:cNvGrpSpPr/>
+        <p:nvPr/>
+      </p:nvGrpSpPr>
+      <p:grpSpPr>
+        <a:xfrm>
+          <a:off x="0" y="0"/>
+          <a:ext cx="0" cy="0"/>
+          <a:chOff x="0" y="0"/>
+          <a:chExt cx="0" cy="0"/>
+        </a:xfrm>
+      </p:grpSpPr>
+      <p:sp>
+        <p:nvSpPr>
+          <p:cNvPr id="2" name="Slide Image Placeholder 1"/>
+          <p:cNvSpPr>
+            <a:spLocks noGrp="1" noRot="1" noChangeAspect="1"/>
+          </p:cNvSpPr>
+          <p:nvPr>
+            <p:ph type="sldImg"/>
+          </p:nvPr>
+        </p:nvSpPr>
+        <p:spPr/>
+      </p:sp>
+      <p:sp>
+        <p:nvSpPr>
+          <p:cNvPr id="3" name="Notes Placeholder 2"/>
+          <p:cNvSpPr>
+            <a:spLocks noGrp="1"/>
+          </p:cNvSpPr>
+          <p:nvPr>
+            <p:ph type="body" idx="1"/>
+          </p:nvPr>
+        </p:nvSpPr>
+        <p:spPr/>
+        <p:txBody>
+          <a:bodyPr/>
+          <a:lstStyle/>
+          <a:p>
+            <a:r>
+              <a:rPr lang="en-GB" dirty="0"/>
+              <a:t>These are incredibly useful when applying stability analysis as the precursor to a full flash algorithm. A flash algorithm is the terminology for the calculation of the “equilibrium tangent plane”, and will be the focus of our next section</a:t>
+            </a:r>
+          </a:p>
+        </p:txBody>
+      </p:sp>
+      <p:sp>
+        <p:nvSpPr>
+          <p:cNvPr id="4" name="Slide Number Placeholder 3"/>
+          <p:cNvSpPr>
+            <a:spLocks noGrp="1"/>
+          </p:cNvSpPr>
+          <p:nvPr>
+            <p:ph type="sldNum" sz="quarter" idx="5"/>
+          </p:nvPr>
+        </p:nvSpPr>
+        <p:spPr/>
+        <p:txBody>
+          <a:bodyPr/>
+          <a:lstStyle/>
+          <a:p>
+            <a:fld id="{03652605-0564-D447-8592-4B3916BD2E72}" type="slidenum">
+              <a:rPr lang="en-US" smtClean="0"/>
+              <a:pPr/>
+              <a:t>30</a:t>
+            </a:fld>
+            <a:endParaRPr lang="en-US"/>
+          </a:p>
+        </p:txBody>
+      </p:sp>
+    </p:spTree>
+    <p:extLst>
+      <p:ext uri="{BB962C8B-B14F-4D97-AF65-F5344CB8AC3E}">
+        <p14:creationId xmlns:p14="http://schemas.microsoft.com/office/powerpoint/2010/main" val="2736901125"/>
+      </p:ext>
+    </p:extLst>
+  </p:cSld>
+  <p:clrMapOvr>
+    <a:masterClrMapping/>
+  </p:clrMapOvr>
+</p:notes>
+</file>
+
+<file path=ppt/notesSlides/notesSlide8.xml><?xml version="1.0" encoding="utf-8"?>
+<p:notes xmlns:a="http://schemas.openxmlformats.org/drawingml/2006/main" xmlns:r="http://schemas.openxmlformats.org/officeDocument/2006/relationships" xmlns:p="http://schemas.openxmlformats.org/presentationml/2006/main">
+  <p:cSld>
+    <p:spTree>
+      <p:nvGrpSpPr>
+        <p:cNvPr id="1" name=""/>
+        <p:cNvGrpSpPr/>
+        <p:nvPr/>
+      </p:nvGrpSpPr>
+      <p:grpSpPr>
+        <a:xfrm>
+          <a:off x="0" y="0"/>
+          <a:ext cx="0" cy="0"/>
+          <a:chOff x="0" y="0"/>
+          <a:chExt cx="0" cy="0"/>
+        </a:xfrm>
+      </p:grpSpPr>
+      <p:sp>
+        <p:nvSpPr>
+          <p:cNvPr id="2" name="Slide Image Placeholder 1"/>
+          <p:cNvSpPr>
+            <a:spLocks noGrp="1" noRot="1" noChangeAspect="1"/>
+          </p:cNvSpPr>
+          <p:nvPr>
+            <p:ph type="sldImg"/>
+          </p:nvPr>
+        </p:nvSpPr>
+        <p:spPr/>
+      </p:sp>
+      <p:sp>
+        <p:nvSpPr>
+          <p:cNvPr id="3" name="Notes Placeholder 2"/>
+          <p:cNvSpPr>
+            <a:spLocks noGrp="1"/>
+          </p:cNvSpPr>
+          <p:nvPr>
+            <p:ph type="body" idx="1"/>
+          </p:nvPr>
+        </p:nvSpPr>
+        <p:spPr/>
+        <p:txBody>
+          <a:bodyPr/>
+          <a:lstStyle/>
+          <a:p>
+            <a:endParaRPr lang="en-GB" dirty="0"/>
+          </a:p>
+        </p:txBody>
+      </p:sp>
+      <p:sp>
+        <p:nvSpPr>
+          <p:cNvPr id="4" name="Slide Number Placeholder 3"/>
+          <p:cNvSpPr>
+            <a:spLocks noGrp="1"/>
+          </p:cNvSpPr>
+          <p:nvPr>
+            <p:ph type="sldNum" sz="quarter" idx="5"/>
+          </p:nvPr>
+        </p:nvSpPr>
+        <p:spPr/>
+        <p:txBody>
+          <a:bodyPr/>
+          <a:lstStyle/>
+          <a:p>
+            <a:fld id="{03652605-0564-D447-8592-4B3916BD2E72}" type="slidenum">
+              <a:rPr lang="en-US" smtClean="0"/>
+              <a:pPr/>
+              <a:t>31</a:t>
+            </a:fld>
+            <a:endParaRPr lang="en-US"/>
+          </a:p>
+        </p:txBody>
+      </p:sp>
+    </p:spTree>
+    <p:extLst>
+      <p:ext uri="{BB962C8B-B14F-4D97-AF65-F5344CB8AC3E}">
+        <p14:creationId xmlns:p14="http://schemas.microsoft.com/office/powerpoint/2010/main" val="573488936"/>
       </p:ext>
     </p:extLst>
   </p:cSld>
@@ -6002,6 +7051,720 @@
           <p:cNvPr id="2" name="Title 1">
             <a:extLst>
               <a:ext uri="{FF2B5EF4-FFF2-40B4-BE49-F238E27FC236}">
+                <a16:creationId xmlns:a16="http://schemas.microsoft.com/office/drawing/2014/main" id="{76904C9A-5704-DFFF-C37A-541BDBC2EBF8}"/>
+              </a:ext>
+            </a:extLst>
+          </p:cNvPr>
+          <p:cNvSpPr>
+            <a:spLocks noGrp="1"/>
+          </p:cNvSpPr>
+          <p:nvPr>
+            <p:ph type="title"/>
+          </p:nvPr>
+        </p:nvSpPr>
+        <p:spPr/>
+        <p:txBody>
+          <a:bodyPr/>
+          <a:lstStyle/>
+          <a:p>
+            <a:r>
+              <a:rPr lang="en-GB" dirty="0"/>
+              <a:t>Mathematical description</a:t>
+            </a:r>
+          </a:p>
+        </p:txBody>
+      </p:sp>
+      <mc:AlternateContent xmlns:mc="http://schemas.openxmlformats.org/markup-compatibility/2006" xmlns:a14="http://schemas.microsoft.com/office/drawing/2010/main">
+        <mc:Choice Requires="a14">
+          <p:sp>
+            <p:nvSpPr>
+              <p:cNvPr id="3" name="Content Placeholder 2">
+                <a:extLst>
+                  <a:ext uri="{FF2B5EF4-FFF2-40B4-BE49-F238E27FC236}">
+                    <a16:creationId xmlns:a16="http://schemas.microsoft.com/office/drawing/2014/main" id="{E3F434A6-4AF1-8E9A-9003-B9746AA9E8A6}"/>
+                  </a:ext>
+                </a:extLst>
+              </p:cNvPr>
+              <p:cNvSpPr>
+                <a:spLocks noGrp="1"/>
+              </p:cNvSpPr>
+              <p:nvPr>
+                <p:ph idx="1"/>
+              </p:nvPr>
+            </p:nvSpPr>
+            <p:spPr/>
+            <p:txBody>
+              <a:bodyPr/>
+              <a:lstStyle/>
+              <a:p>
+                <a:r>
+                  <a:rPr lang="en-GB" b="0" dirty="0"/>
+                  <a:t>Our function describing chemical stability is then</a:t>
+                </a:r>
+                <a:br>
+                  <a:rPr lang="en-GB" dirty="0"/>
+                </a:br>
+                <a14:m>
+                  <m:oMath xmlns:m="http://schemas.openxmlformats.org/officeDocument/2006/math">
+                    <m:r>
+                      <a:rPr lang="en-GB" b="0" i="1" smtClean="0">
+                        <a:latin typeface="Cambria Math" panose="02040503050406030204" pitchFamily="18" charset="0"/>
+                      </a:rPr>
+                      <m:t>𝑇𝑃𝐷</m:t>
+                    </m:r>
+                    <m:d>
+                      <m:dPr>
+                        <m:ctrlPr>
+                          <a:rPr lang="en-GB" b="0" i="1" smtClean="0">
+                            <a:latin typeface="Cambria Math" panose="02040503050406030204" pitchFamily="18" charset="0"/>
+                          </a:rPr>
+                        </m:ctrlPr>
+                      </m:dPr>
+                      <m:e>
+                        <m:r>
+                          <a:rPr lang="en-GB" b="1" i="0" smtClean="0">
+                            <a:latin typeface="Cambria Math" panose="02040503050406030204" pitchFamily="18" charset="0"/>
+                          </a:rPr>
+                          <m:t>𝐱</m:t>
+                        </m:r>
+                      </m:e>
+                    </m:d>
+                    <m:r>
+                      <a:rPr lang="en-GB" b="0" i="1" smtClean="0">
+                        <a:latin typeface="Cambria Math" panose="02040503050406030204" pitchFamily="18" charset="0"/>
+                      </a:rPr>
+                      <m:t>=</m:t>
+                    </m:r>
+                    <m:r>
+                      <a:rPr lang="en-GB" b="0" i="1">
+                        <a:latin typeface="Cambria Math" panose="02040503050406030204" pitchFamily="18" charset="0"/>
+                      </a:rPr>
+                      <m:t>∑</m:t>
+                    </m:r>
+                    <m:sSub>
+                      <m:sSubPr>
+                        <m:ctrlPr>
+                          <a:rPr lang="en-GB" b="0" i="1">
+                            <a:latin typeface="Cambria Math" panose="02040503050406030204" pitchFamily="18" charset="0"/>
+                          </a:rPr>
+                        </m:ctrlPr>
+                      </m:sSubPr>
+                      <m:e>
+                        <m:r>
+                          <a:rPr lang="en-GB" b="1" i="0">
+                            <a:latin typeface="Cambria Math" panose="02040503050406030204" pitchFamily="18" charset="0"/>
+                          </a:rPr>
+                          <m:t>𝐱</m:t>
+                        </m:r>
+                      </m:e>
+                      <m:sub>
+                        <m:r>
+                          <a:rPr lang="en-GB" b="0" i="1">
+                            <a:latin typeface="Cambria Math" panose="02040503050406030204" pitchFamily="18" charset="0"/>
+                          </a:rPr>
+                          <m:t>𝑖</m:t>
+                        </m:r>
+                      </m:sub>
+                    </m:sSub>
+                    <m:d>
+                      <m:dPr>
+                        <m:ctrlPr>
+                          <a:rPr lang="en-GB" b="0" i="1">
+                            <a:latin typeface="Cambria Math" panose="02040503050406030204" pitchFamily="18" charset="0"/>
+                          </a:rPr>
+                        </m:ctrlPr>
+                      </m:dPr>
+                      <m:e>
+                        <m:sSub>
+                          <m:sSubPr>
+                            <m:ctrlPr>
+                              <a:rPr lang="en-GB" b="0" i="1">
+                                <a:latin typeface="Cambria Math" panose="02040503050406030204" pitchFamily="18" charset="0"/>
+                              </a:rPr>
+                            </m:ctrlPr>
+                          </m:sSubPr>
+                          <m:e>
+                            <m:r>
+                              <a:rPr lang="en-GB" b="0" i="1">
+                                <a:latin typeface="Cambria Math" panose="02040503050406030204" pitchFamily="18" charset="0"/>
+                              </a:rPr>
+                              <m:t>𝜇</m:t>
+                            </m:r>
+                          </m:e>
+                          <m:sub>
+                            <m:r>
+                              <a:rPr lang="en-GB" b="0" i="1">
+                                <a:latin typeface="Cambria Math" panose="02040503050406030204" pitchFamily="18" charset="0"/>
+                              </a:rPr>
+                              <m:t>𝑖</m:t>
+                            </m:r>
+                          </m:sub>
+                        </m:sSub>
+                        <m:d>
+                          <m:dPr>
+                            <m:ctrlPr>
+                              <a:rPr lang="en-GB" b="0" i="1">
+                                <a:latin typeface="Cambria Math" panose="02040503050406030204" pitchFamily="18" charset="0"/>
+                              </a:rPr>
+                            </m:ctrlPr>
+                          </m:dPr>
+                          <m:e>
+                            <m:r>
+                              <a:rPr lang="en-GB" b="1" i="0" smtClean="0">
+                                <a:latin typeface="Cambria Math" panose="02040503050406030204" pitchFamily="18" charset="0"/>
+                              </a:rPr>
+                              <m:t>𝐱</m:t>
+                            </m:r>
+                          </m:e>
+                        </m:d>
+                        <m:r>
+                          <a:rPr lang="en-GB" b="0" i="1">
+                            <a:latin typeface="Cambria Math" panose="02040503050406030204" pitchFamily="18" charset="0"/>
+                          </a:rPr>
+                          <m:t>−</m:t>
+                        </m:r>
+                        <m:sSub>
+                          <m:sSubPr>
+                            <m:ctrlPr>
+                              <a:rPr lang="en-GB" b="0" i="1">
+                                <a:latin typeface="Cambria Math" panose="02040503050406030204" pitchFamily="18" charset="0"/>
+                              </a:rPr>
+                            </m:ctrlPr>
+                          </m:sSubPr>
+                          <m:e>
+                            <m:r>
+                              <a:rPr lang="en-GB" b="0" i="1">
+                                <a:latin typeface="Cambria Math" panose="02040503050406030204" pitchFamily="18" charset="0"/>
+                              </a:rPr>
+                              <m:t>𝜇</m:t>
+                            </m:r>
+                          </m:e>
+                          <m:sub>
+                            <m:r>
+                              <a:rPr lang="en-GB" b="0" i="1">
+                                <a:latin typeface="Cambria Math" panose="02040503050406030204" pitchFamily="18" charset="0"/>
+                              </a:rPr>
+                              <m:t>𝑖</m:t>
+                            </m:r>
+                          </m:sub>
+                        </m:sSub>
+                        <m:d>
+                          <m:dPr>
+                            <m:ctrlPr>
+                              <a:rPr lang="en-GB" b="0" i="1">
+                                <a:latin typeface="Cambria Math" panose="02040503050406030204" pitchFamily="18" charset="0"/>
+                              </a:rPr>
+                            </m:ctrlPr>
+                          </m:dPr>
+                          <m:e>
+                            <m:r>
+                              <a:rPr lang="en-GB" b="1" i="0">
+                                <a:latin typeface="Cambria Math" panose="02040503050406030204" pitchFamily="18" charset="0"/>
+                              </a:rPr>
+                              <m:t>𝐳</m:t>
+                            </m:r>
+                          </m:e>
+                        </m:d>
+                      </m:e>
+                    </m:d>
+                  </m:oMath>
+                </a14:m>
+                <a:endParaRPr lang="en-GB" b="0" dirty="0"/>
+              </a:p>
+              <a:p>
+                <a:pPr marL="0" indent="0">
+                  <a:buNone/>
+                </a:pPr>
+                <a:endParaRPr lang="en-GB" b="0" dirty="0"/>
+              </a:p>
+            </p:txBody>
+          </p:sp>
+        </mc:Choice>
+        <mc:Fallback xmlns="">
+          <p:sp>
+            <p:nvSpPr>
+              <p:cNvPr id="3" name="Content Placeholder 2">
+                <a:extLst>
+                  <a:ext uri="{FF2B5EF4-FFF2-40B4-BE49-F238E27FC236}">
+                    <a16:creationId xmlns:a16="http://schemas.microsoft.com/office/drawing/2014/main" id="{E3F434A6-4AF1-8E9A-9003-B9746AA9E8A6}"/>
+                  </a:ext>
+                </a:extLst>
+              </p:cNvPr>
+              <p:cNvSpPr>
+                <a:spLocks noGrp="1" noRot="1" noChangeAspect="1" noMove="1" noResize="1" noEditPoints="1" noAdjustHandles="1" noChangeArrowheads="1" noChangeShapeType="1" noTextEdit="1"/>
+              </p:cNvSpPr>
+              <p:nvPr>
+                <p:ph idx="1"/>
+              </p:nvPr>
+            </p:nvSpPr>
+            <p:spPr>
+              <a:blipFill>
+                <a:blip r:embed="rId2"/>
+                <a:stretch>
+                  <a:fillRect l="-1303" t="-1392"/>
+                </a:stretch>
+              </a:blipFill>
+            </p:spPr>
+            <p:txBody>
+              <a:bodyPr/>
+              <a:lstStyle/>
+              <a:p>
+                <a:r>
+                  <a:rPr lang="en-GB">
+                    <a:noFill/>
+                  </a:rPr>
+                  <a:t> </a:t>
+                </a:r>
+              </a:p>
+            </p:txBody>
+          </p:sp>
+        </mc:Fallback>
+      </mc:AlternateContent>
+      <p:sp>
+        <p:nvSpPr>
+          <p:cNvPr id="4" name="Footer Placeholder 3">
+            <a:extLst>
+              <a:ext uri="{FF2B5EF4-FFF2-40B4-BE49-F238E27FC236}">
+                <a16:creationId xmlns:a16="http://schemas.microsoft.com/office/drawing/2014/main" id="{0E5DEAE0-A7D6-D429-1219-F74503E5CAAB}"/>
+              </a:ext>
+            </a:extLst>
+          </p:cNvPr>
+          <p:cNvSpPr>
+            <a:spLocks noGrp="1"/>
+          </p:cNvSpPr>
+          <p:nvPr>
+            <p:ph type="ftr" sz="quarter" idx="3"/>
+          </p:nvPr>
+        </p:nvSpPr>
+        <p:spPr/>
+        <p:txBody>
+          <a:bodyPr/>
+          <a:lstStyle/>
+          <a:p>
+            <a:r>
+              <a:rPr lang="en-GB"/>
+              <a:t>© Imperial College London</a:t>
+            </a:r>
+            <a:endParaRPr lang="en-US" dirty="0"/>
+          </a:p>
+        </p:txBody>
+      </p:sp>
+      <p:sp>
+        <p:nvSpPr>
+          <p:cNvPr id="5" name="Slide Number Placeholder 4">
+            <a:extLst>
+              <a:ext uri="{FF2B5EF4-FFF2-40B4-BE49-F238E27FC236}">
+                <a16:creationId xmlns:a16="http://schemas.microsoft.com/office/drawing/2014/main" id="{5F16C54E-6AD5-7EE5-E52A-9F593488070B}"/>
+              </a:ext>
+            </a:extLst>
+          </p:cNvPr>
+          <p:cNvSpPr>
+            <a:spLocks noGrp="1"/>
+          </p:cNvSpPr>
+          <p:nvPr>
+            <p:ph type="sldNum" sz="quarter" idx="4"/>
+          </p:nvPr>
+        </p:nvSpPr>
+        <p:spPr/>
+        <p:txBody>
+          <a:bodyPr/>
+          <a:lstStyle/>
+          <a:p>
+            <a:pPr algn="ctr"/>
+            <a:r>
+              <a:rPr lang="en-US"/>
+              <a:t>Slide </a:t>
+            </a:r>
+            <a:fld id="{3C70A08B-371D-5A4D-978C-9F5470823ED6}" type="slidenum">
+              <a:rPr lang="en-US" smtClean="0"/>
+              <a:pPr algn="ctr"/>
+              <a:t>10</a:t>
+            </a:fld>
+            <a:endParaRPr lang="en-US" dirty="0"/>
+          </a:p>
+        </p:txBody>
+      </p:sp>
+      <p:pic>
+        <p:nvPicPr>
+          <p:cNvPr id="7" name="Graphic 6">
+            <a:extLst>
+              <a:ext uri="{FF2B5EF4-FFF2-40B4-BE49-F238E27FC236}">
+                <a16:creationId xmlns:a16="http://schemas.microsoft.com/office/drawing/2014/main" id="{4BBA8596-CCBD-1E72-3D7E-325A3DDF390D}"/>
+              </a:ext>
+            </a:extLst>
+          </p:cNvPr>
+          <p:cNvPicPr>
+            <a:picLocks noChangeAspect="1"/>
+          </p:cNvPicPr>
+          <p:nvPr/>
+        </p:nvPicPr>
+        <p:blipFill>
+          <a:blip r:embed="rId3">
+            <a:extLst>
+              <a:ext uri="{96DAC541-7B7A-43D3-8B79-37D633B846F1}">
+                <asvg:svgBlip xmlns:asvg="http://schemas.microsoft.com/office/drawing/2016/SVG/main" r:embed="rId4"/>
+              </a:ext>
+            </a:extLst>
+          </a:blip>
+          <a:stretch>
+            <a:fillRect/>
+          </a:stretch>
+        </p:blipFill>
+        <p:spPr>
+          <a:xfrm>
+            <a:off x="2099309" y="2997701"/>
+            <a:ext cx="5131646" cy="3421098"/>
+          </a:xfrm>
+          <a:prstGeom prst="rect">
+            <a:avLst/>
+          </a:prstGeom>
+        </p:spPr>
+      </p:pic>
+    </p:spTree>
+    <p:extLst>
+      <p:ext uri="{BB962C8B-B14F-4D97-AF65-F5344CB8AC3E}">
+        <p14:creationId xmlns:p14="http://schemas.microsoft.com/office/powerpoint/2010/main" val="231973167"/>
+      </p:ext>
+    </p:extLst>
+  </p:cSld>
+  <p:clrMapOvr>
+    <a:masterClrMapping/>
+  </p:clrMapOvr>
+</p:sld>
+</file>
+
+<file path=ppt/slides/slide11.xml><?xml version="1.0" encoding="utf-8"?>
+<p:sld xmlns:a="http://schemas.openxmlformats.org/drawingml/2006/main" xmlns:r="http://schemas.openxmlformats.org/officeDocument/2006/relationships" xmlns:p="http://schemas.openxmlformats.org/presentationml/2006/main">
+  <p:cSld>
+    <p:spTree>
+      <p:nvGrpSpPr>
+        <p:cNvPr id="1" name=""/>
+        <p:cNvGrpSpPr/>
+        <p:nvPr/>
+      </p:nvGrpSpPr>
+      <p:grpSpPr>
+        <a:xfrm>
+          <a:off x="0" y="0"/>
+          <a:ext cx="0" cy="0"/>
+          <a:chOff x="0" y="0"/>
+          <a:chExt cx="0" cy="0"/>
+        </a:xfrm>
+      </p:grpSpPr>
+      <p:sp>
+        <p:nvSpPr>
+          <p:cNvPr id="2" name="Title 1">
+            <a:extLst>
+              <a:ext uri="{FF2B5EF4-FFF2-40B4-BE49-F238E27FC236}">
+                <a16:creationId xmlns:a16="http://schemas.microsoft.com/office/drawing/2014/main" id="{F68D8419-3037-DC53-62CA-5F99F1FE3E95}"/>
+              </a:ext>
+            </a:extLst>
+          </p:cNvPr>
+          <p:cNvSpPr>
+            <a:spLocks noGrp="1"/>
+          </p:cNvSpPr>
+          <p:nvPr>
+            <p:ph type="title"/>
+          </p:nvPr>
+        </p:nvSpPr>
+        <p:spPr/>
+        <p:txBody>
+          <a:bodyPr/>
+          <a:lstStyle/>
+          <a:p>
+            <a:r>
+              <a:rPr lang="en-GB" dirty="0"/>
+              <a:t>Mathematical description</a:t>
+            </a:r>
+          </a:p>
+        </p:txBody>
+      </p:sp>
+      <mc:AlternateContent xmlns:mc="http://schemas.openxmlformats.org/markup-compatibility/2006">
+        <mc:Choice xmlns:a14="http://schemas.microsoft.com/office/drawing/2010/main" Requires="a14">
+          <p:sp>
+            <p:nvSpPr>
+              <p:cNvPr id="3" name="Content Placeholder 2">
+                <a:extLst>
+                  <a:ext uri="{FF2B5EF4-FFF2-40B4-BE49-F238E27FC236}">
+                    <a16:creationId xmlns:a16="http://schemas.microsoft.com/office/drawing/2014/main" id="{E17D2067-812E-4AE4-3608-6A014A550968}"/>
+                  </a:ext>
+                </a:extLst>
+              </p:cNvPr>
+              <p:cNvSpPr>
+                <a:spLocks noGrp="1"/>
+              </p:cNvSpPr>
+              <p:nvPr>
+                <p:ph idx="1"/>
+              </p:nvPr>
+            </p:nvSpPr>
+            <p:spPr/>
+            <p:txBody>
+              <a:bodyPr/>
+              <a:lstStyle/>
+              <a:p>
+                <a:r>
+                  <a:rPr lang="en-GB" b="0" dirty="0"/>
+                  <a:t>Another way of considering this algorithmically is</a:t>
+                </a:r>
+              </a:p>
+              <a:p>
+                <a:pPr marL="914400" lvl="1" indent="-457200">
+                  <a:buAutoNum type="arabicPeriod"/>
+                </a:pPr>
+                <a:r>
+                  <a:rPr lang="en-GB" dirty="0"/>
+                  <a:t>Evaluate every minimum of </a:t>
+                </a:r>
+                <a14:m>
+                  <m:oMath xmlns:m="http://schemas.openxmlformats.org/officeDocument/2006/math">
+                    <m:r>
+                      <a:rPr lang="en-GB" b="0" i="1" smtClean="0">
+                        <a:latin typeface="Cambria Math" panose="02040503050406030204" pitchFamily="18" charset="0"/>
+                      </a:rPr>
+                      <m:t>𝑇𝑃𝐷</m:t>
+                    </m:r>
+                  </m:oMath>
+                </a14:m>
+                <a:endParaRPr lang="en-GB" b="0" dirty="0"/>
+              </a:p>
+              <a:p>
+                <a:pPr marL="914400" lvl="1" indent="-457200">
+                  <a:buAutoNum type="arabicPeriod"/>
+                </a:pPr>
+                <a:r>
+                  <a:rPr lang="en-GB" dirty="0"/>
+                  <a:t>If </a:t>
+                </a:r>
+                <a14:m>
+                  <m:oMath xmlns:m="http://schemas.openxmlformats.org/officeDocument/2006/math">
+                    <m:r>
+                      <a:rPr lang="en-GB" b="0" i="1" smtClean="0">
+                        <a:latin typeface="Cambria Math" panose="02040503050406030204" pitchFamily="18" charset="0"/>
+                      </a:rPr>
+                      <m:t>𝑇𝑃𝐷</m:t>
+                    </m:r>
+                    <m:r>
+                      <a:rPr lang="en-GB" b="0" i="1" smtClean="0">
+                        <a:latin typeface="Cambria Math" panose="02040503050406030204" pitchFamily="18" charset="0"/>
+                      </a:rPr>
+                      <m:t>≥0</m:t>
+                    </m:r>
+                  </m:oMath>
+                </a14:m>
+                <a:r>
+                  <a:rPr lang="en-GB" b="0" dirty="0"/>
+                  <a:t> for every minimum found</a:t>
+                </a:r>
+              </a:p>
+              <a:p>
+                <a:pPr marL="1314450" lvl="2" indent="-457200"/>
+                <a:r>
+                  <a:rPr lang="en-GB" dirty="0"/>
+                  <a:t>r</a:t>
+                </a:r>
+                <a:r>
+                  <a:rPr lang="en-GB" b="0" dirty="0"/>
+                  <a:t>eturn STABLE</a:t>
+                </a:r>
+              </a:p>
+              <a:p>
+                <a:pPr marL="914400" lvl="1" indent="-457200">
+                  <a:buAutoNum type="arabicPeriod"/>
+                </a:pPr>
+                <a:r>
+                  <a:rPr lang="en-GB" dirty="0"/>
+                  <a:t>Else</a:t>
+                </a:r>
+                <a:endParaRPr lang="en-GB" b="0" dirty="0"/>
+              </a:p>
+              <a:p>
+                <a:pPr marL="1314450" lvl="2" indent="-457200"/>
+                <a:r>
+                  <a:rPr lang="en-GB" dirty="0"/>
+                  <a:t>r</a:t>
+                </a:r>
+                <a:r>
+                  <a:rPr lang="en-GB" b="0" dirty="0"/>
+                  <a:t>eturn UNSTABLE</a:t>
+                </a:r>
+              </a:p>
+              <a:p>
+                <a:pPr marL="1314450" lvl="2" indent="-457200"/>
+                <a:endParaRPr lang="en-GB" dirty="0"/>
+              </a:p>
+              <a:p>
+                <a:pPr marL="514350" indent="-457200"/>
+                <a:r>
+                  <a:rPr lang="en-GB" b="0" dirty="0"/>
+                  <a:t>The issue then becomes: </a:t>
+                </a:r>
+                <a:r>
+                  <a:rPr lang="en-GB" dirty="0"/>
+                  <a:t>how do we find the minimum of </a:t>
+                </a:r>
+                <a14:m>
+                  <m:oMath xmlns:m="http://schemas.openxmlformats.org/officeDocument/2006/math">
+                    <m:r>
+                      <a:rPr lang="en-GB" b="1" i="1" smtClean="0">
+                        <a:latin typeface="Cambria Math" panose="02040503050406030204" pitchFamily="18" charset="0"/>
+                      </a:rPr>
+                      <m:t>𝑻𝑷𝑫</m:t>
+                    </m:r>
+                  </m:oMath>
+                </a14:m>
+                <a:r>
+                  <a:rPr lang="en-GB" dirty="0"/>
+                  <a:t>?</a:t>
+                </a:r>
+              </a:p>
+              <a:p>
+                <a:pPr marL="914400" lvl="1" indent="-457200">
+                  <a:buFont typeface="+mj-lt"/>
+                  <a:buAutoNum type="arabicPeriod"/>
+                </a:pPr>
+                <a:endParaRPr lang="en-GB" b="0" dirty="0"/>
+              </a:p>
+            </p:txBody>
+          </p:sp>
+        </mc:Choice>
+        <mc:Fallback>
+          <p:sp>
+            <p:nvSpPr>
+              <p:cNvPr id="3" name="Content Placeholder 2">
+                <a:extLst>
+                  <a:ext uri="{FF2B5EF4-FFF2-40B4-BE49-F238E27FC236}">
+                    <a16:creationId xmlns:a16="http://schemas.microsoft.com/office/drawing/2014/main" id="{E17D2067-812E-4AE4-3608-6A014A550968}"/>
+                  </a:ext>
+                </a:extLst>
+              </p:cNvPr>
+              <p:cNvSpPr>
+                <a:spLocks noGrp="1" noRot="1" noChangeAspect="1" noMove="1" noResize="1" noEditPoints="1" noAdjustHandles="1" noChangeArrowheads="1" noChangeShapeType="1" noTextEdit="1"/>
+              </p:cNvSpPr>
+              <p:nvPr>
+                <p:ph idx="1"/>
+              </p:nvPr>
+            </p:nvSpPr>
+            <p:spPr>
+              <a:blipFill>
+                <a:blip r:embed="rId2"/>
+                <a:stretch>
+                  <a:fillRect l="-1303" t="-1392"/>
+                </a:stretch>
+              </a:blipFill>
+            </p:spPr>
+            <p:txBody>
+              <a:bodyPr/>
+              <a:lstStyle/>
+              <a:p>
+                <a:r>
+                  <a:rPr lang="en-GB">
+                    <a:noFill/>
+                  </a:rPr>
+                  <a:t> </a:t>
+                </a:r>
+              </a:p>
+            </p:txBody>
+          </p:sp>
+        </mc:Fallback>
+      </mc:AlternateContent>
+      <p:sp>
+        <p:nvSpPr>
+          <p:cNvPr id="4" name="Footer Placeholder 3">
+            <a:extLst>
+              <a:ext uri="{FF2B5EF4-FFF2-40B4-BE49-F238E27FC236}">
+                <a16:creationId xmlns:a16="http://schemas.microsoft.com/office/drawing/2014/main" id="{B957C9FE-6E78-E0C7-28CD-1994ED300062}"/>
+              </a:ext>
+            </a:extLst>
+          </p:cNvPr>
+          <p:cNvSpPr>
+            <a:spLocks noGrp="1"/>
+          </p:cNvSpPr>
+          <p:nvPr>
+            <p:ph type="ftr" sz="quarter" idx="3"/>
+          </p:nvPr>
+        </p:nvSpPr>
+        <p:spPr/>
+        <p:txBody>
+          <a:bodyPr/>
+          <a:lstStyle/>
+          <a:p>
+            <a:r>
+              <a:rPr lang="en-GB"/>
+              <a:t>© Imperial College London</a:t>
+            </a:r>
+            <a:endParaRPr lang="en-US" dirty="0"/>
+          </a:p>
+        </p:txBody>
+      </p:sp>
+      <p:sp>
+        <p:nvSpPr>
+          <p:cNvPr id="5" name="Slide Number Placeholder 4">
+            <a:extLst>
+              <a:ext uri="{FF2B5EF4-FFF2-40B4-BE49-F238E27FC236}">
+                <a16:creationId xmlns:a16="http://schemas.microsoft.com/office/drawing/2014/main" id="{8FD00F8E-BEAB-DACD-373B-A624CA61E88D}"/>
+              </a:ext>
+            </a:extLst>
+          </p:cNvPr>
+          <p:cNvSpPr>
+            <a:spLocks noGrp="1"/>
+          </p:cNvSpPr>
+          <p:nvPr>
+            <p:ph type="sldNum" sz="quarter" idx="4"/>
+          </p:nvPr>
+        </p:nvSpPr>
+        <p:spPr/>
+        <p:txBody>
+          <a:bodyPr/>
+          <a:lstStyle/>
+          <a:p>
+            <a:pPr algn="ctr"/>
+            <a:r>
+              <a:rPr lang="en-US"/>
+              <a:t>Slide </a:t>
+            </a:r>
+            <a:fld id="{3C70A08B-371D-5A4D-978C-9F5470823ED6}" type="slidenum">
+              <a:rPr lang="en-US" smtClean="0"/>
+              <a:pPr algn="ctr"/>
+              <a:t>11</a:t>
+            </a:fld>
+            <a:endParaRPr lang="en-US" dirty="0"/>
+          </a:p>
+        </p:txBody>
+      </p:sp>
+    </p:spTree>
+    <p:extLst>
+      <p:ext uri="{BB962C8B-B14F-4D97-AF65-F5344CB8AC3E}">
+        <p14:creationId xmlns:p14="http://schemas.microsoft.com/office/powerpoint/2010/main" val="2421420483"/>
+      </p:ext>
+    </p:extLst>
+  </p:cSld>
+  <p:clrMapOvr>
+    <a:masterClrMapping/>
+  </p:clrMapOvr>
+</p:sld>
+</file>
+
+<file path=ppt/slides/slide12.xml><?xml version="1.0" encoding="utf-8"?>
+<p:sld xmlns:a="http://schemas.openxmlformats.org/drawingml/2006/main" xmlns:r="http://schemas.openxmlformats.org/officeDocument/2006/relationships" xmlns:p="http://schemas.openxmlformats.org/presentationml/2006/main">
+  <p:cSld>
+    <p:spTree>
+      <p:nvGrpSpPr>
+        <p:cNvPr id="1" name=""/>
+        <p:cNvGrpSpPr/>
+        <p:nvPr/>
+      </p:nvGrpSpPr>
+      <p:grpSpPr>
+        <a:xfrm>
+          <a:off x="0" y="0"/>
+          <a:ext cx="0" cy="0"/>
+          <a:chOff x="0" y="0"/>
+          <a:chExt cx="0" cy="0"/>
+        </a:xfrm>
+      </p:grpSpPr>
+      <p:sp>
+        <p:nvSpPr>
+          <p:cNvPr id="2" name="Title 1">
+            <a:extLst>
+              <a:ext uri="{FF2B5EF4-FFF2-40B4-BE49-F238E27FC236}">
                 <a16:creationId xmlns:a16="http://schemas.microsoft.com/office/drawing/2014/main" id="{83B32544-6C62-6FBA-BDBD-6F83EB5F4749}"/>
               </a:ext>
             </a:extLst>
@@ -6279,7 +8042,7 @@
             <a:fld id="{3C70A08B-371D-5A4D-978C-9F5470823ED6}" type="slidenum">
               <a:rPr lang="en-US" smtClean="0"/>
               <a:pPr algn="ctr"/>
-              <a:t>10</a:t>
+              <a:t>12</a:t>
             </a:fld>
             <a:endParaRPr lang="en-US" dirty="0"/>
           </a:p>
@@ -6298,7 +8061,7 @@
 </p:sld>
 </file>
 
-<file path=ppt/slides/slide11.xml><?xml version="1.0" encoding="utf-8"?>
+<file path=ppt/slides/slide13.xml><?xml version="1.0" encoding="utf-8"?>
 <p:sld xmlns:a="http://schemas.openxmlformats.org/drawingml/2006/main" xmlns:r="http://schemas.openxmlformats.org/officeDocument/2006/relationships" xmlns:p="http://schemas.openxmlformats.org/presentationml/2006/main">
   <p:cSld>
     <p:spTree>
@@ -6343,8 +8106,928 @@
           </a:p>
         </p:txBody>
       </p:sp>
-      <mc:AlternateContent xmlns:mc="http://schemas.openxmlformats.org/markup-compatibility/2006" xmlns:a14="http://schemas.microsoft.com/office/drawing/2010/main">
-        <mc:Choice Requires="a14">
+      <mc:AlternateContent xmlns:mc="http://schemas.openxmlformats.org/markup-compatibility/2006">
+        <mc:Choice xmlns:a14="http://schemas.microsoft.com/office/drawing/2010/main" Requires="a14">
+          <p:sp>
+            <p:nvSpPr>
+              <p:cNvPr id="3" name="Content Placeholder 2">
+                <a:extLst>
+                  <a:ext uri="{FF2B5EF4-FFF2-40B4-BE49-F238E27FC236}">
+                    <a16:creationId xmlns:a16="http://schemas.microsoft.com/office/drawing/2014/main" id="{C8A65B96-74D9-0FA1-8113-0270C139450E}"/>
+                  </a:ext>
+                </a:extLst>
+              </p:cNvPr>
+              <p:cNvSpPr>
+                <a:spLocks noGrp="1"/>
+              </p:cNvSpPr>
+              <p:nvPr>
+                <p:ph idx="1"/>
+              </p:nvPr>
+            </p:nvSpPr>
+            <p:spPr/>
+            <p:txBody>
+              <a:bodyPr>
+                <a:normAutofit/>
+              </a:bodyPr>
+              <a:lstStyle/>
+              <a:p>
+                <a:r>
+                  <a:rPr lang="en-GB" b="0" dirty="0"/>
+                  <a:t>Once again following the route of Michelsen, we begin by expressing this in terms of fugacity coefficients</a:t>
+                </a:r>
+                <a:br>
+                  <a:rPr lang="en-GB" b="0" dirty="0"/>
+                </a:br>
+                <a14:m>
+                  <m:oMath xmlns:m="http://schemas.openxmlformats.org/officeDocument/2006/math">
+                    <m:sSub>
+                      <m:sSubPr>
+                        <m:ctrlPr>
+                          <a:rPr lang="en-GB" b="0" i="1" smtClean="0">
+                            <a:latin typeface="Cambria Math" panose="02040503050406030204" pitchFamily="18" charset="0"/>
+                          </a:rPr>
+                        </m:ctrlPr>
+                      </m:sSubPr>
+                      <m:e>
+                        <m:r>
+                          <a:rPr lang="en-GB" b="0" i="1" smtClean="0">
+                            <a:latin typeface="Cambria Math" panose="02040503050406030204" pitchFamily="18" charset="0"/>
+                          </a:rPr>
+                          <m:t>𝜇</m:t>
+                        </m:r>
+                      </m:e>
+                      <m:sub>
+                        <m:r>
+                          <a:rPr lang="en-GB" b="0" i="1" smtClean="0">
+                            <a:latin typeface="Cambria Math" panose="02040503050406030204" pitchFamily="18" charset="0"/>
+                          </a:rPr>
+                          <m:t>𝑖</m:t>
+                        </m:r>
+                      </m:sub>
+                    </m:sSub>
+                    <m:r>
+                      <a:rPr lang="en-GB" b="0" i="1" smtClean="0">
+                        <a:latin typeface="Cambria Math" panose="02040503050406030204" pitchFamily="18" charset="0"/>
+                      </a:rPr>
+                      <m:t>=</m:t>
+                    </m:r>
+                    <m:sSubSup>
+                      <m:sSubSupPr>
+                        <m:ctrlPr>
+                          <a:rPr lang="en-GB" b="0" i="1" smtClean="0">
+                            <a:latin typeface="Cambria Math" panose="02040503050406030204" pitchFamily="18" charset="0"/>
+                          </a:rPr>
+                        </m:ctrlPr>
+                      </m:sSubSupPr>
+                      <m:e>
+                        <m:r>
+                          <a:rPr lang="en-GB" b="0" i="1" smtClean="0">
+                            <a:latin typeface="Cambria Math" panose="02040503050406030204" pitchFamily="18" charset="0"/>
+                          </a:rPr>
+                          <m:t>𝜇</m:t>
+                        </m:r>
+                      </m:e>
+                      <m:sub>
+                        <m:r>
+                          <a:rPr lang="en-GB" b="0" i="1" smtClean="0">
+                            <a:latin typeface="Cambria Math" panose="02040503050406030204" pitchFamily="18" charset="0"/>
+                          </a:rPr>
+                          <m:t>𝑖</m:t>
+                        </m:r>
+                      </m:sub>
+                      <m:sup>
+                        <m:r>
+                          <a:rPr lang="en-GB" b="0" i="1" smtClean="0">
+                            <a:latin typeface="Cambria Math" panose="02040503050406030204" pitchFamily="18" charset="0"/>
+                          </a:rPr>
+                          <m:t>∗</m:t>
+                        </m:r>
+                      </m:sup>
+                    </m:sSubSup>
+                    <m:r>
+                      <a:rPr lang="en-GB" b="0" i="1" smtClean="0">
+                        <a:latin typeface="Cambria Math" panose="02040503050406030204" pitchFamily="18" charset="0"/>
+                      </a:rPr>
+                      <m:t>+</m:t>
+                    </m:r>
+                    <m:r>
+                      <a:rPr lang="en-GB" b="0" i="1" smtClean="0">
+                        <a:latin typeface="Cambria Math" panose="02040503050406030204" pitchFamily="18" charset="0"/>
+                      </a:rPr>
+                      <m:t>𝑅𝑇</m:t>
+                    </m:r>
+                    <m:func>
+                      <m:funcPr>
+                        <m:ctrlPr>
+                          <a:rPr lang="en-GB" b="0" i="1" smtClean="0">
+                            <a:latin typeface="Cambria Math" panose="02040503050406030204" pitchFamily="18" charset="0"/>
+                          </a:rPr>
+                        </m:ctrlPr>
+                      </m:funcPr>
+                      <m:fName>
+                        <m:r>
+                          <m:rPr>
+                            <m:sty m:val="p"/>
+                          </m:rPr>
+                          <a:rPr lang="en-GB" b="0" i="0" smtClean="0">
+                            <a:latin typeface="Cambria Math" panose="02040503050406030204" pitchFamily="18" charset="0"/>
+                          </a:rPr>
+                          <m:t>ln</m:t>
+                        </m:r>
+                      </m:fName>
+                      <m:e>
+                        <m:f>
+                          <m:fPr>
+                            <m:ctrlPr>
+                              <a:rPr lang="en-GB" b="0" i="1" smtClean="0">
+                                <a:latin typeface="Cambria Math" panose="02040503050406030204" pitchFamily="18" charset="0"/>
+                              </a:rPr>
+                            </m:ctrlPr>
+                          </m:fPr>
+                          <m:num>
+                            <m:sSub>
+                              <m:sSubPr>
+                                <m:ctrlPr>
+                                  <a:rPr lang="en-GB" b="0" i="1" smtClean="0">
+                                    <a:latin typeface="Cambria Math" panose="02040503050406030204" pitchFamily="18" charset="0"/>
+                                  </a:rPr>
+                                </m:ctrlPr>
+                              </m:sSubPr>
+                              <m:e>
+                                <m:r>
+                                  <a:rPr lang="en-GB" b="0" i="1" smtClean="0">
+                                    <a:latin typeface="Cambria Math" panose="02040503050406030204" pitchFamily="18" charset="0"/>
+                                  </a:rPr>
+                                  <m:t>𝑓</m:t>
+                                </m:r>
+                              </m:e>
+                              <m:sub>
+                                <m:r>
+                                  <a:rPr lang="en-GB" b="0" i="1" smtClean="0">
+                                    <a:latin typeface="Cambria Math" panose="02040503050406030204" pitchFamily="18" charset="0"/>
+                                  </a:rPr>
+                                  <m:t>𝑖</m:t>
+                                </m:r>
+                              </m:sub>
+                            </m:sSub>
+                          </m:num>
+                          <m:den>
+                            <m:sSup>
+                              <m:sSupPr>
+                                <m:ctrlPr>
+                                  <a:rPr lang="en-GB" b="0" i="1" smtClean="0">
+                                    <a:latin typeface="Cambria Math" panose="02040503050406030204" pitchFamily="18" charset="0"/>
+                                  </a:rPr>
+                                </m:ctrlPr>
+                              </m:sSupPr>
+                              <m:e>
+                                <m:r>
+                                  <a:rPr lang="en-GB" b="0" i="1" smtClean="0">
+                                    <a:latin typeface="Cambria Math" panose="02040503050406030204" pitchFamily="18" charset="0"/>
+                                  </a:rPr>
+                                  <m:t>𝑝</m:t>
+                                </m:r>
+                              </m:e>
+                              <m:sup>
+                                <m:r>
+                                  <m:rPr>
+                                    <m:sty m:val="p"/>
+                                  </m:rPr>
+                                  <a:rPr lang="en-GB" b="0" i="0" smtClean="0">
+                                    <a:latin typeface="Cambria Math" panose="02040503050406030204" pitchFamily="18" charset="0"/>
+                                  </a:rPr>
+                                  <m:t>ref</m:t>
+                                </m:r>
+                              </m:sup>
+                            </m:sSup>
+                          </m:den>
+                        </m:f>
+                      </m:e>
+                    </m:func>
+                    <m:r>
+                      <a:rPr lang="en-GB" b="0" i="1" smtClean="0">
+                        <a:latin typeface="Cambria Math" panose="02040503050406030204" pitchFamily="18" charset="0"/>
+                      </a:rPr>
+                      <m:t>=</m:t>
+                    </m:r>
+                    <m:sSubSup>
+                      <m:sSubSupPr>
+                        <m:ctrlPr>
+                          <a:rPr lang="en-GB" b="0" i="1" smtClean="0">
+                            <a:latin typeface="Cambria Math" panose="02040503050406030204" pitchFamily="18" charset="0"/>
+                          </a:rPr>
+                        </m:ctrlPr>
+                      </m:sSubSupPr>
+                      <m:e>
+                        <m:r>
+                          <a:rPr lang="en-GB" b="0" i="1" smtClean="0">
+                            <a:latin typeface="Cambria Math" panose="02040503050406030204" pitchFamily="18" charset="0"/>
+                          </a:rPr>
+                          <m:t>𝜇</m:t>
+                        </m:r>
+                      </m:e>
+                      <m:sub>
+                        <m:r>
+                          <a:rPr lang="en-GB" b="0" i="1" smtClean="0">
+                            <a:latin typeface="Cambria Math" panose="02040503050406030204" pitchFamily="18" charset="0"/>
+                          </a:rPr>
+                          <m:t>𝑖</m:t>
+                        </m:r>
+                      </m:sub>
+                      <m:sup>
+                        <m:r>
+                          <a:rPr lang="en-GB" b="0" i="1" smtClean="0">
+                            <a:latin typeface="Cambria Math" panose="02040503050406030204" pitchFamily="18" charset="0"/>
+                          </a:rPr>
+                          <m:t>∗</m:t>
+                        </m:r>
+                      </m:sup>
+                    </m:sSubSup>
+                    <m:r>
+                      <a:rPr lang="en-GB" b="0" i="1" smtClean="0">
+                        <a:latin typeface="Cambria Math" panose="02040503050406030204" pitchFamily="18" charset="0"/>
+                      </a:rPr>
+                      <m:t>+</m:t>
+                    </m:r>
+                    <m:r>
+                      <a:rPr lang="en-GB" b="0" i="1" smtClean="0">
+                        <a:latin typeface="Cambria Math" panose="02040503050406030204" pitchFamily="18" charset="0"/>
+                      </a:rPr>
+                      <m:t>𝑅𝑇</m:t>
+                    </m:r>
+                    <m:d>
+                      <m:dPr>
+                        <m:ctrlPr>
+                          <a:rPr lang="en-GB" b="0" i="1" smtClean="0">
+                            <a:latin typeface="Cambria Math" panose="02040503050406030204" pitchFamily="18" charset="0"/>
+                          </a:rPr>
+                        </m:ctrlPr>
+                      </m:dPr>
+                      <m:e>
+                        <m:func>
+                          <m:funcPr>
+                            <m:ctrlPr>
+                              <a:rPr lang="en-GB" b="0" i="1" smtClean="0">
+                                <a:latin typeface="Cambria Math" panose="02040503050406030204" pitchFamily="18" charset="0"/>
+                              </a:rPr>
+                            </m:ctrlPr>
+                          </m:funcPr>
+                          <m:fName>
+                            <m:r>
+                              <m:rPr>
+                                <m:sty m:val="p"/>
+                              </m:rPr>
+                              <a:rPr lang="en-GB" b="0" i="0" smtClean="0">
+                                <a:latin typeface="Cambria Math" panose="02040503050406030204" pitchFamily="18" charset="0"/>
+                              </a:rPr>
+                              <m:t>ln</m:t>
+                            </m:r>
+                          </m:fName>
+                          <m:e>
+                            <m:sSub>
+                              <m:sSubPr>
+                                <m:ctrlPr>
+                                  <a:rPr lang="en-GB" b="0" i="1" smtClean="0">
+                                    <a:latin typeface="Cambria Math" panose="02040503050406030204" pitchFamily="18" charset="0"/>
+                                  </a:rPr>
+                                </m:ctrlPr>
+                              </m:sSubPr>
+                              <m:e>
+                                <m:r>
+                                  <a:rPr lang="en-GB" b="0" i="1" smtClean="0">
+                                    <a:latin typeface="Cambria Math" panose="02040503050406030204" pitchFamily="18" charset="0"/>
+                                  </a:rPr>
+                                  <m:t>𝑥</m:t>
+                                </m:r>
+                              </m:e>
+                              <m:sub>
+                                <m:r>
+                                  <a:rPr lang="en-GB" b="0" i="1" smtClean="0">
+                                    <a:latin typeface="Cambria Math" panose="02040503050406030204" pitchFamily="18" charset="0"/>
+                                  </a:rPr>
+                                  <m:t>𝑖</m:t>
+                                </m:r>
+                              </m:sub>
+                            </m:sSub>
+                          </m:e>
+                        </m:func>
+                        <m:r>
+                          <a:rPr lang="en-GB" b="0" i="1" smtClean="0">
+                            <a:latin typeface="Cambria Math" panose="02040503050406030204" pitchFamily="18" charset="0"/>
+                          </a:rPr>
+                          <m:t>+</m:t>
+                        </m:r>
+                        <m:func>
+                          <m:funcPr>
+                            <m:ctrlPr>
+                              <a:rPr lang="en-GB" b="0" i="1" smtClean="0">
+                                <a:latin typeface="Cambria Math" panose="02040503050406030204" pitchFamily="18" charset="0"/>
+                              </a:rPr>
+                            </m:ctrlPr>
+                          </m:funcPr>
+                          <m:fName>
+                            <m:r>
+                              <m:rPr>
+                                <m:sty m:val="p"/>
+                              </m:rPr>
+                              <a:rPr lang="en-GB" b="0" i="0" smtClean="0">
+                                <a:latin typeface="Cambria Math" panose="02040503050406030204" pitchFamily="18" charset="0"/>
+                              </a:rPr>
+                              <m:t>ln</m:t>
+                            </m:r>
+                          </m:fName>
+                          <m:e>
+                            <m:sSub>
+                              <m:sSubPr>
+                                <m:ctrlPr>
+                                  <a:rPr lang="en-GB" b="0" i="1" smtClean="0">
+                                    <a:latin typeface="Cambria Math" panose="02040503050406030204" pitchFamily="18" charset="0"/>
+                                  </a:rPr>
+                                </m:ctrlPr>
+                              </m:sSubPr>
+                              <m:e>
+                                <m:r>
+                                  <a:rPr lang="en-GB" b="0" i="1" smtClean="0">
+                                    <a:latin typeface="Cambria Math" panose="02040503050406030204" pitchFamily="18" charset="0"/>
+                                  </a:rPr>
+                                  <m:t>𝜑</m:t>
+                                </m:r>
+                              </m:e>
+                              <m:sub>
+                                <m:r>
+                                  <a:rPr lang="en-GB" b="0" i="1" smtClean="0">
+                                    <a:latin typeface="Cambria Math" panose="02040503050406030204" pitchFamily="18" charset="0"/>
+                                  </a:rPr>
+                                  <m:t>𝑖</m:t>
+                                </m:r>
+                              </m:sub>
+                            </m:sSub>
+                          </m:e>
+                        </m:func>
+                      </m:e>
+                    </m:d>
+                  </m:oMath>
+                </a14:m>
+                <a:endParaRPr lang="en-GB" b="0" dirty="0"/>
+              </a:p>
+              <a:p>
+                <a:pPr marL="0" indent="0" algn="ctr">
+                  <a:buNone/>
+                </a:pPr>
+                <a14:m>
+                  <m:oMathPara xmlns:m="http://schemas.openxmlformats.org/officeDocument/2006/math">
+                    <m:oMathParaPr>
+                      <m:jc m:val="center"/>
+                    </m:oMathParaPr>
+                    <m:oMath xmlns:m="http://schemas.openxmlformats.org/officeDocument/2006/math">
+                      <m:sSub>
+                        <m:sSubPr>
+                          <m:ctrlPr>
+                            <a:rPr lang="en-GB" b="0" i="1">
+                              <a:latin typeface="Cambria Math" panose="02040503050406030204" pitchFamily="18" charset="0"/>
+                            </a:rPr>
+                          </m:ctrlPr>
+                        </m:sSubPr>
+                        <m:e>
+                          <m:r>
+                            <a:rPr lang="en-GB" b="0" i="1">
+                              <a:latin typeface="Cambria Math" panose="02040503050406030204" pitchFamily="18" charset="0"/>
+                            </a:rPr>
+                            <m:t>𝑑</m:t>
+                          </m:r>
+                        </m:e>
+                        <m:sub>
+                          <m:r>
+                            <a:rPr lang="en-GB" b="0" i="1">
+                              <a:latin typeface="Cambria Math" panose="02040503050406030204" pitchFamily="18" charset="0"/>
+                            </a:rPr>
+                            <m:t>𝑖</m:t>
+                          </m:r>
+                        </m:sub>
+                      </m:sSub>
+                      <m:r>
+                        <a:rPr lang="en-GB" b="0" i="1">
+                          <a:latin typeface="Cambria Math" panose="02040503050406030204" pitchFamily="18" charset="0"/>
+                        </a:rPr>
+                        <m:t>=</m:t>
+                      </m:r>
+                      <m:func>
+                        <m:funcPr>
+                          <m:ctrlPr>
+                            <a:rPr lang="en-GB" b="0" i="1">
+                              <a:latin typeface="Cambria Math" panose="02040503050406030204" pitchFamily="18" charset="0"/>
+                            </a:rPr>
+                          </m:ctrlPr>
+                        </m:funcPr>
+                        <m:fName>
+                          <m:r>
+                            <m:rPr>
+                              <m:sty m:val="p"/>
+                            </m:rPr>
+                            <a:rPr lang="en-GB" b="0">
+                              <a:latin typeface="Cambria Math" panose="02040503050406030204" pitchFamily="18" charset="0"/>
+                            </a:rPr>
+                            <m:t>ln</m:t>
+                          </m:r>
+                        </m:fName>
+                        <m:e>
+                          <m:sSub>
+                            <m:sSubPr>
+                              <m:ctrlPr>
+                                <a:rPr lang="en-GB" b="0" i="1">
+                                  <a:latin typeface="Cambria Math" panose="02040503050406030204" pitchFamily="18" charset="0"/>
+                                </a:rPr>
+                              </m:ctrlPr>
+                            </m:sSubPr>
+                            <m:e>
+                              <m:r>
+                                <a:rPr lang="en-GB" b="0" i="1">
+                                  <a:latin typeface="Cambria Math" panose="02040503050406030204" pitchFamily="18" charset="0"/>
+                                </a:rPr>
+                                <m:t>𝑧</m:t>
+                              </m:r>
+                            </m:e>
+                            <m:sub>
+                              <m:r>
+                                <a:rPr lang="en-GB" b="0" i="1">
+                                  <a:latin typeface="Cambria Math" panose="02040503050406030204" pitchFamily="18" charset="0"/>
+                                </a:rPr>
+                                <m:t>𝑖</m:t>
+                              </m:r>
+                            </m:sub>
+                          </m:sSub>
+                          <m:r>
+                            <a:rPr lang="en-GB" b="0" i="1" smtClean="0">
+                              <a:latin typeface="Cambria Math" panose="02040503050406030204" pitchFamily="18" charset="0"/>
+                            </a:rPr>
+                            <m:t>+</m:t>
+                          </m:r>
+                          <m:func>
+                            <m:funcPr>
+                              <m:ctrlPr>
+                                <a:rPr lang="en-GB" b="0" i="1">
+                                  <a:latin typeface="Cambria Math" panose="02040503050406030204" pitchFamily="18" charset="0"/>
+                                </a:rPr>
+                              </m:ctrlPr>
+                            </m:funcPr>
+                            <m:fName>
+                              <m:r>
+                                <m:rPr>
+                                  <m:sty m:val="p"/>
+                                </m:rPr>
+                                <a:rPr lang="en-GB" b="0">
+                                  <a:latin typeface="Cambria Math" panose="02040503050406030204" pitchFamily="18" charset="0"/>
+                                </a:rPr>
+                                <m:t>ln</m:t>
+                              </m:r>
+                            </m:fName>
+                            <m:e>
+                              <m:sSub>
+                                <m:sSubPr>
+                                  <m:ctrlPr>
+                                    <a:rPr lang="en-GB" b="0" i="1">
+                                      <a:latin typeface="Cambria Math" panose="02040503050406030204" pitchFamily="18" charset="0"/>
+                                    </a:rPr>
+                                  </m:ctrlPr>
+                                </m:sSubPr>
+                                <m:e>
+                                  <m:r>
+                                    <a:rPr lang="en-GB" b="0" i="1">
+                                      <a:latin typeface="Cambria Math" panose="02040503050406030204" pitchFamily="18" charset="0"/>
+                                    </a:rPr>
+                                    <m:t>𝜑</m:t>
+                                  </m:r>
+                                </m:e>
+                                <m:sub>
+                                  <m:r>
+                                    <a:rPr lang="en-GB" b="0" i="1">
+                                      <a:latin typeface="Cambria Math" panose="02040503050406030204" pitchFamily="18" charset="0"/>
+                                    </a:rPr>
+                                    <m:t>𝑖</m:t>
+                                  </m:r>
+                                </m:sub>
+                              </m:sSub>
+                              <m:r>
+                                <a:rPr lang="en-GB" b="0" i="1">
+                                  <a:latin typeface="Cambria Math" panose="02040503050406030204" pitchFamily="18" charset="0"/>
+                                </a:rPr>
+                                <m:t>(</m:t>
+                              </m:r>
+                              <m:r>
+                                <a:rPr lang="en-GB">
+                                  <a:latin typeface="Cambria Math" panose="02040503050406030204" pitchFamily="18" charset="0"/>
+                                </a:rPr>
+                                <m:t>𝐳</m:t>
+                              </m:r>
+                              <m:r>
+                                <a:rPr lang="en-GB" b="0" i="1">
+                                  <a:latin typeface="Cambria Math" panose="02040503050406030204" pitchFamily="18" charset="0"/>
+                                </a:rPr>
+                                <m:t>)</m:t>
+                              </m:r>
+                            </m:e>
+                          </m:func>
+                        </m:e>
+                      </m:func>
+                    </m:oMath>
+                    <m:oMath xmlns:m="http://schemas.openxmlformats.org/officeDocument/2006/math">
+                      <m:r>
+                        <a:rPr lang="en-GB" b="0" i="1" smtClean="0">
+                          <a:latin typeface="Cambria Math" panose="02040503050406030204" pitchFamily="18" charset="0"/>
+                        </a:rPr>
+                        <m:t>𝑇𝑃𝐷</m:t>
+                      </m:r>
+                      <m:d>
+                        <m:dPr>
+                          <m:ctrlPr>
+                            <a:rPr lang="en-GB" b="0" i="1" smtClean="0">
+                              <a:latin typeface="Cambria Math" panose="02040503050406030204" pitchFamily="18" charset="0"/>
+                            </a:rPr>
+                          </m:ctrlPr>
+                        </m:dPr>
+                        <m:e>
+                          <m:r>
+                            <a:rPr lang="en-GB" b="1" i="0" smtClean="0">
+                              <a:latin typeface="Cambria Math" panose="02040503050406030204" pitchFamily="18" charset="0"/>
+                            </a:rPr>
+                            <m:t>𝐱</m:t>
+                          </m:r>
+                        </m:e>
+                      </m:d>
+                      <m:r>
+                        <a:rPr lang="en-GB" b="0" i="1" smtClean="0">
+                          <a:latin typeface="Cambria Math" panose="02040503050406030204" pitchFamily="18" charset="0"/>
+                        </a:rPr>
+                        <m:t>=</m:t>
+                      </m:r>
+                      <m:r>
+                        <a:rPr lang="en-GB" b="0" i="1" smtClean="0">
+                          <a:latin typeface="Cambria Math" panose="02040503050406030204" pitchFamily="18" charset="0"/>
+                        </a:rPr>
+                        <m:t>𝑅𝑇</m:t>
+                      </m:r>
+                      <m:r>
+                        <a:rPr lang="en-GB" b="0" i="1" smtClean="0">
+                          <a:latin typeface="Cambria Math" panose="02040503050406030204" pitchFamily="18" charset="0"/>
+                        </a:rPr>
+                        <m:t>∑</m:t>
+                      </m:r>
+                      <m:sSub>
+                        <m:sSubPr>
+                          <m:ctrlPr>
+                            <a:rPr lang="en-GB" b="0" i="1" smtClean="0">
+                              <a:latin typeface="Cambria Math" panose="02040503050406030204" pitchFamily="18" charset="0"/>
+                            </a:rPr>
+                          </m:ctrlPr>
+                        </m:sSubPr>
+                        <m:e>
+                          <m:r>
+                            <a:rPr lang="en-GB" b="0" i="1" smtClean="0">
+                              <a:latin typeface="Cambria Math" panose="02040503050406030204" pitchFamily="18" charset="0"/>
+                            </a:rPr>
+                            <m:t>𝑥</m:t>
+                          </m:r>
+                        </m:e>
+                        <m:sub>
+                          <m:r>
+                            <a:rPr lang="en-GB" b="0" i="1" smtClean="0">
+                              <a:latin typeface="Cambria Math" panose="02040503050406030204" pitchFamily="18" charset="0"/>
+                            </a:rPr>
+                            <m:t>𝑖</m:t>
+                          </m:r>
+                        </m:sub>
+                      </m:sSub>
+                      <m:d>
+                        <m:dPr>
+                          <m:ctrlPr>
+                            <a:rPr lang="en-GB" b="0" i="1" smtClean="0">
+                              <a:latin typeface="Cambria Math" panose="02040503050406030204" pitchFamily="18" charset="0"/>
+                            </a:rPr>
+                          </m:ctrlPr>
+                        </m:dPr>
+                        <m:e>
+                          <m:func>
+                            <m:funcPr>
+                              <m:ctrlPr>
+                                <a:rPr lang="en-GB" b="0" i="1" smtClean="0">
+                                  <a:latin typeface="Cambria Math" panose="02040503050406030204" pitchFamily="18" charset="0"/>
+                                </a:rPr>
+                              </m:ctrlPr>
+                            </m:funcPr>
+                            <m:fName>
+                              <m:r>
+                                <m:rPr>
+                                  <m:sty m:val="p"/>
+                                </m:rPr>
+                                <a:rPr lang="en-GB" b="0" i="0" smtClean="0">
+                                  <a:latin typeface="Cambria Math" panose="02040503050406030204" pitchFamily="18" charset="0"/>
+                                </a:rPr>
+                                <m:t>ln</m:t>
+                              </m:r>
+                            </m:fName>
+                            <m:e>
+                              <m:sSub>
+                                <m:sSubPr>
+                                  <m:ctrlPr>
+                                    <a:rPr lang="en-GB" b="0" i="1" smtClean="0">
+                                      <a:latin typeface="Cambria Math" panose="02040503050406030204" pitchFamily="18" charset="0"/>
+                                    </a:rPr>
+                                  </m:ctrlPr>
+                                </m:sSubPr>
+                                <m:e>
+                                  <m:r>
+                                    <a:rPr lang="en-GB" b="0" i="1" smtClean="0">
+                                      <a:latin typeface="Cambria Math" panose="02040503050406030204" pitchFamily="18" charset="0"/>
+                                    </a:rPr>
+                                    <m:t>𝑥</m:t>
+                                  </m:r>
+                                </m:e>
+                                <m:sub>
+                                  <m:r>
+                                    <a:rPr lang="en-GB" b="0" i="1" smtClean="0">
+                                      <a:latin typeface="Cambria Math" panose="02040503050406030204" pitchFamily="18" charset="0"/>
+                                    </a:rPr>
+                                    <m:t>𝑖</m:t>
+                                  </m:r>
+                                </m:sub>
+                              </m:sSub>
+                            </m:e>
+                          </m:func>
+                          <m:r>
+                            <a:rPr lang="en-GB" b="0" i="1" smtClean="0">
+                              <a:latin typeface="Cambria Math" panose="02040503050406030204" pitchFamily="18" charset="0"/>
+                            </a:rPr>
+                            <m:t>+</m:t>
+                          </m:r>
+                          <m:func>
+                            <m:funcPr>
+                              <m:ctrlPr>
+                                <a:rPr lang="en-GB" b="0" i="1" smtClean="0">
+                                  <a:latin typeface="Cambria Math" panose="02040503050406030204" pitchFamily="18" charset="0"/>
+                                </a:rPr>
+                              </m:ctrlPr>
+                            </m:funcPr>
+                            <m:fName>
+                              <m:r>
+                                <m:rPr>
+                                  <m:sty m:val="p"/>
+                                </m:rPr>
+                                <a:rPr lang="en-GB" b="0" i="0" smtClean="0">
+                                  <a:latin typeface="Cambria Math" panose="02040503050406030204" pitchFamily="18" charset="0"/>
+                                </a:rPr>
+                                <m:t>ln</m:t>
+                              </m:r>
+                            </m:fName>
+                            <m:e>
+                              <m:sSub>
+                                <m:sSubPr>
+                                  <m:ctrlPr>
+                                    <a:rPr lang="en-GB" b="0" i="1" smtClean="0">
+                                      <a:latin typeface="Cambria Math" panose="02040503050406030204" pitchFamily="18" charset="0"/>
+                                    </a:rPr>
+                                  </m:ctrlPr>
+                                </m:sSubPr>
+                                <m:e>
+                                  <m:r>
+                                    <a:rPr lang="en-GB" b="0" i="1" smtClean="0">
+                                      <a:latin typeface="Cambria Math" panose="02040503050406030204" pitchFamily="18" charset="0"/>
+                                    </a:rPr>
+                                    <m:t>𝜑</m:t>
+                                  </m:r>
+                                </m:e>
+                                <m:sub>
+                                  <m:r>
+                                    <a:rPr lang="en-GB" b="0" i="1" smtClean="0">
+                                      <a:latin typeface="Cambria Math" panose="02040503050406030204" pitchFamily="18" charset="0"/>
+                                    </a:rPr>
+                                    <m:t>𝑖</m:t>
+                                  </m:r>
+                                </m:sub>
+                              </m:sSub>
+                              <m:d>
+                                <m:dPr>
+                                  <m:ctrlPr>
+                                    <a:rPr lang="en-GB" b="0" i="1" smtClean="0">
+                                      <a:latin typeface="Cambria Math" panose="02040503050406030204" pitchFamily="18" charset="0"/>
+                                    </a:rPr>
+                                  </m:ctrlPr>
+                                </m:dPr>
+                                <m:e>
+                                  <m:r>
+                                    <a:rPr lang="en-GB" b="1" i="0" smtClean="0">
+                                      <a:latin typeface="Cambria Math" panose="02040503050406030204" pitchFamily="18" charset="0"/>
+                                    </a:rPr>
+                                    <m:t>𝐱</m:t>
+                                  </m:r>
+                                </m:e>
+                              </m:d>
+                            </m:e>
+                          </m:func>
+                          <m:r>
+                            <a:rPr lang="en-GB" b="0" i="1" smtClean="0">
+                              <a:latin typeface="Cambria Math" panose="02040503050406030204" pitchFamily="18" charset="0"/>
+                            </a:rPr>
+                            <m:t>−</m:t>
+                          </m:r>
+                          <m:sSub>
+                            <m:sSubPr>
+                              <m:ctrlPr>
+                                <a:rPr lang="en-GB" b="0" i="1" smtClean="0">
+                                  <a:latin typeface="Cambria Math" panose="02040503050406030204" pitchFamily="18" charset="0"/>
+                                </a:rPr>
+                              </m:ctrlPr>
+                            </m:sSubPr>
+                            <m:e>
+                              <m:r>
+                                <a:rPr lang="en-GB" b="0" i="1" smtClean="0">
+                                  <a:latin typeface="Cambria Math" panose="02040503050406030204" pitchFamily="18" charset="0"/>
+                                </a:rPr>
+                                <m:t>𝑑</m:t>
+                              </m:r>
+                            </m:e>
+                            <m:sub>
+                              <m:r>
+                                <a:rPr lang="en-GB" b="0" i="1" smtClean="0">
+                                  <a:latin typeface="Cambria Math" panose="02040503050406030204" pitchFamily="18" charset="0"/>
+                                </a:rPr>
+                                <m:t>𝑖</m:t>
+                              </m:r>
+                            </m:sub>
+                          </m:sSub>
+                        </m:e>
+                      </m:d>
+                    </m:oMath>
+                  </m:oMathPara>
+                </a14:m>
+                <a:endParaRPr lang="en-GB" b="0" dirty="0"/>
+              </a:p>
+            </p:txBody>
+          </p:sp>
+        </mc:Choice>
+        <mc:Fallback>
+          <p:sp>
+            <p:nvSpPr>
+              <p:cNvPr id="3" name="Content Placeholder 2">
+                <a:extLst>
+                  <a:ext uri="{FF2B5EF4-FFF2-40B4-BE49-F238E27FC236}">
+                    <a16:creationId xmlns:a16="http://schemas.microsoft.com/office/drawing/2014/main" id="{C8A65B96-74D9-0FA1-8113-0270C139450E}"/>
+                  </a:ext>
+                </a:extLst>
+              </p:cNvPr>
+              <p:cNvSpPr>
+                <a:spLocks noGrp="1" noRot="1" noChangeAspect="1" noMove="1" noResize="1" noEditPoints="1" noAdjustHandles="1" noChangeArrowheads="1" noChangeShapeType="1" noTextEdit="1"/>
+              </p:cNvSpPr>
+              <p:nvPr>
+                <p:ph idx="1"/>
+              </p:nvPr>
+            </p:nvSpPr>
+            <p:spPr>
+              <a:blipFill>
+                <a:blip r:embed="rId3"/>
+                <a:stretch>
+                  <a:fillRect l="-1303" t="-1392"/>
+                </a:stretch>
+              </a:blipFill>
+            </p:spPr>
+            <p:txBody>
+              <a:bodyPr/>
+              <a:lstStyle/>
+              <a:p>
+                <a:r>
+                  <a:rPr lang="en-GB">
+                    <a:noFill/>
+                  </a:rPr>
+                  <a:t> </a:t>
+                </a:r>
+              </a:p>
+            </p:txBody>
+          </p:sp>
+        </mc:Fallback>
+      </mc:AlternateContent>
+      <p:sp>
+        <p:nvSpPr>
+          <p:cNvPr id="4" name="Footer Placeholder 3">
+            <a:extLst>
+              <a:ext uri="{FF2B5EF4-FFF2-40B4-BE49-F238E27FC236}">
+                <a16:creationId xmlns:a16="http://schemas.microsoft.com/office/drawing/2014/main" id="{8F143EC5-8C13-6218-B947-E64199D1E119}"/>
+              </a:ext>
+            </a:extLst>
+          </p:cNvPr>
+          <p:cNvSpPr>
+            <a:spLocks noGrp="1"/>
+          </p:cNvSpPr>
+          <p:nvPr>
+            <p:ph type="ftr" sz="quarter" idx="3"/>
+          </p:nvPr>
+        </p:nvSpPr>
+        <p:spPr/>
+        <p:txBody>
+          <a:bodyPr/>
+          <a:lstStyle/>
+          <a:p>
+            <a:r>
+              <a:rPr lang="en-GB"/>
+              <a:t>© Imperial College London</a:t>
+            </a:r>
+            <a:endParaRPr lang="en-US" dirty="0"/>
+          </a:p>
+        </p:txBody>
+      </p:sp>
+      <p:sp>
+        <p:nvSpPr>
+          <p:cNvPr id="5" name="Slide Number Placeholder 4">
+            <a:extLst>
+              <a:ext uri="{FF2B5EF4-FFF2-40B4-BE49-F238E27FC236}">
+                <a16:creationId xmlns:a16="http://schemas.microsoft.com/office/drawing/2014/main" id="{1E054C25-377E-6377-F747-A495923C0DCD}"/>
+              </a:ext>
+            </a:extLst>
+          </p:cNvPr>
+          <p:cNvSpPr>
+            <a:spLocks noGrp="1"/>
+          </p:cNvSpPr>
+          <p:nvPr>
+            <p:ph type="sldNum" sz="quarter" idx="4"/>
+          </p:nvPr>
+        </p:nvSpPr>
+        <p:spPr/>
+        <p:txBody>
+          <a:bodyPr/>
+          <a:lstStyle/>
+          <a:p>
+            <a:pPr algn="ctr"/>
+            <a:r>
+              <a:rPr lang="en-US"/>
+              <a:t>Slide </a:t>
+            </a:r>
+            <a:fld id="{3C70A08B-371D-5A4D-978C-9F5470823ED6}" type="slidenum">
+              <a:rPr lang="en-US" smtClean="0"/>
+              <a:pPr algn="ctr"/>
+              <a:t>13</a:t>
+            </a:fld>
+            <a:endParaRPr lang="en-US" dirty="0"/>
+          </a:p>
+        </p:txBody>
+      </p:sp>
+    </p:spTree>
+    <p:extLst>
+      <p:ext uri="{BB962C8B-B14F-4D97-AF65-F5344CB8AC3E}">
+        <p14:creationId xmlns:p14="http://schemas.microsoft.com/office/powerpoint/2010/main" val="3844324816"/>
+      </p:ext>
+    </p:extLst>
+  </p:cSld>
+  <p:clrMapOvr>
+    <a:masterClrMapping/>
+  </p:clrMapOvr>
+</p:sld>
+</file>
+
+<file path=ppt/slides/slide14.xml><?xml version="1.0" encoding="utf-8"?>
+<p:sld xmlns:a="http://schemas.openxmlformats.org/drawingml/2006/main" xmlns:r="http://schemas.openxmlformats.org/officeDocument/2006/relationships" xmlns:p="http://schemas.openxmlformats.org/presentationml/2006/main">
+  <p:cSld>
+    <p:spTree>
+      <p:nvGrpSpPr>
+        <p:cNvPr id="1" name=""/>
+        <p:cNvGrpSpPr/>
+        <p:nvPr/>
+      </p:nvGrpSpPr>
+      <p:grpSpPr>
+        <a:xfrm>
+          <a:off x="0" y="0"/>
+          <a:ext cx="0" cy="0"/>
+          <a:chOff x="0" y="0"/>
+          <a:chExt cx="0" cy="0"/>
+        </a:xfrm>
+      </p:grpSpPr>
+      <p:sp>
+        <p:nvSpPr>
+          <p:cNvPr id="2" name="Title 1">
+            <a:extLst>
+              <a:ext uri="{FF2B5EF4-FFF2-40B4-BE49-F238E27FC236}">
+                <a16:creationId xmlns:a16="http://schemas.microsoft.com/office/drawing/2014/main" id="{162962F1-B5E0-CD97-5166-FF958E982261}"/>
+              </a:ext>
+            </a:extLst>
+          </p:cNvPr>
+          <p:cNvSpPr>
+            <a:spLocks noGrp="1"/>
+          </p:cNvSpPr>
+          <p:nvPr>
+            <p:ph type="title"/>
+          </p:nvPr>
+        </p:nvSpPr>
+        <p:spPr/>
+        <p:txBody>
+          <a:bodyPr/>
+          <a:lstStyle/>
+          <a:p>
+            <a:r>
+              <a:rPr lang="en-GB" dirty="0"/>
+              <a:t>Improved formulation</a:t>
+            </a:r>
+          </a:p>
+        </p:txBody>
+      </p:sp>
+      <mc:AlternateContent xmlns:mc="http://schemas.openxmlformats.org/markup-compatibility/2006">
+        <mc:Choice xmlns:a14="http://schemas.microsoft.com/office/drawing/2010/main" Requires="a14">
           <p:sp>
             <p:nvSpPr>
               <p:cNvPr id="3" name="Content Placeholder 2">
@@ -6794,10 +9477,10 @@
                             </m:sub>
                           </m:sSub>
                           <m:r>
-                            <a:rPr lang="en-GB" b="0" i="1">
+                            <a:rPr lang="en-GB" b="0" i="1" smtClean="0">
                               <a:latin typeface="Cambria Math" panose="02040503050406030204" pitchFamily="18" charset="0"/>
                             </a:rPr>
-                            <m:t>−</m:t>
+                            <m:t>+</m:t>
                           </m:r>
                           <m:func>
                             <m:funcPr>
@@ -7366,7 +10049,7 @@
             </p:txBody>
           </p:sp>
         </mc:Choice>
-        <mc:Fallback xmlns="">
+        <mc:Fallback>
           <p:sp>
             <p:nvSpPr>
               <p:cNvPr id="3" name="Content Placeholder 2">
@@ -7464,7 +10147,7 @@
             <a:fld id="{3C70A08B-371D-5A4D-978C-9F5470823ED6}" type="slidenum">
               <a:rPr lang="en-US" smtClean="0"/>
               <a:pPr algn="ctr"/>
-              <a:t>11</a:t>
+              <a:t>14</a:t>
             </a:fld>
             <a:endParaRPr lang="en-US" dirty="0"/>
           </a:p>
@@ -7483,7 +10166,7 @@
 </p:sld>
 </file>
 
-<file path=ppt/slides/slide12.xml><?xml version="1.0" encoding="utf-8"?>
+<file path=ppt/slides/slide15.xml><?xml version="1.0" encoding="utf-8"?>
 <p:sld xmlns:a="http://schemas.openxmlformats.org/drawingml/2006/main" xmlns:r="http://schemas.openxmlformats.org/officeDocument/2006/relationships" xmlns:p="http://schemas.openxmlformats.org/presentationml/2006/main">
   <p:cSld>
     <p:spTree>
@@ -7855,7 +10538,7 @@
             </p:nvSpPr>
             <p:spPr>
               <a:blipFill>
-                <a:blip r:embed="rId2"/>
+                <a:blip r:embed="rId3"/>
                 <a:stretch>
                   <a:fillRect l="-1303" t="-1392" r="-1738"/>
                 </a:stretch>
@@ -7934,7 +10617,7 @@
             <a:fld id="{3C70A08B-371D-5A4D-978C-9F5470823ED6}" type="slidenum">
               <a:rPr lang="en-US" smtClean="0"/>
               <a:pPr algn="ctr"/>
-              <a:t>12</a:t>
+              <a:t>15</a:t>
             </a:fld>
             <a:endParaRPr lang="en-US" dirty="0"/>
           </a:p>
@@ -7953,7 +10636,7 @@
 </p:sld>
 </file>
 
-<file path=ppt/slides/slide13.xml><?xml version="1.0" encoding="utf-8"?>
+<file path=ppt/slides/slide16.xml><?xml version="1.0" encoding="utf-8"?>
 <p:sld xmlns:a="http://schemas.openxmlformats.org/drawingml/2006/main" xmlns:r="http://schemas.openxmlformats.org/officeDocument/2006/relationships" xmlns:p="http://schemas.openxmlformats.org/presentationml/2006/main">
   <p:cSld>
     <p:spTree>
@@ -8550,7 +11233,7 @@
             <a:fld id="{3C70A08B-371D-5A4D-978C-9F5470823ED6}" type="slidenum">
               <a:rPr lang="en-US" smtClean="0"/>
               <a:pPr algn="ctr"/>
-              <a:t>13</a:t>
+              <a:t>16</a:t>
             </a:fld>
             <a:endParaRPr lang="en-US" dirty="0"/>
           </a:p>
@@ -8569,7 +11252,7 @@
 </p:sld>
 </file>
 
-<file path=ppt/slides/slide14.xml><?xml version="1.0" encoding="utf-8"?>
+<file path=ppt/slides/slide17.xml><?xml version="1.0" encoding="utf-8"?>
 <p:sld xmlns:a="http://schemas.openxmlformats.org/drawingml/2006/main" xmlns:r="http://schemas.openxmlformats.org/officeDocument/2006/relationships" xmlns:p="http://schemas.openxmlformats.org/presentationml/2006/main">
   <p:cSld>
     <p:spTree>
@@ -8614,8 +11297,8 @@
           </a:p>
         </p:txBody>
       </p:sp>
-      <mc:AlternateContent xmlns:mc="http://schemas.openxmlformats.org/markup-compatibility/2006" xmlns:a14="http://schemas.microsoft.com/office/drawing/2010/main">
-        <mc:Choice Requires="a14">
+      <mc:AlternateContent xmlns:mc="http://schemas.openxmlformats.org/markup-compatibility/2006">
+        <mc:Choice xmlns:a14="http://schemas.microsoft.com/office/drawing/2010/main" Requires="a14">
           <p:sp>
             <p:nvSpPr>
               <p:cNvPr id="3" name="Content Placeholder 2">
@@ -8765,16 +11448,10 @@
                   <a:t> </a:t>
                 </a:r>
               </a:p>
-              <a:p>
-                <a:r>
-                  <a:rPr lang="en-GB" b="0" dirty="0"/>
-                  <a:t>The reasons why will be clarified over the next three slides</a:t>
-                </a:r>
-              </a:p>
             </p:txBody>
           </p:sp>
         </mc:Choice>
-        <mc:Fallback xmlns="">
+        <mc:Fallback>
           <p:sp>
             <p:nvSpPr>
               <p:cNvPr id="3" name="Content Placeholder 2">
@@ -8872,7 +11549,7 @@
             <a:fld id="{3C70A08B-371D-5A4D-978C-9F5470823ED6}" type="slidenum">
               <a:rPr lang="en-US" smtClean="0"/>
               <a:pPr algn="ctr"/>
-              <a:t>14</a:t>
+              <a:t>17</a:t>
             </a:fld>
             <a:endParaRPr lang="en-US" dirty="0"/>
           </a:p>
@@ -8891,7 +11568,7 @@
 </p:sld>
 </file>
 
-<file path=ppt/slides/slide15.xml><?xml version="1.0" encoding="utf-8"?>
+<file path=ppt/slides/slide18.xml><?xml version="1.0" encoding="utf-8"?>
 <p:sld xmlns:a="http://schemas.openxmlformats.org/drawingml/2006/main" xmlns:r="http://schemas.openxmlformats.org/officeDocument/2006/relationships" xmlns:p="http://schemas.openxmlformats.org/presentationml/2006/main">
   <p:cSld>
     <p:spTree>
@@ -9413,7 +12090,7 @@
             <a:fld id="{3C70A08B-371D-5A4D-978C-9F5470823ED6}" type="slidenum">
               <a:rPr lang="en-US" smtClean="0"/>
               <a:pPr algn="ctr"/>
-              <a:t>15</a:t>
+              <a:t>18</a:t>
             </a:fld>
             <a:endParaRPr lang="en-US" dirty="0"/>
           </a:p>
@@ -9432,7 +12109,7 @@
 </p:sld>
 </file>
 
-<file path=ppt/slides/slide16.xml><?xml version="1.0" encoding="utf-8"?>
+<file path=ppt/slides/slide19.xml><?xml version="1.0" encoding="utf-8"?>
 <p:sld xmlns:a="http://schemas.openxmlformats.org/drawingml/2006/main" xmlns:r="http://schemas.openxmlformats.org/officeDocument/2006/relationships" xmlns:p="http://schemas.openxmlformats.org/presentationml/2006/main">
   <p:cSld>
     <p:spTree>
@@ -9477,8 +12154,8 @@
           </a:p>
         </p:txBody>
       </p:sp>
-      <mc:AlternateContent xmlns:mc="http://schemas.openxmlformats.org/markup-compatibility/2006" xmlns:a14="http://schemas.microsoft.com/office/drawing/2010/main">
-        <mc:Choice Requires="a14">
+      <mc:AlternateContent xmlns:mc="http://schemas.openxmlformats.org/markup-compatibility/2006">
+        <mc:Choice xmlns:a14="http://schemas.microsoft.com/office/drawing/2010/main" Requires="a14">
           <p:sp>
             <p:nvSpPr>
               <p:cNvPr id="3" name="Content Placeholder 2">
@@ -9520,7 +12197,7 @@
                 </a:r>
                 <a:r>
                   <a:rPr lang="en-GB" dirty="0"/>
-                  <a:t>does not imply </a:t>
+                  <a:t>does not mean </a:t>
                 </a:r>
                 <a:r>
                   <a:rPr lang="en-GB" b="0" dirty="0"/>
@@ -9586,7 +12263,7 @@
             </p:txBody>
           </p:sp>
         </mc:Choice>
-        <mc:Fallback xmlns="">
+        <mc:Fallback>
           <p:sp>
             <p:nvSpPr>
               <p:cNvPr id="3" name="Content Placeholder 2">
@@ -9684,7 +12361,7 @@
             <a:fld id="{3C70A08B-371D-5A4D-978C-9F5470823ED6}" type="slidenum">
               <a:rPr lang="en-US" smtClean="0"/>
               <a:pPr algn="ctr"/>
-              <a:t>16</a:t>
+              <a:t>19</a:t>
             </a:fld>
             <a:endParaRPr lang="en-US" dirty="0"/>
           </a:p>
@@ -9703,7 +12380,177 @@
 </p:sld>
 </file>
 
-<file path=ppt/slides/slide17.xml><?xml version="1.0" encoding="utf-8"?>
+<file path=ppt/slides/slide2.xml><?xml version="1.0" encoding="utf-8"?>
+<p:sld xmlns:a="http://schemas.openxmlformats.org/drawingml/2006/main" xmlns:r="http://schemas.openxmlformats.org/officeDocument/2006/relationships" xmlns:p="http://schemas.openxmlformats.org/presentationml/2006/main">
+  <p:cSld>
+    <p:spTree>
+      <p:nvGrpSpPr>
+        <p:cNvPr id="1" name=""/>
+        <p:cNvGrpSpPr/>
+        <p:nvPr/>
+      </p:nvGrpSpPr>
+      <p:grpSpPr>
+        <a:xfrm>
+          <a:off x="0" y="0"/>
+          <a:ext cx="0" cy="0"/>
+          <a:chOff x="0" y="0"/>
+          <a:chExt cx="0" cy="0"/>
+        </a:xfrm>
+      </p:grpSpPr>
+      <p:sp>
+        <p:nvSpPr>
+          <p:cNvPr id="2" name="Title 1">
+            <a:extLst>
+              <a:ext uri="{FF2B5EF4-FFF2-40B4-BE49-F238E27FC236}">
+                <a16:creationId xmlns:a16="http://schemas.microsoft.com/office/drawing/2014/main" id="{2A505157-82C7-7351-F7FB-74F34DDAC9C8}"/>
+              </a:ext>
+            </a:extLst>
+          </p:cNvPr>
+          <p:cNvSpPr>
+            <a:spLocks noGrp="1"/>
+          </p:cNvSpPr>
+          <p:nvPr>
+            <p:ph type="title"/>
+          </p:nvPr>
+        </p:nvSpPr>
+        <p:spPr/>
+        <p:txBody>
+          <a:bodyPr/>
+          <a:lstStyle/>
+          <a:p>
+            <a:r>
+              <a:rPr lang="en-GB" dirty="0"/>
+              <a:t>Introduction</a:t>
+            </a:r>
+          </a:p>
+        </p:txBody>
+      </p:sp>
+      <p:sp>
+        <p:nvSpPr>
+          <p:cNvPr id="3" name="Content Placeholder 2">
+            <a:extLst>
+              <a:ext uri="{FF2B5EF4-FFF2-40B4-BE49-F238E27FC236}">
+                <a16:creationId xmlns:a16="http://schemas.microsoft.com/office/drawing/2014/main" id="{3EE6E6B6-5CA5-F662-72EF-7D2A45172B54}"/>
+              </a:ext>
+            </a:extLst>
+          </p:cNvPr>
+          <p:cNvSpPr>
+            <a:spLocks noGrp="1"/>
+          </p:cNvSpPr>
+          <p:nvPr>
+            <p:ph idx="1"/>
+          </p:nvPr>
+        </p:nvSpPr>
+        <p:spPr/>
+        <p:txBody>
+          <a:bodyPr/>
+          <a:lstStyle/>
+          <a:p>
+            <a:r>
+              <a:rPr lang="en-GB" b="0" dirty="0"/>
+              <a:t>Stability analysis deals with the question “</a:t>
+            </a:r>
+            <a:r>
+              <a:rPr lang="en-GB" dirty="0"/>
+              <a:t>does a phase-split occur?</a:t>
+            </a:r>
+            <a:r>
+              <a:rPr lang="en-GB" b="0" dirty="0"/>
+              <a:t>”</a:t>
+            </a:r>
+          </a:p>
+          <a:p>
+            <a:r>
+              <a:rPr lang="en-GB" b="0" dirty="0"/>
+              <a:t>This helps us determine if a single-phase solution is correct, or if further calculation is necessary</a:t>
+            </a:r>
+          </a:p>
+          <a:p>
+            <a:r>
+              <a:rPr lang="en-GB" b="0" dirty="0"/>
+              <a:t>If further calculation is required, stability analysis can provide good initial guesses</a:t>
+            </a:r>
+          </a:p>
+        </p:txBody>
+      </p:sp>
+      <p:sp>
+        <p:nvSpPr>
+          <p:cNvPr id="4" name="Footer Placeholder 3">
+            <a:extLst>
+              <a:ext uri="{FF2B5EF4-FFF2-40B4-BE49-F238E27FC236}">
+                <a16:creationId xmlns:a16="http://schemas.microsoft.com/office/drawing/2014/main" id="{5B28616E-0E69-51A2-265F-A4C8C8CADB88}"/>
+              </a:ext>
+            </a:extLst>
+          </p:cNvPr>
+          <p:cNvSpPr>
+            <a:spLocks noGrp="1"/>
+          </p:cNvSpPr>
+          <p:nvPr>
+            <p:ph type="ftr" sz="quarter" idx="3"/>
+          </p:nvPr>
+        </p:nvSpPr>
+        <p:spPr/>
+        <p:txBody>
+          <a:bodyPr/>
+          <a:lstStyle/>
+          <a:p>
+            <a:r>
+              <a:rPr lang="en-GB"/>
+              <a:t>© Imperial College London</a:t>
+            </a:r>
+            <a:endParaRPr lang="en-US" dirty="0"/>
+          </a:p>
+        </p:txBody>
+      </p:sp>
+      <p:sp>
+        <p:nvSpPr>
+          <p:cNvPr id="5" name="Slide Number Placeholder 4">
+            <a:extLst>
+              <a:ext uri="{FF2B5EF4-FFF2-40B4-BE49-F238E27FC236}">
+                <a16:creationId xmlns:a16="http://schemas.microsoft.com/office/drawing/2014/main" id="{C9508AA5-9BAA-112D-9865-B77ECE5EA790}"/>
+              </a:ext>
+            </a:extLst>
+          </p:cNvPr>
+          <p:cNvSpPr>
+            <a:spLocks noGrp="1"/>
+          </p:cNvSpPr>
+          <p:nvPr>
+            <p:ph type="sldNum" sz="quarter" idx="4"/>
+          </p:nvPr>
+        </p:nvSpPr>
+        <p:spPr/>
+        <p:txBody>
+          <a:bodyPr/>
+          <a:lstStyle/>
+          <a:p>
+            <a:pPr algn="ctr"/>
+            <a:r>
+              <a:rPr lang="en-US"/>
+              <a:t>Slide </a:t>
+            </a:r>
+            <a:fld id="{3C70A08B-371D-5A4D-978C-9F5470823ED6}" type="slidenum">
+              <a:rPr lang="en-US" smtClean="0"/>
+              <a:pPr algn="ctr"/>
+              <a:t>2</a:t>
+            </a:fld>
+            <a:endParaRPr lang="en-US" dirty="0"/>
+          </a:p>
+        </p:txBody>
+      </p:sp>
+    </p:spTree>
+    <p:extLst>
+      <p:ext uri="{BB962C8B-B14F-4D97-AF65-F5344CB8AC3E}">
+        <p14:creationId xmlns:p14="http://schemas.microsoft.com/office/powerpoint/2010/main" val="4141028454"/>
+      </p:ext>
+    </p:extLst>
+  </p:cSld>
+  <p:clrMapOvr>
+    <a:masterClrMapping/>
+  </p:clrMapOvr>
+</p:sld>
+</file>
+
+<file path=ppt/slides/slide20.xml><?xml version="1.0" encoding="utf-8"?>
 <p:sld xmlns:a="http://schemas.openxmlformats.org/drawingml/2006/main" xmlns:r="http://schemas.openxmlformats.org/officeDocument/2006/relationships" xmlns:p="http://schemas.openxmlformats.org/presentationml/2006/main">
   <p:cSld>
     <p:spTree>
@@ -9936,7 +12783,7 @@
             <a:fld id="{3C70A08B-371D-5A4D-978C-9F5470823ED6}" type="slidenum">
               <a:rPr lang="en-US" smtClean="0"/>
               <a:pPr algn="ctr"/>
-              <a:t>17</a:t>
+              <a:t>20</a:t>
             </a:fld>
             <a:endParaRPr lang="en-US" dirty="0"/>
           </a:p>
@@ -9955,7 +12802,7 @@
 </p:sld>
 </file>
 
-<file path=ppt/slides/slide18.xml><?xml version="1.0" encoding="utf-8"?>
+<file path=ppt/slides/slide21.xml><?xml version="1.0" encoding="utf-8"?>
 <p:sld xmlns:a="http://schemas.openxmlformats.org/drawingml/2006/main" xmlns:r="http://schemas.openxmlformats.org/officeDocument/2006/relationships" xmlns:p="http://schemas.openxmlformats.org/presentationml/2006/main">
   <p:cSld>
     <p:spTree>
@@ -10044,38 +12891,6 @@
               <a:t>I have chosen the Extended Predictive Peng Robinson-78 (EPPR78)</a:t>
             </a:r>
           </a:p>
-          <a:p>
-            <a:r>
-              <a:rPr lang="en-GB" b="0" dirty="0"/>
-              <a:t>For our mixture we use </a:t>
-            </a:r>
-            <a:r>
-              <a:rPr lang="en-GB" dirty="0"/>
-              <a:t>methane</a:t>
-            </a:r>
-            <a:r>
-              <a:rPr lang="en-GB" b="0" dirty="0"/>
-              <a:t> and </a:t>
-            </a:r>
-            <a:r>
-              <a:rPr lang="en-GB" dirty="0"/>
-              <a:t>hydrogen sulfide</a:t>
-            </a:r>
-            <a:r>
-              <a:rPr lang="en-GB" b="0" dirty="0"/>
-              <a:t> evaluated at </a:t>
-            </a:r>
-            <a:r>
-              <a:rPr lang="en-GB" dirty="0"/>
-              <a:t>187 K, 4.052 MPa</a:t>
-            </a:r>
-          </a:p>
-          <a:p>
-            <a:r>
-              <a:rPr lang="en-GB" b="0" dirty="0"/>
-              <a:t>This is a state used by Michelsen (the reasons will become clear)</a:t>
-            </a:r>
-          </a:p>
         </p:txBody>
       </p:sp>
       <p:sp>
@@ -10136,7 +12951,202 @@
             <a:fld id="{3C70A08B-371D-5A4D-978C-9F5470823ED6}" type="slidenum">
               <a:rPr lang="en-US" smtClean="0"/>
               <a:pPr algn="ctr"/>
-              <a:t>18</a:t>
+              <a:t>21</a:t>
+            </a:fld>
+            <a:endParaRPr lang="en-US" dirty="0"/>
+          </a:p>
+        </p:txBody>
+      </p:sp>
+    </p:spTree>
+    <p:extLst>
+      <p:ext uri="{BB962C8B-B14F-4D97-AF65-F5344CB8AC3E}">
+        <p14:creationId xmlns:p14="http://schemas.microsoft.com/office/powerpoint/2010/main" val="711142160"/>
+      </p:ext>
+    </p:extLst>
+  </p:cSld>
+  <p:clrMapOvr>
+    <a:masterClrMapping/>
+  </p:clrMapOvr>
+</p:sld>
+</file>
+
+<file path=ppt/slides/slide22.xml><?xml version="1.0" encoding="utf-8"?>
+<p:sld xmlns:a="http://schemas.openxmlformats.org/drawingml/2006/main" xmlns:r="http://schemas.openxmlformats.org/officeDocument/2006/relationships" xmlns:p="http://schemas.openxmlformats.org/presentationml/2006/main">
+  <p:cSld>
+    <p:spTree>
+      <p:nvGrpSpPr>
+        <p:cNvPr id="1" name=""/>
+        <p:cNvGrpSpPr/>
+        <p:nvPr/>
+      </p:nvGrpSpPr>
+      <p:grpSpPr>
+        <a:xfrm>
+          <a:off x="0" y="0"/>
+          <a:ext cx="0" cy="0"/>
+          <a:chOff x="0" y="0"/>
+          <a:chExt cx="0" cy="0"/>
+        </a:xfrm>
+      </p:grpSpPr>
+      <p:sp>
+        <p:nvSpPr>
+          <p:cNvPr id="2" name="Title 1">
+            <a:extLst>
+              <a:ext uri="{FF2B5EF4-FFF2-40B4-BE49-F238E27FC236}">
+                <a16:creationId xmlns:a16="http://schemas.microsoft.com/office/drawing/2014/main" id="{84E4E477-2B32-A291-2E04-54BBD4B7434D}"/>
+              </a:ext>
+            </a:extLst>
+          </p:cNvPr>
+          <p:cNvSpPr>
+            <a:spLocks noGrp="1"/>
+          </p:cNvSpPr>
+          <p:nvPr>
+            <p:ph type="title"/>
+          </p:nvPr>
+        </p:nvSpPr>
+        <p:spPr/>
+        <p:txBody>
+          <a:bodyPr>
+            <a:normAutofit fontScale="90000"/>
+          </a:bodyPr>
+          <a:lstStyle/>
+          <a:p>
+            <a:r>
+              <a:rPr lang="en-GB" dirty="0"/>
+              <a:t>1. State and model specification</a:t>
+            </a:r>
+          </a:p>
+        </p:txBody>
+      </p:sp>
+      <p:sp>
+        <p:nvSpPr>
+          <p:cNvPr id="3" name="Content Placeholder 2">
+            <a:extLst>
+              <a:ext uri="{FF2B5EF4-FFF2-40B4-BE49-F238E27FC236}">
+                <a16:creationId xmlns:a16="http://schemas.microsoft.com/office/drawing/2014/main" id="{C1215E58-15B8-809D-85BC-EDD444222B42}"/>
+              </a:ext>
+            </a:extLst>
+          </p:cNvPr>
+          <p:cNvSpPr>
+            <a:spLocks noGrp="1"/>
+          </p:cNvSpPr>
+          <p:nvPr>
+            <p:ph idx="1"/>
+          </p:nvPr>
+        </p:nvSpPr>
+        <p:spPr/>
+        <p:txBody>
+          <a:bodyPr/>
+          <a:lstStyle/>
+          <a:p>
+            <a:r>
+              <a:rPr lang="en-GB" b="0" dirty="0"/>
+              <a:t>For a phase split to occur, we must have </a:t>
+            </a:r>
+            <a:r>
+              <a:rPr lang="en-GB" dirty="0"/>
+              <a:t>non-ideal mixing</a:t>
+            </a:r>
+          </a:p>
+          <a:p>
+            <a:r>
+              <a:rPr lang="en-GB" b="0" dirty="0"/>
+              <a:t>To capture this, we must have a prediction for the binary interaction parameters</a:t>
+            </a:r>
+          </a:p>
+          <a:p>
+            <a:r>
+              <a:rPr lang="en-GB" b="0" dirty="0"/>
+              <a:t>I have chosen the Extended Predictive Peng Robinson-78 (EPPR78)</a:t>
+            </a:r>
+          </a:p>
+          <a:p>
+            <a:r>
+              <a:rPr lang="en-GB" b="0" dirty="0"/>
+              <a:t>For our mixture we use </a:t>
+            </a:r>
+            <a:r>
+              <a:rPr lang="en-GB" dirty="0"/>
+              <a:t>methane</a:t>
+            </a:r>
+            <a:r>
+              <a:rPr lang="en-GB" b="0" dirty="0"/>
+              <a:t> and </a:t>
+            </a:r>
+            <a:r>
+              <a:rPr lang="en-GB" dirty="0"/>
+              <a:t>hydrogen sulfide</a:t>
+            </a:r>
+            <a:r>
+              <a:rPr lang="en-GB" b="0" dirty="0"/>
+              <a:t> evaluated at </a:t>
+            </a:r>
+            <a:r>
+              <a:rPr lang="en-GB" dirty="0"/>
+              <a:t>187 K, 4.052 MPa</a:t>
+            </a:r>
+            <a:endParaRPr lang="en-GB" b="0" dirty="0"/>
+          </a:p>
+        </p:txBody>
+      </p:sp>
+      <p:sp>
+        <p:nvSpPr>
+          <p:cNvPr id="4" name="Footer Placeholder 3">
+            <a:extLst>
+              <a:ext uri="{FF2B5EF4-FFF2-40B4-BE49-F238E27FC236}">
+                <a16:creationId xmlns:a16="http://schemas.microsoft.com/office/drawing/2014/main" id="{CFC96F54-D92B-0C90-9336-3A48EDF9B812}"/>
+              </a:ext>
+            </a:extLst>
+          </p:cNvPr>
+          <p:cNvSpPr>
+            <a:spLocks noGrp="1"/>
+          </p:cNvSpPr>
+          <p:nvPr>
+            <p:ph type="ftr" sz="quarter" idx="3"/>
+          </p:nvPr>
+        </p:nvSpPr>
+        <p:spPr/>
+        <p:txBody>
+          <a:bodyPr/>
+          <a:lstStyle/>
+          <a:p>
+            <a:r>
+              <a:rPr lang="en-GB" dirty="0"/>
+              <a:t>© Imperial College London</a:t>
+            </a:r>
+            <a:endParaRPr lang="en-US" dirty="0"/>
+          </a:p>
+        </p:txBody>
+      </p:sp>
+      <p:sp>
+        <p:nvSpPr>
+          <p:cNvPr id="5" name="Slide Number Placeholder 4">
+            <a:extLst>
+              <a:ext uri="{FF2B5EF4-FFF2-40B4-BE49-F238E27FC236}">
+                <a16:creationId xmlns:a16="http://schemas.microsoft.com/office/drawing/2014/main" id="{89C99E54-C994-6611-BDF1-717A749E1ABD}"/>
+              </a:ext>
+            </a:extLst>
+          </p:cNvPr>
+          <p:cNvSpPr>
+            <a:spLocks noGrp="1"/>
+          </p:cNvSpPr>
+          <p:nvPr>
+            <p:ph type="sldNum" sz="quarter" idx="4"/>
+          </p:nvPr>
+        </p:nvSpPr>
+        <p:spPr/>
+        <p:txBody>
+          <a:bodyPr/>
+          <a:lstStyle/>
+          <a:p>
+            <a:pPr algn="ctr"/>
+            <a:r>
+              <a:rPr lang="en-US"/>
+              <a:t>Slide </a:t>
+            </a:r>
+            <a:fld id="{3C70A08B-371D-5A4D-978C-9F5470823ED6}" type="slidenum">
+              <a:rPr lang="en-US" smtClean="0"/>
+              <a:pPr algn="ctr"/>
+              <a:t>22</a:t>
             </a:fld>
             <a:endParaRPr lang="en-US" dirty="0"/>
           </a:p>
@@ -10155,7 +13165,7 @@
 </p:sld>
 </file>
 
-<file path=ppt/slides/slide19.xml><?xml version="1.0" encoding="utf-8"?>
+<file path=ppt/slides/slide23.xml><?xml version="1.0" encoding="utf-8"?>
 <p:sld xmlns:a="http://schemas.openxmlformats.org/drawingml/2006/main" xmlns:r="http://schemas.openxmlformats.org/officeDocument/2006/relationships" xmlns:p="http://schemas.openxmlformats.org/presentationml/2006/main">
   <p:cSld>
     <p:spTree>
@@ -10200,8 +13210,696 @@
           </a:p>
         </p:txBody>
       </p:sp>
-      <mc:AlternateContent xmlns:mc="http://schemas.openxmlformats.org/markup-compatibility/2006" xmlns:a14="http://schemas.microsoft.com/office/drawing/2010/main">
-        <mc:Choice Requires="a14">
+      <mc:AlternateContent xmlns:mc="http://schemas.openxmlformats.org/markup-compatibility/2006">
+        <mc:Choice xmlns:a14="http://schemas.microsoft.com/office/drawing/2010/main" Requires="a14">
+          <p:sp>
+            <p:nvSpPr>
+              <p:cNvPr id="3" name="Content Placeholder 2">
+                <a:extLst>
+                  <a:ext uri="{FF2B5EF4-FFF2-40B4-BE49-F238E27FC236}">
+                    <a16:creationId xmlns:a16="http://schemas.microsoft.com/office/drawing/2014/main" id="{57614F68-6532-E288-C15D-36DB919987F7}"/>
+                  </a:ext>
+                </a:extLst>
+              </p:cNvPr>
+              <p:cNvSpPr>
+                <a:spLocks noGrp="1"/>
+              </p:cNvSpPr>
+              <p:nvPr>
+                <p:ph idx="1"/>
+              </p:nvPr>
+            </p:nvSpPr>
+            <p:spPr/>
+            <p:txBody>
+              <a:bodyPr>
+                <a:normAutofit/>
+              </a:bodyPr>
+              <a:lstStyle/>
+              <a:p>
+                <a:r>
+                  <a:rPr lang="en-GB" b="0" dirty="0"/>
+                  <a:t>For initial guesses, we use the </a:t>
+                </a:r>
+                <a:r>
+                  <a:rPr lang="en-GB" dirty="0"/>
+                  <a:t>Wilson correlation</a:t>
+                </a:r>
+                <a:br>
+                  <a:rPr lang="en-GB" dirty="0"/>
+                </a:br>
+                <a14:m>
+                  <m:oMath xmlns:m="http://schemas.openxmlformats.org/officeDocument/2006/math">
+                    <m:func>
+                      <m:funcPr>
+                        <m:ctrlPr>
+                          <a:rPr lang="en-GB" b="0" i="1" smtClean="0">
+                            <a:latin typeface="Cambria Math" panose="02040503050406030204" pitchFamily="18" charset="0"/>
+                          </a:rPr>
+                        </m:ctrlPr>
+                      </m:funcPr>
+                      <m:fName>
+                        <m:r>
+                          <m:rPr>
+                            <m:sty m:val="p"/>
+                          </m:rPr>
+                          <a:rPr lang="en-GB" b="0" i="0" smtClean="0">
+                            <a:latin typeface="Cambria Math" panose="02040503050406030204" pitchFamily="18" charset="0"/>
+                          </a:rPr>
+                          <m:t>ln</m:t>
+                        </m:r>
+                      </m:fName>
+                      <m:e>
+                        <m:sSubSup>
+                          <m:sSubSupPr>
+                            <m:ctrlPr>
+                              <a:rPr lang="en-GB" b="0" i="1" smtClean="0">
+                                <a:latin typeface="Cambria Math" panose="02040503050406030204" pitchFamily="18" charset="0"/>
+                              </a:rPr>
+                            </m:ctrlPr>
+                          </m:sSubSupPr>
+                          <m:e>
+                            <m:r>
+                              <a:rPr lang="en-GB" b="0" i="1" smtClean="0">
+                                <a:latin typeface="Cambria Math" panose="02040503050406030204" pitchFamily="18" charset="0"/>
+                              </a:rPr>
+                              <m:t>𝐾</m:t>
+                            </m:r>
+                          </m:e>
+                          <m:sub>
+                            <m:r>
+                              <a:rPr lang="en-GB" b="0" i="1" smtClean="0">
+                                <a:latin typeface="Cambria Math" panose="02040503050406030204" pitchFamily="18" charset="0"/>
+                              </a:rPr>
+                              <m:t>𝑖</m:t>
+                            </m:r>
+                          </m:sub>
+                          <m:sup>
+                            <m:r>
+                              <a:rPr lang="en-GB" b="1" i="1" smtClean="0">
+                                <a:latin typeface="Cambria Math" panose="02040503050406030204" pitchFamily="18" charset="0"/>
+                              </a:rPr>
+                              <m:t>𝑾</m:t>
+                            </m:r>
+                          </m:sup>
+                        </m:sSubSup>
+                      </m:e>
+                    </m:func>
+                    <m:r>
+                      <a:rPr lang="en-GB" b="0" i="1" smtClean="0">
+                        <a:latin typeface="Cambria Math" panose="02040503050406030204" pitchFamily="18" charset="0"/>
+                      </a:rPr>
+                      <m:t>=</m:t>
+                    </m:r>
+                    <m:func>
+                      <m:funcPr>
+                        <m:ctrlPr>
+                          <a:rPr lang="en-GB" b="0" i="1" smtClean="0">
+                            <a:latin typeface="Cambria Math" panose="02040503050406030204" pitchFamily="18" charset="0"/>
+                          </a:rPr>
+                        </m:ctrlPr>
+                      </m:funcPr>
+                      <m:fName>
+                        <m:r>
+                          <m:rPr>
+                            <m:sty m:val="p"/>
+                          </m:rPr>
+                          <a:rPr lang="en-GB" b="0" i="0" smtClean="0">
+                            <a:latin typeface="Cambria Math" panose="02040503050406030204" pitchFamily="18" charset="0"/>
+                          </a:rPr>
+                          <m:t>ln</m:t>
+                        </m:r>
+                      </m:fName>
+                      <m:e>
+                        <m:f>
+                          <m:fPr>
+                            <m:ctrlPr>
+                              <a:rPr lang="en-GB" b="0" i="1" smtClean="0">
+                                <a:latin typeface="Cambria Math" panose="02040503050406030204" pitchFamily="18" charset="0"/>
+                              </a:rPr>
+                            </m:ctrlPr>
+                          </m:fPr>
+                          <m:num>
+                            <m:sSub>
+                              <m:sSubPr>
+                                <m:ctrlPr>
+                                  <a:rPr lang="en-GB" b="0" i="1" smtClean="0">
+                                    <a:latin typeface="Cambria Math" panose="02040503050406030204" pitchFamily="18" charset="0"/>
+                                  </a:rPr>
+                                </m:ctrlPr>
+                              </m:sSubPr>
+                              <m:e>
+                                <m:r>
+                                  <a:rPr lang="en-GB" b="0" i="1" smtClean="0">
+                                    <a:latin typeface="Cambria Math" panose="02040503050406030204" pitchFamily="18" charset="0"/>
+                                  </a:rPr>
+                                  <m:t>𝑝</m:t>
+                                </m:r>
+                              </m:e>
+                              <m:sub>
+                                <m:r>
+                                  <m:rPr>
+                                    <m:sty m:val="p"/>
+                                  </m:rPr>
+                                  <a:rPr lang="en-GB" b="0" i="0" smtClean="0">
+                                    <a:latin typeface="Cambria Math" panose="02040503050406030204" pitchFamily="18" charset="0"/>
+                                  </a:rPr>
+                                  <m:t>C</m:t>
+                                </m:r>
+                                <m:r>
+                                  <a:rPr lang="en-GB" b="0" i="1" smtClean="0">
+                                    <a:latin typeface="Cambria Math" panose="02040503050406030204" pitchFamily="18" charset="0"/>
+                                  </a:rPr>
+                                  <m:t>,</m:t>
+                                </m:r>
+                                <m:r>
+                                  <a:rPr lang="en-GB" b="0" i="1" smtClean="0">
+                                    <a:latin typeface="Cambria Math" panose="02040503050406030204" pitchFamily="18" charset="0"/>
+                                  </a:rPr>
+                                  <m:t>𝑖</m:t>
+                                </m:r>
+                              </m:sub>
+                            </m:sSub>
+                          </m:num>
+                          <m:den>
+                            <m:sSub>
+                              <m:sSubPr>
+                                <m:ctrlPr>
+                                  <a:rPr lang="en-GB" b="0" i="1" smtClean="0">
+                                    <a:latin typeface="Cambria Math" panose="02040503050406030204" pitchFamily="18" charset="0"/>
+                                  </a:rPr>
+                                </m:ctrlPr>
+                              </m:sSubPr>
+                              <m:e>
+                                <m:r>
+                                  <a:rPr lang="en-GB" b="0" i="1" smtClean="0">
+                                    <a:latin typeface="Cambria Math" panose="02040503050406030204" pitchFamily="18" charset="0"/>
+                                  </a:rPr>
+                                  <m:t>𝑝</m:t>
+                                </m:r>
+                              </m:e>
+                              <m:sub>
+                                <m:r>
+                                  <a:rPr lang="en-GB" b="0" i="1" smtClean="0">
+                                    <a:latin typeface="Cambria Math" panose="02040503050406030204" pitchFamily="18" charset="0"/>
+                                  </a:rPr>
+                                  <m:t>𝑖</m:t>
+                                </m:r>
+                              </m:sub>
+                            </m:sSub>
+                          </m:den>
+                        </m:f>
+                      </m:e>
+                    </m:func>
+                    <m:r>
+                      <a:rPr lang="en-GB" b="0" i="1" smtClean="0">
+                        <a:latin typeface="Cambria Math" panose="02040503050406030204" pitchFamily="18" charset="0"/>
+                      </a:rPr>
+                      <m:t>+5.373</m:t>
+                    </m:r>
+                    <m:d>
+                      <m:dPr>
+                        <m:ctrlPr>
+                          <a:rPr lang="en-GB" b="0" i="1" smtClean="0">
+                            <a:latin typeface="Cambria Math" panose="02040503050406030204" pitchFamily="18" charset="0"/>
+                          </a:rPr>
+                        </m:ctrlPr>
+                      </m:dPr>
+                      <m:e>
+                        <m:r>
+                          <a:rPr lang="en-GB" b="0" i="1" smtClean="0">
+                            <a:latin typeface="Cambria Math" panose="02040503050406030204" pitchFamily="18" charset="0"/>
+                          </a:rPr>
+                          <m:t>1+</m:t>
+                        </m:r>
+                        <m:sSub>
+                          <m:sSubPr>
+                            <m:ctrlPr>
+                              <a:rPr lang="en-GB" b="0" i="1" smtClean="0">
+                                <a:latin typeface="Cambria Math" panose="02040503050406030204" pitchFamily="18" charset="0"/>
+                              </a:rPr>
+                            </m:ctrlPr>
+                          </m:sSubPr>
+                          <m:e>
+                            <m:r>
+                              <a:rPr lang="en-GB" b="0" i="1" smtClean="0">
+                                <a:latin typeface="Cambria Math" panose="02040503050406030204" pitchFamily="18" charset="0"/>
+                              </a:rPr>
+                              <m:t>𝜔</m:t>
+                            </m:r>
+                          </m:e>
+                          <m:sub>
+                            <m:r>
+                              <a:rPr lang="en-GB" b="0" i="1" smtClean="0">
+                                <a:latin typeface="Cambria Math" panose="02040503050406030204" pitchFamily="18" charset="0"/>
+                              </a:rPr>
+                              <m:t>𝑖</m:t>
+                            </m:r>
+                          </m:sub>
+                        </m:sSub>
+                      </m:e>
+                    </m:d>
+                    <m:d>
+                      <m:dPr>
+                        <m:ctrlPr>
+                          <a:rPr lang="en-GB" b="0" i="1" smtClean="0">
+                            <a:latin typeface="Cambria Math" panose="02040503050406030204" pitchFamily="18" charset="0"/>
+                          </a:rPr>
+                        </m:ctrlPr>
+                      </m:dPr>
+                      <m:e>
+                        <m:r>
+                          <a:rPr lang="en-GB" b="0" i="1" smtClean="0">
+                            <a:latin typeface="Cambria Math" panose="02040503050406030204" pitchFamily="18" charset="0"/>
+                          </a:rPr>
+                          <m:t>1−</m:t>
+                        </m:r>
+                        <m:f>
+                          <m:fPr>
+                            <m:ctrlPr>
+                              <a:rPr lang="en-GB" b="0" i="1" smtClean="0">
+                                <a:latin typeface="Cambria Math" panose="02040503050406030204" pitchFamily="18" charset="0"/>
+                              </a:rPr>
+                            </m:ctrlPr>
+                          </m:fPr>
+                          <m:num>
+                            <m:sSub>
+                              <m:sSubPr>
+                                <m:ctrlPr>
+                                  <a:rPr lang="en-GB" b="0" i="1" smtClean="0">
+                                    <a:latin typeface="Cambria Math" panose="02040503050406030204" pitchFamily="18" charset="0"/>
+                                  </a:rPr>
+                                </m:ctrlPr>
+                              </m:sSubPr>
+                              <m:e>
+                                <m:r>
+                                  <a:rPr lang="en-GB" b="0" i="1" smtClean="0">
+                                    <a:latin typeface="Cambria Math" panose="02040503050406030204" pitchFamily="18" charset="0"/>
+                                  </a:rPr>
+                                  <m:t>𝑇</m:t>
+                                </m:r>
+                              </m:e>
+                              <m:sub>
+                                <m:r>
+                                  <m:rPr>
+                                    <m:sty m:val="p"/>
+                                  </m:rPr>
+                                  <a:rPr lang="en-GB" b="0" i="0" smtClean="0">
+                                    <a:latin typeface="Cambria Math" panose="02040503050406030204" pitchFamily="18" charset="0"/>
+                                  </a:rPr>
+                                  <m:t>C</m:t>
+                                </m:r>
+                                <m:r>
+                                  <a:rPr lang="en-GB" b="0" i="1" smtClean="0">
+                                    <a:latin typeface="Cambria Math" panose="02040503050406030204" pitchFamily="18" charset="0"/>
+                                  </a:rPr>
+                                  <m:t>, </m:t>
+                                </m:r>
+                                <m:r>
+                                  <a:rPr lang="en-GB" b="0" i="1" smtClean="0">
+                                    <a:latin typeface="Cambria Math" panose="02040503050406030204" pitchFamily="18" charset="0"/>
+                                  </a:rPr>
+                                  <m:t>𝑖</m:t>
+                                </m:r>
+                              </m:sub>
+                            </m:sSub>
+                          </m:num>
+                          <m:den>
+                            <m:r>
+                              <a:rPr lang="en-GB" b="0" i="1" smtClean="0">
+                                <a:latin typeface="Cambria Math" panose="02040503050406030204" pitchFamily="18" charset="0"/>
+                              </a:rPr>
+                              <m:t>𝑇</m:t>
+                            </m:r>
+                          </m:den>
+                        </m:f>
+                      </m:e>
+                    </m:d>
+                  </m:oMath>
+                </a14:m>
+                <a:endParaRPr lang="en-GB" b="0" dirty="0"/>
+              </a:p>
+              <a:p>
+                <a:r>
+                  <a:rPr lang="en-GB" b="0" dirty="0"/>
+                  <a:t>Provides us with </a:t>
+                </a:r>
+                <a:r>
+                  <a:rPr lang="en-GB" dirty="0"/>
+                  <a:t>K-factors</a:t>
+                </a:r>
+                <a:r>
+                  <a:rPr lang="en-GB" b="0" dirty="0"/>
+                  <a:t>, defined as</a:t>
+                </a:r>
+                <a:br>
+                  <a:rPr lang="en-GB" b="0" dirty="0"/>
+                </a:br>
+                <a14:m>
+                  <m:oMath xmlns:m="http://schemas.openxmlformats.org/officeDocument/2006/math">
+                    <m:sSub>
+                      <m:sSubPr>
+                        <m:ctrlPr>
+                          <a:rPr lang="en-GB" b="0" i="1" smtClean="0">
+                            <a:latin typeface="Cambria Math" panose="02040503050406030204" pitchFamily="18" charset="0"/>
+                          </a:rPr>
+                        </m:ctrlPr>
+                      </m:sSubPr>
+                      <m:e>
+                        <m:r>
+                          <a:rPr lang="en-GB" b="0" i="1" smtClean="0">
+                            <a:latin typeface="Cambria Math" panose="02040503050406030204" pitchFamily="18" charset="0"/>
+                          </a:rPr>
+                          <m:t>𝐾</m:t>
+                        </m:r>
+                      </m:e>
+                      <m:sub>
+                        <m:r>
+                          <a:rPr lang="en-GB" b="0" i="1" smtClean="0">
+                            <a:latin typeface="Cambria Math" panose="02040503050406030204" pitchFamily="18" charset="0"/>
+                          </a:rPr>
+                          <m:t>𝑖</m:t>
+                        </m:r>
+                      </m:sub>
+                    </m:sSub>
+                    <m:r>
+                      <a:rPr lang="en-GB" b="0" i="1" smtClean="0">
+                        <a:latin typeface="Cambria Math" panose="02040503050406030204" pitchFamily="18" charset="0"/>
+                      </a:rPr>
+                      <m:t>=</m:t>
+                    </m:r>
+                    <m:sSub>
+                      <m:sSubPr>
+                        <m:ctrlPr>
+                          <a:rPr lang="en-GB" b="0" i="1" smtClean="0">
+                            <a:latin typeface="Cambria Math" panose="02040503050406030204" pitchFamily="18" charset="0"/>
+                          </a:rPr>
+                        </m:ctrlPr>
+                      </m:sSubPr>
+                      <m:e>
+                        <m:r>
+                          <a:rPr lang="en-GB" b="0" i="1" smtClean="0">
+                            <a:latin typeface="Cambria Math" panose="02040503050406030204" pitchFamily="18" charset="0"/>
+                          </a:rPr>
+                          <m:t>𝑦</m:t>
+                        </m:r>
+                      </m:e>
+                      <m:sub>
+                        <m:r>
+                          <a:rPr lang="en-GB" b="0" i="1" smtClean="0">
+                            <a:latin typeface="Cambria Math" panose="02040503050406030204" pitchFamily="18" charset="0"/>
+                          </a:rPr>
+                          <m:t>𝑖</m:t>
+                        </m:r>
+                      </m:sub>
+                    </m:sSub>
+                    <m:r>
+                      <a:rPr lang="en-GB" b="0" i="1" smtClean="0">
+                        <a:latin typeface="Cambria Math" panose="02040503050406030204" pitchFamily="18" charset="0"/>
+                      </a:rPr>
+                      <m:t>/</m:t>
+                    </m:r>
+                    <m:sSub>
+                      <m:sSubPr>
+                        <m:ctrlPr>
+                          <a:rPr lang="en-GB" b="0" i="1" smtClean="0">
+                            <a:latin typeface="Cambria Math" panose="02040503050406030204" pitchFamily="18" charset="0"/>
+                          </a:rPr>
+                        </m:ctrlPr>
+                      </m:sSubPr>
+                      <m:e>
+                        <m:r>
+                          <a:rPr lang="en-GB" b="0" i="1" smtClean="0">
+                            <a:latin typeface="Cambria Math" panose="02040503050406030204" pitchFamily="18" charset="0"/>
+                          </a:rPr>
+                          <m:t>𝑥</m:t>
+                        </m:r>
+                      </m:e>
+                      <m:sub>
+                        <m:r>
+                          <a:rPr lang="en-GB" b="0" i="1" smtClean="0">
+                            <a:latin typeface="Cambria Math" panose="02040503050406030204" pitchFamily="18" charset="0"/>
+                          </a:rPr>
+                          <m:t>𝑖</m:t>
+                        </m:r>
+                      </m:sub>
+                    </m:sSub>
+                  </m:oMath>
+                </a14:m>
+                <a:endParaRPr lang="en-GB" b="0" dirty="0"/>
+              </a:p>
+              <a:p>
+                <a:r>
+                  <a:rPr lang="en-GB" b="0" dirty="0"/>
+                  <a:t>Designed to match the pure component vapour pressure at </a:t>
+                </a:r>
+                <a14:m>
+                  <m:oMath xmlns:m="http://schemas.openxmlformats.org/officeDocument/2006/math">
+                    <m:sSub>
+                      <m:sSubPr>
+                        <m:ctrlPr>
+                          <a:rPr lang="en-GB" b="0" i="1" smtClean="0">
+                            <a:latin typeface="Cambria Math" panose="02040503050406030204" pitchFamily="18" charset="0"/>
+                          </a:rPr>
+                        </m:ctrlPr>
+                      </m:sSubPr>
+                      <m:e>
+                        <m:r>
+                          <a:rPr lang="en-GB" b="0" i="1" smtClean="0">
+                            <a:latin typeface="Cambria Math" panose="02040503050406030204" pitchFamily="18" charset="0"/>
+                          </a:rPr>
+                          <m:t>𝑇</m:t>
+                        </m:r>
+                      </m:e>
+                      <m:sub>
+                        <m:r>
+                          <m:rPr>
+                            <m:sty m:val="p"/>
+                          </m:rPr>
+                          <a:rPr lang="en-GB" b="0" i="0" smtClean="0">
+                            <a:latin typeface="Cambria Math" panose="02040503050406030204" pitchFamily="18" charset="0"/>
+                          </a:rPr>
+                          <m:t>r</m:t>
+                        </m:r>
+                      </m:sub>
+                    </m:sSub>
+                    <m:r>
+                      <a:rPr lang="en-GB" b="0" i="1" smtClean="0">
+                        <a:latin typeface="Cambria Math" panose="02040503050406030204" pitchFamily="18" charset="0"/>
+                      </a:rPr>
+                      <m:t>=0.7</m:t>
+                    </m:r>
+                  </m:oMath>
+                </a14:m>
+                <a:r>
+                  <a:rPr lang="en-GB" b="0" dirty="0"/>
+                  <a:t> and </a:t>
+                </a:r>
+                <a14:m>
+                  <m:oMath xmlns:m="http://schemas.openxmlformats.org/officeDocument/2006/math">
+                    <m:sSub>
+                      <m:sSubPr>
+                        <m:ctrlPr>
+                          <a:rPr lang="en-GB" b="0" i="1" smtClean="0">
+                            <a:latin typeface="Cambria Math" panose="02040503050406030204" pitchFamily="18" charset="0"/>
+                          </a:rPr>
+                        </m:ctrlPr>
+                      </m:sSubPr>
+                      <m:e>
+                        <m:r>
+                          <a:rPr lang="en-GB" b="0" i="1" smtClean="0">
+                            <a:latin typeface="Cambria Math" panose="02040503050406030204" pitchFamily="18" charset="0"/>
+                          </a:rPr>
+                          <m:t>𝑇</m:t>
+                        </m:r>
+                      </m:e>
+                      <m:sub>
+                        <m:r>
+                          <m:rPr>
+                            <m:sty m:val="p"/>
+                          </m:rPr>
+                          <a:rPr lang="en-GB" b="0" i="0" smtClean="0">
+                            <a:latin typeface="Cambria Math" panose="02040503050406030204" pitchFamily="18" charset="0"/>
+                          </a:rPr>
+                          <m:t>r</m:t>
+                        </m:r>
+                      </m:sub>
+                    </m:sSub>
+                    <m:r>
+                      <a:rPr lang="en-GB" b="0" i="1" smtClean="0">
+                        <a:latin typeface="Cambria Math" panose="02040503050406030204" pitchFamily="18" charset="0"/>
+                      </a:rPr>
+                      <m:t>=1.0</m:t>
+                    </m:r>
+                  </m:oMath>
+                </a14:m>
+                <a:endParaRPr lang="en-GB" dirty="0"/>
+              </a:p>
+            </p:txBody>
+          </p:sp>
+        </mc:Choice>
+        <mc:Fallback>
+          <p:sp>
+            <p:nvSpPr>
+              <p:cNvPr id="3" name="Content Placeholder 2">
+                <a:extLst>
+                  <a:ext uri="{FF2B5EF4-FFF2-40B4-BE49-F238E27FC236}">
+                    <a16:creationId xmlns:a16="http://schemas.microsoft.com/office/drawing/2014/main" id="{57614F68-6532-E288-C15D-36DB919987F7}"/>
+                  </a:ext>
+                </a:extLst>
+              </p:cNvPr>
+              <p:cNvSpPr>
+                <a:spLocks noGrp="1" noRot="1" noChangeAspect="1" noMove="1" noResize="1" noEditPoints="1" noAdjustHandles="1" noChangeArrowheads="1" noChangeShapeType="1" noTextEdit="1"/>
+              </p:cNvSpPr>
+              <p:nvPr>
+                <p:ph idx="1"/>
+              </p:nvPr>
+            </p:nvSpPr>
+            <p:spPr>
+              <a:blipFill>
+                <a:blip r:embed="rId2"/>
+                <a:stretch>
+                  <a:fillRect l="-1303" t="-1392"/>
+                </a:stretch>
+              </a:blipFill>
+            </p:spPr>
+            <p:txBody>
+              <a:bodyPr/>
+              <a:lstStyle/>
+              <a:p>
+                <a:r>
+                  <a:rPr lang="en-GB">
+                    <a:noFill/>
+                  </a:rPr>
+                  <a:t> </a:t>
+                </a:r>
+              </a:p>
+            </p:txBody>
+          </p:sp>
+        </mc:Fallback>
+      </mc:AlternateContent>
+      <p:sp>
+        <p:nvSpPr>
+          <p:cNvPr id="4" name="Footer Placeholder 3">
+            <a:extLst>
+              <a:ext uri="{FF2B5EF4-FFF2-40B4-BE49-F238E27FC236}">
+                <a16:creationId xmlns:a16="http://schemas.microsoft.com/office/drawing/2014/main" id="{BDB2AA69-7567-1735-1141-2FC2B399AB95}"/>
+              </a:ext>
+            </a:extLst>
+          </p:cNvPr>
+          <p:cNvSpPr>
+            <a:spLocks noGrp="1"/>
+          </p:cNvSpPr>
+          <p:nvPr>
+            <p:ph type="ftr" sz="quarter" idx="3"/>
+          </p:nvPr>
+        </p:nvSpPr>
+        <p:spPr/>
+        <p:txBody>
+          <a:bodyPr/>
+          <a:lstStyle/>
+          <a:p>
+            <a:r>
+              <a:rPr lang="en-GB"/>
+              <a:t>© Imperial College London</a:t>
+            </a:r>
+            <a:endParaRPr lang="en-US" dirty="0"/>
+          </a:p>
+        </p:txBody>
+      </p:sp>
+      <p:sp>
+        <p:nvSpPr>
+          <p:cNvPr id="5" name="Slide Number Placeholder 4">
+            <a:extLst>
+              <a:ext uri="{FF2B5EF4-FFF2-40B4-BE49-F238E27FC236}">
+                <a16:creationId xmlns:a16="http://schemas.microsoft.com/office/drawing/2014/main" id="{8850A109-F561-BB47-C784-4292E17B5850}"/>
+              </a:ext>
+            </a:extLst>
+          </p:cNvPr>
+          <p:cNvSpPr>
+            <a:spLocks noGrp="1"/>
+          </p:cNvSpPr>
+          <p:nvPr>
+            <p:ph type="sldNum" sz="quarter" idx="4"/>
+          </p:nvPr>
+        </p:nvSpPr>
+        <p:spPr/>
+        <p:txBody>
+          <a:bodyPr/>
+          <a:lstStyle/>
+          <a:p>
+            <a:pPr algn="ctr"/>
+            <a:r>
+              <a:rPr lang="en-US"/>
+              <a:t>Slide </a:t>
+            </a:r>
+            <a:fld id="{3C70A08B-371D-5A4D-978C-9F5470823ED6}" type="slidenum">
+              <a:rPr lang="en-US" smtClean="0"/>
+              <a:pPr algn="ctr"/>
+              <a:t>23</a:t>
+            </a:fld>
+            <a:endParaRPr lang="en-US" dirty="0"/>
+          </a:p>
+        </p:txBody>
+      </p:sp>
+    </p:spTree>
+    <p:extLst>
+      <p:ext uri="{BB962C8B-B14F-4D97-AF65-F5344CB8AC3E}">
+        <p14:creationId xmlns:p14="http://schemas.microsoft.com/office/powerpoint/2010/main" val="512776855"/>
+      </p:ext>
+    </p:extLst>
+  </p:cSld>
+  <p:clrMapOvr>
+    <a:masterClrMapping/>
+  </p:clrMapOvr>
+</p:sld>
+</file>
+
+<file path=ppt/slides/slide24.xml><?xml version="1.0" encoding="utf-8"?>
+<p:sld xmlns:a="http://schemas.openxmlformats.org/drawingml/2006/main" xmlns:r="http://schemas.openxmlformats.org/officeDocument/2006/relationships" xmlns:p="http://schemas.openxmlformats.org/presentationml/2006/main">
+  <p:cSld>
+    <p:spTree>
+      <p:nvGrpSpPr>
+        <p:cNvPr id="1" name=""/>
+        <p:cNvGrpSpPr/>
+        <p:nvPr/>
+      </p:nvGrpSpPr>
+      <p:grpSpPr>
+        <a:xfrm>
+          <a:off x="0" y="0"/>
+          <a:ext cx="0" cy="0"/>
+          <a:chOff x="0" y="0"/>
+          <a:chExt cx="0" cy="0"/>
+        </a:xfrm>
+      </p:grpSpPr>
+      <p:sp>
+        <p:nvSpPr>
+          <p:cNvPr id="2" name="Title 1">
+            <a:extLst>
+              <a:ext uri="{FF2B5EF4-FFF2-40B4-BE49-F238E27FC236}">
+                <a16:creationId xmlns:a16="http://schemas.microsoft.com/office/drawing/2014/main" id="{1DE81219-BC5B-6D16-A508-67584DDDA249}"/>
+              </a:ext>
+            </a:extLst>
+          </p:cNvPr>
+          <p:cNvSpPr>
+            <a:spLocks noGrp="1"/>
+          </p:cNvSpPr>
+          <p:nvPr>
+            <p:ph type="title"/>
+          </p:nvPr>
+        </p:nvSpPr>
+        <p:spPr/>
+        <p:txBody>
+          <a:bodyPr/>
+          <a:lstStyle/>
+          <a:p>
+            <a:r>
+              <a:rPr lang="en-GB" dirty="0"/>
+              <a:t>2. Initial guesses</a:t>
+            </a:r>
+          </a:p>
+        </p:txBody>
+      </p:sp>
+      <mc:AlternateContent xmlns:mc="http://schemas.openxmlformats.org/markup-compatibility/2006">
+        <mc:Choice xmlns:a14="http://schemas.microsoft.com/office/drawing/2010/main" Requires="a14">
           <p:sp>
             <p:nvSpPr>
               <p:cNvPr id="3" name="Content Placeholder 2">
@@ -10726,13 +14424,17 @@
               <a:p>
                 <a:r>
                   <a:rPr lang="en-GB" b="0" dirty="0"/>
-                  <a:t>Generally performs well. Very poor predictions when used with hydrogen</a:t>
+                  <a:t>Generally performs well. </a:t>
+                </a:r>
+                <a:r>
+                  <a:rPr lang="en-GB" dirty="0"/>
+                  <a:t>Very poor predictions when used with hydrogen</a:t>
                 </a:r>
               </a:p>
             </p:txBody>
           </p:sp>
         </mc:Choice>
-        <mc:Fallback xmlns="">
+        <mc:Fallback>
           <p:sp>
             <p:nvSpPr>
               <p:cNvPr id="3" name="Content Placeholder 2">
@@ -10753,7 +14455,7 @@
               <a:blipFill>
                 <a:blip r:embed="rId2"/>
                 <a:stretch>
-                  <a:fillRect l="-1303" t="-1392"/>
+                  <a:fillRect l="-1303" t="-1392" b="-1392"/>
                 </a:stretch>
               </a:blipFill>
             </p:spPr>
@@ -10830,7 +14532,7 @@
             <a:fld id="{3C70A08B-371D-5A4D-978C-9F5470823ED6}" type="slidenum">
               <a:rPr lang="en-US" smtClean="0"/>
               <a:pPr algn="ctr"/>
-              <a:t>19</a:t>
+              <a:t>24</a:t>
             </a:fld>
             <a:endParaRPr lang="en-US" dirty="0"/>
           </a:p>
@@ -10839,7 +14541,7 @@
     </p:spTree>
     <p:extLst>
       <p:ext uri="{BB962C8B-B14F-4D97-AF65-F5344CB8AC3E}">
-        <p14:creationId xmlns:p14="http://schemas.microsoft.com/office/powerpoint/2010/main" val="512776855"/>
+        <p14:creationId xmlns:p14="http://schemas.microsoft.com/office/powerpoint/2010/main" val="116966292"/>
       </p:ext>
     </p:extLst>
   </p:cSld>
@@ -10849,177 +14551,7 @@
 </p:sld>
 </file>
 
-<file path=ppt/slides/slide2.xml><?xml version="1.0" encoding="utf-8"?>
-<p:sld xmlns:a="http://schemas.openxmlformats.org/drawingml/2006/main" xmlns:r="http://schemas.openxmlformats.org/officeDocument/2006/relationships" xmlns:p="http://schemas.openxmlformats.org/presentationml/2006/main">
-  <p:cSld>
-    <p:spTree>
-      <p:nvGrpSpPr>
-        <p:cNvPr id="1" name=""/>
-        <p:cNvGrpSpPr/>
-        <p:nvPr/>
-      </p:nvGrpSpPr>
-      <p:grpSpPr>
-        <a:xfrm>
-          <a:off x="0" y="0"/>
-          <a:ext cx="0" cy="0"/>
-          <a:chOff x="0" y="0"/>
-          <a:chExt cx="0" cy="0"/>
-        </a:xfrm>
-      </p:grpSpPr>
-      <p:sp>
-        <p:nvSpPr>
-          <p:cNvPr id="2" name="Title 1">
-            <a:extLst>
-              <a:ext uri="{FF2B5EF4-FFF2-40B4-BE49-F238E27FC236}">
-                <a16:creationId xmlns:a16="http://schemas.microsoft.com/office/drawing/2014/main" id="{2A505157-82C7-7351-F7FB-74F34DDAC9C8}"/>
-              </a:ext>
-            </a:extLst>
-          </p:cNvPr>
-          <p:cNvSpPr>
-            <a:spLocks noGrp="1"/>
-          </p:cNvSpPr>
-          <p:nvPr>
-            <p:ph type="title"/>
-          </p:nvPr>
-        </p:nvSpPr>
-        <p:spPr/>
-        <p:txBody>
-          <a:bodyPr/>
-          <a:lstStyle/>
-          <a:p>
-            <a:r>
-              <a:rPr lang="en-GB" dirty="0"/>
-              <a:t>Introduction</a:t>
-            </a:r>
-          </a:p>
-        </p:txBody>
-      </p:sp>
-      <p:sp>
-        <p:nvSpPr>
-          <p:cNvPr id="3" name="Content Placeholder 2">
-            <a:extLst>
-              <a:ext uri="{FF2B5EF4-FFF2-40B4-BE49-F238E27FC236}">
-                <a16:creationId xmlns:a16="http://schemas.microsoft.com/office/drawing/2014/main" id="{3EE6E6B6-5CA5-F662-72EF-7D2A45172B54}"/>
-              </a:ext>
-            </a:extLst>
-          </p:cNvPr>
-          <p:cNvSpPr>
-            <a:spLocks noGrp="1"/>
-          </p:cNvSpPr>
-          <p:nvPr>
-            <p:ph idx="1"/>
-          </p:nvPr>
-        </p:nvSpPr>
-        <p:spPr/>
-        <p:txBody>
-          <a:bodyPr/>
-          <a:lstStyle/>
-          <a:p>
-            <a:r>
-              <a:rPr lang="en-GB" b="0" dirty="0"/>
-              <a:t>Stability analysis deals with the question “</a:t>
-            </a:r>
-            <a:r>
-              <a:rPr lang="en-GB" dirty="0"/>
-              <a:t>does a phase-split occur?</a:t>
-            </a:r>
-            <a:r>
-              <a:rPr lang="en-GB" b="0" dirty="0"/>
-              <a:t>”</a:t>
-            </a:r>
-          </a:p>
-          <a:p>
-            <a:r>
-              <a:rPr lang="en-GB" b="0" dirty="0"/>
-              <a:t>This helps us determine if a single-phase solution is correct, or if further calculation is necessary</a:t>
-            </a:r>
-          </a:p>
-          <a:p>
-            <a:r>
-              <a:rPr lang="en-GB" b="0" dirty="0"/>
-              <a:t>If further calculation is required, stability analysis can provide good initial guesses</a:t>
-            </a:r>
-          </a:p>
-        </p:txBody>
-      </p:sp>
-      <p:sp>
-        <p:nvSpPr>
-          <p:cNvPr id="4" name="Footer Placeholder 3">
-            <a:extLst>
-              <a:ext uri="{FF2B5EF4-FFF2-40B4-BE49-F238E27FC236}">
-                <a16:creationId xmlns:a16="http://schemas.microsoft.com/office/drawing/2014/main" id="{5B28616E-0E69-51A2-265F-A4C8C8CADB88}"/>
-              </a:ext>
-            </a:extLst>
-          </p:cNvPr>
-          <p:cNvSpPr>
-            <a:spLocks noGrp="1"/>
-          </p:cNvSpPr>
-          <p:nvPr>
-            <p:ph type="ftr" sz="quarter" idx="3"/>
-          </p:nvPr>
-        </p:nvSpPr>
-        <p:spPr/>
-        <p:txBody>
-          <a:bodyPr/>
-          <a:lstStyle/>
-          <a:p>
-            <a:r>
-              <a:rPr lang="en-GB"/>
-              <a:t>© Imperial College London</a:t>
-            </a:r>
-            <a:endParaRPr lang="en-US" dirty="0"/>
-          </a:p>
-        </p:txBody>
-      </p:sp>
-      <p:sp>
-        <p:nvSpPr>
-          <p:cNvPr id="5" name="Slide Number Placeholder 4">
-            <a:extLst>
-              <a:ext uri="{FF2B5EF4-FFF2-40B4-BE49-F238E27FC236}">
-                <a16:creationId xmlns:a16="http://schemas.microsoft.com/office/drawing/2014/main" id="{C9508AA5-9BAA-112D-9865-B77ECE5EA790}"/>
-              </a:ext>
-            </a:extLst>
-          </p:cNvPr>
-          <p:cNvSpPr>
-            <a:spLocks noGrp="1"/>
-          </p:cNvSpPr>
-          <p:nvPr>
-            <p:ph type="sldNum" sz="quarter" idx="4"/>
-          </p:nvPr>
-        </p:nvSpPr>
-        <p:spPr/>
-        <p:txBody>
-          <a:bodyPr/>
-          <a:lstStyle/>
-          <a:p>
-            <a:pPr algn="ctr"/>
-            <a:r>
-              <a:rPr lang="en-US"/>
-              <a:t>Slide </a:t>
-            </a:r>
-            <a:fld id="{3C70A08B-371D-5A4D-978C-9F5470823ED6}" type="slidenum">
-              <a:rPr lang="en-US" smtClean="0"/>
-              <a:pPr algn="ctr"/>
-              <a:t>2</a:t>
-            </a:fld>
-            <a:endParaRPr lang="en-US" dirty="0"/>
-          </a:p>
-        </p:txBody>
-      </p:sp>
-    </p:spTree>
-    <p:extLst>
-      <p:ext uri="{BB962C8B-B14F-4D97-AF65-F5344CB8AC3E}">
-        <p14:creationId xmlns:p14="http://schemas.microsoft.com/office/powerpoint/2010/main" val="4141028454"/>
-      </p:ext>
-    </p:extLst>
-  </p:cSld>
-  <p:clrMapOvr>
-    <a:masterClrMapping/>
-  </p:clrMapOvr>
-</p:sld>
-</file>
-
-<file path=ppt/slides/slide20.xml><?xml version="1.0" encoding="utf-8"?>
+<file path=ppt/slides/slide25.xml><?xml version="1.0" encoding="utf-8"?>
 <p:sld xmlns:a="http://schemas.openxmlformats.org/drawingml/2006/main" xmlns:r="http://schemas.openxmlformats.org/officeDocument/2006/relationships" xmlns:p="http://schemas.openxmlformats.org/presentationml/2006/main">
   <p:cSld>
     <p:spTree>
@@ -11118,8 +14650,504 @@
           </p:sp>
         </mc:Fallback>
       </mc:AlternateContent>
-      <mc:AlternateContent xmlns:mc="http://schemas.openxmlformats.org/markup-compatibility/2006" xmlns:a14="http://schemas.microsoft.com/office/drawing/2010/main">
-        <mc:Choice Requires="a14">
+      <p:sp>
+        <p:nvSpPr>
+          <p:cNvPr id="3" name="Content Placeholder 2">
+            <a:extLst>
+              <a:ext uri="{FF2B5EF4-FFF2-40B4-BE49-F238E27FC236}">
+                <a16:creationId xmlns:a16="http://schemas.microsoft.com/office/drawing/2014/main" id="{C1BF8438-9FF8-1BE1-E7AD-781A7A3B92AA}"/>
+              </a:ext>
+            </a:extLst>
+          </p:cNvPr>
+          <p:cNvSpPr>
+            <a:spLocks noGrp="1"/>
+          </p:cNvSpPr>
+          <p:nvPr>
+            <p:ph idx="1"/>
+          </p:nvPr>
+        </p:nvSpPr>
+        <p:spPr/>
+        <p:txBody>
+          <a:bodyPr/>
+          <a:lstStyle/>
+          <a:p>
+            <a:r>
+              <a:rPr lang="en-GB" b="0" dirty="0"/>
+              <a:t>To minimise our objective function, Newton’s method is highly effective</a:t>
+            </a:r>
+          </a:p>
+          <a:p>
+            <a:pPr marL="0" indent="0">
+              <a:buNone/>
+            </a:pPr>
+            <a:endParaRPr lang="en-GB" b="0" dirty="0"/>
+          </a:p>
+        </p:txBody>
+      </p:sp>
+      <p:sp>
+        <p:nvSpPr>
+          <p:cNvPr id="4" name="Footer Placeholder 3">
+            <a:extLst>
+              <a:ext uri="{FF2B5EF4-FFF2-40B4-BE49-F238E27FC236}">
+                <a16:creationId xmlns:a16="http://schemas.microsoft.com/office/drawing/2014/main" id="{D93E3104-C5B0-CF32-1337-DAA96F7254E7}"/>
+              </a:ext>
+            </a:extLst>
+          </p:cNvPr>
+          <p:cNvSpPr>
+            <a:spLocks noGrp="1"/>
+          </p:cNvSpPr>
+          <p:nvPr>
+            <p:ph type="ftr" sz="quarter" idx="3"/>
+          </p:nvPr>
+        </p:nvSpPr>
+        <p:spPr/>
+        <p:txBody>
+          <a:bodyPr/>
+          <a:lstStyle/>
+          <a:p>
+            <a:r>
+              <a:rPr lang="en-GB"/>
+              <a:t>© Imperial College London</a:t>
+            </a:r>
+            <a:endParaRPr lang="en-US" dirty="0"/>
+          </a:p>
+        </p:txBody>
+      </p:sp>
+      <p:sp>
+        <p:nvSpPr>
+          <p:cNvPr id="5" name="Slide Number Placeholder 4">
+            <a:extLst>
+              <a:ext uri="{FF2B5EF4-FFF2-40B4-BE49-F238E27FC236}">
+                <a16:creationId xmlns:a16="http://schemas.microsoft.com/office/drawing/2014/main" id="{2E4E34A5-A419-7D47-54C9-FDAF30FEDD86}"/>
+              </a:ext>
+            </a:extLst>
+          </p:cNvPr>
+          <p:cNvSpPr>
+            <a:spLocks noGrp="1"/>
+          </p:cNvSpPr>
+          <p:nvPr>
+            <p:ph type="sldNum" sz="quarter" idx="4"/>
+          </p:nvPr>
+        </p:nvSpPr>
+        <p:spPr/>
+        <p:txBody>
+          <a:bodyPr/>
+          <a:lstStyle/>
+          <a:p>
+            <a:pPr algn="ctr"/>
+            <a:r>
+              <a:rPr lang="en-US"/>
+              <a:t>Slide </a:t>
+            </a:r>
+            <a:fld id="{3C70A08B-371D-5A4D-978C-9F5470823ED6}" type="slidenum">
+              <a:rPr lang="en-US" smtClean="0"/>
+              <a:pPr algn="ctr"/>
+              <a:t>25</a:t>
+            </a:fld>
+            <a:endParaRPr lang="en-US" dirty="0"/>
+          </a:p>
+        </p:txBody>
+      </p:sp>
+    </p:spTree>
+    <p:extLst>
+      <p:ext uri="{BB962C8B-B14F-4D97-AF65-F5344CB8AC3E}">
+        <p14:creationId xmlns:p14="http://schemas.microsoft.com/office/powerpoint/2010/main" val="3566713906"/>
+      </p:ext>
+    </p:extLst>
+  </p:cSld>
+  <p:clrMapOvr>
+    <a:masterClrMapping/>
+  </p:clrMapOvr>
+</p:sld>
+</file>
+
+<file path=ppt/slides/slide26.xml><?xml version="1.0" encoding="utf-8"?>
+<p:sld xmlns:a="http://schemas.openxmlformats.org/drawingml/2006/main" xmlns:r="http://schemas.openxmlformats.org/officeDocument/2006/relationships" xmlns:p="http://schemas.openxmlformats.org/presentationml/2006/main">
+  <p:cSld>
+    <p:spTree>
+      <p:nvGrpSpPr>
+        <p:cNvPr id="1" name=""/>
+        <p:cNvGrpSpPr/>
+        <p:nvPr/>
+      </p:nvGrpSpPr>
+      <p:grpSpPr>
+        <a:xfrm>
+          <a:off x="0" y="0"/>
+          <a:ext cx="0" cy="0"/>
+          <a:chOff x="0" y="0"/>
+          <a:chExt cx="0" cy="0"/>
+        </a:xfrm>
+      </p:grpSpPr>
+      <mc:AlternateContent xmlns:mc="http://schemas.openxmlformats.org/markup-compatibility/2006">
+        <mc:Choice xmlns:a14="http://schemas.microsoft.com/office/drawing/2010/main" Requires="a14">
+          <p:sp>
+            <p:nvSpPr>
+              <p:cNvPr id="2" name="Title 1">
+                <a:extLst>
+                  <a:ext uri="{FF2B5EF4-FFF2-40B4-BE49-F238E27FC236}">
+                    <a16:creationId xmlns:a16="http://schemas.microsoft.com/office/drawing/2014/main" id="{B4B76924-061A-B4F3-28F4-DCC6C3136B20}"/>
+                  </a:ext>
+                </a:extLst>
+              </p:cNvPr>
+              <p:cNvSpPr>
+                <a:spLocks noGrp="1"/>
+              </p:cNvSpPr>
+              <p:nvPr>
+                <p:ph type="title"/>
+              </p:nvPr>
+            </p:nvSpPr>
+            <p:spPr/>
+            <p:txBody>
+              <a:bodyPr/>
+              <a:lstStyle/>
+              <a:p>
+                <a:r>
+                  <a:rPr lang="en-GB" dirty="0"/>
+                  <a:t>3. Minimise </a:t>
+                </a:r>
+                <a14:m>
+                  <m:oMath xmlns:m="http://schemas.openxmlformats.org/officeDocument/2006/math">
+                    <m:r>
+                      <a:rPr lang="en-GB" b="1" i="1" smtClean="0">
+                        <a:latin typeface="Cambria Math" panose="02040503050406030204" pitchFamily="18" charset="0"/>
+                      </a:rPr>
+                      <m:t>𝒕𝒎</m:t>
+                    </m:r>
+                  </m:oMath>
+                </a14:m>
+                <a:endParaRPr lang="en-GB" dirty="0"/>
+              </a:p>
+            </p:txBody>
+          </p:sp>
+        </mc:Choice>
+        <mc:Fallback>
+          <p:sp>
+            <p:nvSpPr>
+              <p:cNvPr id="2" name="Title 1">
+                <a:extLst>
+                  <a:ext uri="{FF2B5EF4-FFF2-40B4-BE49-F238E27FC236}">
+                    <a16:creationId xmlns:a16="http://schemas.microsoft.com/office/drawing/2014/main" id="{B4B76924-061A-B4F3-28F4-DCC6C3136B20}"/>
+                  </a:ext>
+                </a:extLst>
+              </p:cNvPr>
+              <p:cNvSpPr>
+                <a:spLocks noGrp="1" noRot="1" noChangeAspect="1" noMove="1" noResize="1" noEditPoints="1" noAdjustHandles="1" noChangeArrowheads="1" noChangeShapeType="1" noTextEdit="1"/>
+              </p:cNvSpPr>
+              <p:nvPr>
+                <p:ph type="title"/>
+              </p:nvPr>
+            </p:nvSpPr>
+            <p:spPr>
+              <a:blipFill>
+                <a:blip r:embed="rId2"/>
+                <a:stretch>
+                  <a:fillRect b="-9150"/>
+                </a:stretch>
+              </a:blipFill>
+            </p:spPr>
+            <p:txBody>
+              <a:bodyPr/>
+              <a:lstStyle/>
+              <a:p>
+                <a:r>
+                  <a:rPr lang="en-GB">
+                    <a:noFill/>
+                  </a:rPr>
+                  <a:t> </a:t>
+                </a:r>
+              </a:p>
+            </p:txBody>
+          </p:sp>
+        </mc:Fallback>
+      </mc:AlternateContent>
+      <mc:AlternateContent xmlns:mc="http://schemas.openxmlformats.org/markup-compatibility/2006">
+        <mc:Choice xmlns:a14="http://schemas.microsoft.com/office/drawing/2010/main" Requires="a14">
+          <p:sp>
+            <p:nvSpPr>
+              <p:cNvPr id="3" name="Content Placeholder 2">
+                <a:extLst>
+                  <a:ext uri="{FF2B5EF4-FFF2-40B4-BE49-F238E27FC236}">
+                    <a16:creationId xmlns:a16="http://schemas.microsoft.com/office/drawing/2014/main" id="{C1BF8438-9FF8-1BE1-E7AD-781A7A3B92AA}"/>
+                  </a:ext>
+                </a:extLst>
+              </p:cNvPr>
+              <p:cNvSpPr>
+                <a:spLocks noGrp="1"/>
+              </p:cNvSpPr>
+              <p:nvPr>
+                <p:ph idx="1"/>
+              </p:nvPr>
+            </p:nvSpPr>
+            <p:spPr/>
+            <p:txBody>
+              <a:bodyPr/>
+              <a:lstStyle/>
+              <a:p>
+                <a:r>
+                  <a:rPr lang="en-GB" b="0" dirty="0"/>
+                  <a:t>To minimise our objective function, Newton’s method is highly effective</a:t>
+                </a:r>
+              </a:p>
+              <a:p>
+                <a:r>
+                  <a:rPr lang="en-GB" b="0" dirty="0"/>
+                  <a:t>Because we aim to evaluate </a:t>
+                </a:r>
+                <a:r>
+                  <a:rPr lang="en-GB" dirty="0"/>
+                  <a:t>all</a:t>
+                </a:r>
+                <a:r>
+                  <a:rPr lang="en-GB" b="0" dirty="0"/>
+                  <a:t> minima of the </a:t>
+                </a:r>
+                <a14:m>
+                  <m:oMath xmlns:m="http://schemas.openxmlformats.org/officeDocument/2006/math">
+                    <m:r>
+                      <a:rPr lang="en-GB" b="0" i="1" smtClean="0">
+                        <a:latin typeface="Cambria Math" panose="02040503050406030204" pitchFamily="18" charset="0"/>
+                      </a:rPr>
+                      <m:t>𝑡𝑚</m:t>
+                    </m:r>
+                  </m:oMath>
+                </a14:m>
+                <a:r>
+                  <a:rPr lang="en-GB" b="0" dirty="0"/>
+                  <a:t> function we use </a:t>
+                </a:r>
+                <a:r>
+                  <a:rPr lang="en-GB" dirty="0"/>
+                  <a:t>multiple starting points</a:t>
+                </a:r>
+                <a:endParaRPr lang="en-GB" b="0" dirty="0"/>
+              </a:p>
+              <a:p>
+                <a:pPr marL="0" indent="0">
+                  <a:buNone/>
+                </a:pPr>
+                <a:endParaRPr lang="en-GB" b="0" dirty="0"/>
+              </a:p>
+            </p:txBody>
+          </p:sp>
+        </mc:Choice>
+        <mc:Fallback>
+          <p:sp>
+            <p:nvSpPr>
+              <p:cNvPr id="3" name="Content Placeholder 2">
+                <a:extLst>
+                  <a:ext uri="{FF2B5EF4-FFF2-40B4-BE49-F238E27FC236}">
+                    <a16:creationId xmlns:a16="http://schemas.microsoft.com/office/drawing/2014/main" id="{C1BF8438-9FF8-1BE1-E7AD-781A7A3B92AA}"/>
+                  </a:ext>
+                </a:extLst>
+              </p:cNvPr>
+              <p:cNvSpPr>
+                <a:spLocks noGrp="1" noRot="1" noChangeAspect="1" noMove="1" noResize="1" noEditPoints="1" noAdjustHandles="1" noChangeArrowheads="1" noChangeShapeType="1" noTextEdit="1"/>
+              </p:cNvSpPr>
+              <p:nvPr>
+                <p:ph idx="1"/>
+              </p:nvPr>
+            </p:nvSpPr>
+            <p:spPr>
+              <a:blipFill>
+                <a:blip r:embed="rId3"/>
+                <a:stretch>
+                  <a:fillRect l="-1303" t="-1392"/>
+                </a:stretch>
+              </a:blipFill>
+            </p:spPr>
+            <p:txBody>
+              <a:bodyPr/>
+              <a:lstStyle/>
+              <a:p>
+                <a:r>
+                  <a:rPr lang="en-GB">
+                    <a:noFill/>
+                  </a:rPr>
+                  <a:t> </a:t>
+                </a:r>
+              </a:p>
+            </p:txBody>
+          </p:sp>
+        </mc:Fallback>
+      </mc:AlternateContent>
+      <p:sp>
+        <p:nvSpPr>
+          <p:cNvPr id="4" name="Footer Placeholder 3">
+            <a:extLst>
+              <a:ext uri="{FF2B5EF4-FFF2-40B4-BE49-F238E27FC236}">
+                <a16:creationId xmlns:a16="http://schemas.microsoft.com/office/drawing/2014/main" id="{D93E3104-C5B0-CF32-1337-DAA96F7254E7}"/>
+              </a:ext>
+            </a:extLst>
+          </p:cNvPr>
+          <p:cNvSpPr>
+            <a:spLocks noGrp="1"/>
+          </p:cNvSpPr>
+          <p:nvPr>
+            <p:ph type="ftr" sz="quarter" idx="3"/>
+          </p:nvPr>
+        </p:nvSpPr>
+        <p:spPr/>
+        <p:txBody>
+          <a:bodyPr/>
+          <a:lstStyle/>
+          <a:p>
+            <a:r>
+              <a:rPr lang="en-GB"/>
+              <a:t>© Imperial College London</a:t>
+            </a:r>
+            <a:endParaRPr lang="en-US" dirty="0"/>
+          </a:p>
+        </p:txBody>
+      </p:sp>
+      <p:sp>
+        <p:nvSpPr>
+          <p:cNvPr id="5" name="Slide Number Placeholder 4">
+            <a:extLst>
+              <a:ext uri="{FF2B5EF4-FFF2-40B4-BE49-F238E27FC236}">
+                <a16:creationId xmlns:a16="http://schemas.microsoft.com/office/drawing/2014/main" id="{2E4E34A5-A419-7D47-54C9-FDAF30FEDD86}"/>
+              </a:ext>
+            </a:extLst>
+          </p:cNvPr>
+          <p:cNvSpPr>
+            <a:spLocks noGrp="1"/>
+          </p:cNvSpPr>
+          <p:nvPr>
+            <p:ph type="sldNum" sz="quarter" idx="4"/>
+          </p:nvPr>
+        </p:nvSpPr>
+        <p:spPr/>
+        <p:txBody>
+          <a:bodyPr/>
+          <a:lstStyle/>
+          <a:p>
+            <a:pPr algn="ctr"/>
+            <a:r>
+              <a:rPr lang="en-US"/>
+              <a:t>Slide </a:t>
+            </a:r>
+            <a:fld id="{3C70A08B-371D-5A4D-978C-9F5470823ED6}" type="slidenum">
+              <a:rPr lang="en-US" smtClean="0"/>
+              <a:pPr algn="ctr"/>
+              <a:t>26</a:t>
+            </a:fld>
+            <a:endParaRPr lang="en-US" dirty="0"/>
+          </a:p>
+        </p:txBody>
+      </p:sp>
+    </p:spTree>
+    <p:extLst>
+      <p:ext uri="{BB962C8B-B14F-4D97-AF65-F5344CB8AC3E}">
+        <p14:creationId xmlns:p14="http://schemas.microsoft.com/office/powerpoint/2010/main" val="3124029530"/>
+      </p:ext>
+    </p:extLst>
+  </p:cSld>
+  <p:clrMapOvr>
+    <a:masterClrMapping/>
+  </p:clrMapOvr>
+</p:sld>
+</file>
+
+<file path=ppt/slides/slide27.xml><?xml version="1.0" encoding="utf-8"?>
+<p:sld xmlns:a="http://schemas.openxmlformats.org/drawingml/2006/main" xmlns:r="http://schemas.openxmlformats.org/officeDocument/2006/relationships" xmlns:p="http://schemas.openxmlformats.org/presentationml/2006/main">
+  <p:cSld>
+    <p:spTree>
+      <p:nvGrpSpPr>
+        <p:cNvPr id="1" name=""/>
+        <p:cNvGrpSpPr/>
+        <p:nvPr/>
+      </p:nvGrpSpPr>
+      <p:grpSpPr>
+        <a:xfrm>
+          <a:off x="0" y="0"/>
+          <a:ext cx="0" cy="0"/>
+          <a:chOff x="0" y="0"/>
+          <a:chExt cx="0" cy="0"/>
+        </a:xfrm>
+      </p:grpSpPr>
+      <mc:AlternateContent xmlns:mc="http://schemas.openxmlformats.org/markup-compatibility/2006">
+        <mc:Choice xmlns:a14="http://schemas.microsoft.com/office/drawing/2010/main" Requires="a14">
+          <p:sp>
+            <p:nvSpPr>
+              <p:cNvPr id="2" name="Title 1">
+                <a:extLst>
+                  <a:ext uri="{FF2B5EF4-FFF2-40B4-BE49-F238E27FC236}">
+                    <a16:creationId xmlns:a16="http://schemas.microsoft.com/office/drawing/2014/main" id="{B4B76924-061A-B4F3-28F4-DCC6C3136B20}"/>
+                  </a:ext>
+                </a:extLst>
+              </p:cNvPr>
+              <p:cNvSpPr>
+                <a:spLocks noGrp="1"/>
+              </p:cNvSpPr>
+              <p:nvPr>
+                <p:ph type="title"/>
+              </p:nvPr>
+            </p:nvSpPr>
+            <p:spPr/>
+            <p:txBody>
+              <a:bodyPr/>
+              <a:lstStyle/>
+              <a:p>
+                <a:r>
+                  <a:rPr lang="en-GB" dirty="0"/>
+                  <a:t>3. Minimise </a:t>
+                </a:r>
+                <a14:m>
+                  <m:oMath xmlns:m="http://schemas.openxmlformats.org/officeDocument/2006/math">
+                    <m:r>
+                      <a:rPr lang="en-GB" b="1" i="1" smtClean="0">
+                        <a:latin typeface="Cambria Math" panose="02040503050406030204" pitchFamily="18" charset="0"/>
+                      </a:rPr>
+                      <m:t>𝒕𝒎</m:t>
+                    </m:r>
+                  </m:oMath>
+                </a14:m>
+                <a:endParaRPr lang="en-GB" dirty="0"/>
+              </a:p>
+            </p:txBody>
+          </p:sp>
+        </mc:Choice>
+        <mc:Fallback>
+          <p:sp>
+            <p:nvSpPr>
+              <p:cNvPr id="2" name="Title 1">
+                <a:extLst>
+                  <a:ext uri="{FF2B5EF4-FFF2-40B4-BE49-F238E27FC236}">
+                    <a16:creationId xmlns:a16="http://schemas.microsoft.com/office/drawing/2014/main" id="{B4B76924-061A-B4F3-28F4-DCC6C3136B20}"/>
+                  </a:ext>
+                </a:extLst>
+              </p:cNvPr>
+              <p:cNvSpPr>
+                <a:spLocks noGrp="1" noRot="1" noChangeAspect="1" noMove="1" noResize="1" noEditPoints="1" noAdjustHandles="1" noChangeArrowheads="1" noChangeShapeType="1" noTextEdit="1"/>
+              </p:cNvSpPr>
+              <p:nvPr>
+                <p:ph type="title"/>
+              </p:nvPr>
+            </p:nvSpPr>
+            <p:spPr>
+              <a:blipFill>
+                <a:blip r:embed="rId2"/>
+                <a:stretch>
+                  <a:fillRect b="-9150"/>
+                </a:stretch>
+              </a:blipFill>
+            </p:spPr>
+            <p:txBody>
+              <a:bodyPr/>
+              <a:lstStyle/>
+              <a:p>
+                <a:r>
+                  <a:rPr lang="en-GB">
+                    <a:noFill/>
+                  </a:rPr>
+                  <a:t> </a:t>
+                </a:r>
+              </a:p>
+            </p:txBody>
+          </p:sp>
+        </mc:Fallback>
+      </mc:AlternateContent>
+      <mc:AlternateContent xmlns:mc="http://schemas.openxmlformats.org/markup-compatibility/2006">
+        <mc:Choice xmlns:a14="http://schemas.microsoft.com/office/drawing/2010/main" Requires="a14">
           <p:sp>
             <p:nvSpPr>
               <p:cNvPr id="3" name="Content Placeholder 2">
@@ -11201,7 +15229,7 @@
             </p:txBody>
           </p:sp>
         </mc:Choice>
-        <mc:Fallback xmlns="">
+        <mc:Fallback>
           <p:sp>
             <p:nvSpPr>
               <p:cNvPr id="3" name="Content Placeholder 2">
@@ -11299,7 +15327,7 @@
             <a:fld id="{3C70A08B-371D-5A4D-978C-9F5470823ED6}" type="slidenum">
               <a:rPr lang="en-US" smtClean="0"/>
               <a:pPr algn="ctr"/>
-              <a:t>20</a:t>
+              <a:t>27</a:t>
             </a:fld>
             <a:endParaRPr lang="en-US" dirty="0"/>
           </a:p>
@@ -11308,7 +15336,7 @@
     </p:spTree>
     <p:extLst>
       <p:ext uri="{BB962C8B-B14F-4D97-AF65-F5344CB8AC3E}">
-        <p14:creationId xmlns:p14="http://schemas.microsoft.com/office/powerpoint/2010/main" val="3566713906"/>
+        <p14:creationId xmlns:p14="http://schemas.microsoft.com/office/powerpoint/2010/main" val="27909446"/>
       </p:ext>
     </p:extLst>
   </p:cSld>
@@ -11318,7 +15346,7 @@
 </p:sld>
 </file>
 
-<file path=ppt/slides/slide21.xml><?xml version="1.0" encoding="utf-8"?>
+<file path=ppt/slides/slide28.xml><?xml version="1.0" encoding="utf-8"?>
 <p:sld xmlns:a="http://schemas.openxmlformats.org/drawingml/2006/main" xmlns:r="http://schemas.openxmlformats.org/officeDocument/2006/relationships" xmlns:p="http://schemas.openxmlformats.org/presentationml/2006/main">
   <p:cSld>
     <p:spTree>
@@ -11417,8 +15445,8 @@
           </p:sp>
         </mc:Fallback>
       </mc:AlternateContent>
-      <mc:AlternateContent xmlns:mc="http://schemas.openxmlformats.org/markup-compatibility/2006" xmlns:a14="http://schemas.microsoft.com/office/drawing/2010/main">
-        <mc:Choice Requires="a14">
+      <mc:AlternateContent xmlns:mc="http://schemas.openxmlformats.org/markup-compatibility/2006">
+        <mc:Choice xmlns:a14="http://schemas.microsoft.com/office/drawing/2010/main" Requires="a14">
           <p:sp>
             <p:nvSpPr>
               <p:cNvPr id="3" name="Content Placeholder 2">
@@ -11464,7 +15492,7 @@
               <a:p>
                 <a:r>
                   <a:rPr lang="en-GB" b="0" dirty="0"/>
-                  <a:t>For the liquid-like root we assume </a:t>
+                  <a:t>The liquid-like phase composition:</a:t>
                 </a:r>
                 <a:br>
                   <a:rPr lang="en-GB" b="0" dirty="0"/>
@@ -11543,11 +15571,7 @@
               <a:p>
                 <a:r>
                   <a:rPr lang="en-GB" b="0" dirty="0"/>
-                  <a:t>For the vapour-like root we assume </a:t>
-                </a:r>
-                <a:r>
-                  <a:rPr lang="en-GB" dirty="0"/>
-                  <a:t>ideal gas</a:t>
+                  <a:t>The vapour-like phase composition:</a:t>
                 </a:r>
                 <a:br>
                   <a:rPr lang="en-GB" dirty="0"/>
@@ -11648,7 +15672,7 @@
             </p:txBody>
           </p:sp>
         </mc:Choice>
-        <mc:Fallback xmlns="">
+        <mc:Fallback>
           <p:sp>
             <p:nvSpPr>
               <p:cNvPr id="3" name="Content Placeholder 2">
@@ -11746,7 +15770,7 @@
             <a:fld id="{3C70A08B-371D-5A4D-978C-9F5470823ED6}" type="slidenum">
               <a:rPr lang="en-US" smtClean="0"/>
               <a:pPr algn="ctr"/>
-              <a:t>21</a:t>
+              <a:t>28</a:t>
             </a:fld>
             <a:endParaRPr lang="en-US" dirty="0"/>
           </a:p>
@@ -11765,7 +15789,7 @@
 </p:sld>
 </file>
 
-<file path=ppt/slides/slide22.xml><?xml version="1.0" encoding="utf-8"?>
+<file path=ppt/slides/slide29.xml><?xml version="1.0" encoding="utf-8"?>
 <p:sld xmlns:a="http://schemas.openxmlformats.org/drawingml/2006/main" xmlns:r="http://schemas.openxmlformats.org/officeDocument/2006/relationships" xmlns:p="http://schemas.openxmlformats.org/presentationml/2006/main">
   <p:cSld>
     <p:spTree>
@@ -11843,7 +15867,7 @@
             </p:nvSpPr>
             <p:spPr>
               <a:blipFill>
-                <a:blip r:embed="rId2"/>
+                <a:blip r:embed="rId3"/>
                 <a:stretch>
                   <a:fillRect b="-9150"/>
                 </a:stretch>
@@ -11950,7 +15974,7 @@
             <a:fld id="{3C70A08B-371D-5A4D-978C-9F5470823ED6}" type="slidenum">
               <a:rPr lang="en-US" smtClean="0"/>
               <a:pPr algn="ctr"/>
-              <a:t>22</a:t>
+              <a:t>29</a:t>
             </a:fld>
             <a:endParaRPr lang="en-US" dirty="0"/>
           </a:p>
@@ -11960,780 +15984,6 @@
     <p:extLst>
       <p:ext uri="{BB962C8B-B14F-4D97-AF65-F5344CB8AC3E}">
         <p14:creationId xmlns:p14="http://schemas.microsoft.com/office/powerpoint/2010/main" val="1018146709"/>
-      </p:ext>
-    </p:extLst>
-  </p:cSld>
-  <p:clrMapOvr>
-    <a:masterClrMapping/>
-  </p:clrMapOvr>
-</p:sld>
-</file>
-
-<file path=ppt/slides/slide23.xml><?xml version="1.0" encoding="utf-8"?>
-<p:sld xmlns:a="http://schemas.openxmlformats.org/drawingml/2006/main" xmlns:r="http://schemas.openxmlformats.org/officeDocument/2006/relationships" xmlns:p="http://schemas.openxmlformats.org/presentationml/2006/main">
-  <p:cSld>
-    <p:spTree>
-      <p:nvGrpSpPr>
-        <p:cNvPr id="1" name=""/>
-        <p:cNvGrpSpPr/>
-        <p:nvPr/>
-      </p:nvGrpSpPr>
-      <p:grpSpPr>
-        <a:xfrm>
-          <a:off x="0" y="0"/>
-          <a:ext cx="0" cy="0"/>
-          <a:chOff x="0" y="0"/>
-          <a:chExt cx="0" cy="0"/>
-        </a:xfrm>
-      </p:grpSpPr>
-      <p:sp>
-        <p:nvSpPr>
-          <p:cNvPr id="2" name="Title 1">
-            <a:extLst>
-              <a:ext uri="{FF2B5EF4-FFF2-40B4-BE49-F238E27FC236}">
-                <a16:creationId xmlns:a16="http://schemas.microsoft.com/office/drawing/2014/main" id="{504E27BB-BDED-5B76-A2DE-DEAC699747DE}"/>
-              </a:ext>
-            </a:extLst>
-          </p:cNvPr>
-          <p:cNvSpPr>
-            <a:spLocks noGrp="1"/>
-          </p:cNvSpPr>
-          <p:nvPr>
-            <p:ph type="title"/>
-          </p:nvPr>
-        </p:nvSpPr>
-        <p:spPr/>
-        <p:txBody>
-          <a:bodyPr/>
-          <a:lstStyle/>
-          <a:p>
-            <a:r>
-              <a:rPr lang="en-GB" dirty="0"/>
-              <a:t>Equilibrium guesses</a:t>
-            </a:r>
-          </a:p>
-        </p:txBody>
-      </p:sp>
-      <p:sp>
-        <p:nvSpPr>
-          <p:cNvPr id="3" name="Content Placeholder 2">
-            <a:extLst>
-              <a:ext uri="{FF2B5EF4-FFF2-40B4-BE49-F238E27FC236}">
-                <a16:creationId xmlns:a16="http://schemas.microsoft.com/office/drawing/2014/main" id="{3E531A6A-9956-3CEC-A840-59C04669BEDB}"/>
-              </a:ext>
-            </a:extLst>
-          </p:cNvPr>
-          <p:cNvSpPr>
-            <a:spLocks noGrp="1"/>
-          </p:cNvSpPr>
-          <p:nvPr>
-            <p:ph idx="1"/>
-          </p:nvPr>
-        </p:nvSpPr>
-        <p:spPr/>
-        <p:txBody>
-          <a:bodyPr/>
-          <a:lstStyle/>
-          <a:p>
-            <a:r>
-              <a:rPr lang="en-GB" b="0" dirty="0"/>
-              <a:t>One of the key applications of stability analysis is providing good “guesses” of equilibrium</a:t>
-            </a:r>
-          </a:p>
-        </p:txBody>
-      </p:sp>
-      <p:sp>
-        <p:nvSpPr>
-          <p:cNvPr id="4" name="Footer Placeholder 3">
-            <a:extLst>
-              <a:ext uri="{FF2B5EF4-FFF2-40B4-BE49-F238E27FC236}">
-                <a16:creationId xmlns:a16="http://schemas.microsoft.com/office/drawing/2014/main" id="{E59965F1-E392-A23E-44A9-7FF19C7B7F24}"/>
-              </a:ext>
-            </a:extLst>
-          </p:cNvPr>
-          <p:cNvSpPr>
-            <a:spLocks noGrp="1"/>
-          </p:cNvSpPr>
-          <p:nvPr>
-            <p:ph type="ftr" sz="quarter" idx="3"/>
-          </p:nvPr>
-        </p:nvSpPr>
-        <p:spPr/>
-        <p:txBody>
-          <a:bodyPr/>
-          <a:lstStyle/>
-          <a:p>
-            <a:r>
-              <a:rPr lang="en-GB"/>
-              <a:t>© Imperial College London</a:t>
-            </a:r>
-            <a:endParaRPr lang="en-US" dirty="0"/>
-          </a:p>
-        </p:txBody>
-      </p:sp>
-      <p:sp>
-        <p:nvSpPr>
-          <p:cNvPr id="5" name="Slide Number Placeholder 4">
-            <a:extLst>
-              <a:ext uri="{FF2B5EF4-FFF2-40B4-BE49-F238E27FC236}">
-                <a16:creationId xmlns:a16="http://schemas.microsoft.com/office/drawing/2014/main" id="{C25ABA5B-7874-C0F7-F3F9-CBD906D3D6B7}"/>
-              </a:ext>
-            </a:extLst>
-          </p:cNvPr>
-          <p:cNvSpPr>
-            <a:spLocks noGrp="1"/>
-          </p:cNvSpPr>
-          <p:nvPr>
-            <p:ph type="sldNum" sz="quarter" idx="4"/>
-          </p:nvPr>
-        </p:nvSpPr>
-        <p:spPr/>
-        <p:txBody>
-          <a:bodyPr/>
-          <a:lstStyle/>
-          <a:p>
-            <a:pPr algn="ctr"/>
-            <a:r>
-              <a:rPr lang="en-US"/>
-              <a:t>Slide </a:t>
-            </a:r>
-            <a:fld id="{3C70A08B-371D-5A4D-978C-9F5470823ED6}" type="slidenum">
-              <a:rPr lang="en-US" smtClean="0"/>
-              <a:pPr algn="ctr"/>
-              <a:t>23</a:t>
-            </a:fld>
-            <a:endParaRPr lang="en-US" dirty="0"/>
-          </a:p>
-        </p:txBody>
-      </p:sp>
-      <p:pic>
-        <p:nvPicPr>
-          <p:cNvPr id="7" name="Graphic 6">
-            <a:extLst>
-              <a:ext uri="{FF2B5EF4-FFF2-40B4-BE49-F238E27FC236}">
-                <a16:creationId xmlns:a16="http://schemas.microsoft.com/office/drawing/2014/main" id="{F27BC6BC-4804-17B1-0A8B-09FE0BBB9095}"/>
-              </a:ext>
-            </a:extLst>
-          </p:cNvPr>
-          <p:cNvPicPr>
-            <a:picLocks noChangeAspect="1"/>
-          </p:cNvPicPr>
-          <p:nvPr/>
-        </p:nvPicPr>
-        <p:blipFill>
-          <a:blip r:embed="rId2">
-            <a:extLst>
-              <a:ext uri="{96DAC541-7B7A-43D3-8B79-37D633B846F1}">
-                <asvg:svgBlip xmlns:asvg="http://schemas.microsoft.com/office/drawing/2016/SVG/main" r:embed="rId3"/>
-              </a:ext>
-            </a:extLst>
-          </a:blip>
-          <a:stretch>
-            <a:fillRect/>
-          </a:stretch>
-        </p:blipFill>
-        <p:spPr>
-          <a:xfrm>
-            <a:off x="228600" y="3336701"/>
-            <a:ext cx="4229100" cy="2819400"/>
-          </a:xfrm>
-          <a:prstGeom prst="rect">
-            <a:avLst/>
-          </a:prstGeom>
-        </p:spPr>
-      </p:pic>
-      <p:pic>
-        <p:nvPicPr>
-          <p:cNvPr id="9" name="Graphic 8">
-            <a:extLst>
-              <a:ext uri="{FF2B5EF4-FFF2-40B4-BE49-F238E27FC236}">
-                <a16:creationId xmlns:a16="http://schemas.microsoft.com/office/drawing/2014/main" id="{7F8C769E-CC24-EDC8-3F05-639A62A58582}"/>
-              </a:ext>
-            </a:extLst>
-          </p:cNvPr>
-          <p:cNvPicPr>
-            <a:picLocks noChangeAspect="1"/>
-          </p:cNvPicPr>
-          <p:nvPr/>
-        </p:nvPicPr>
-        <p:blipFill>
-          <a:blip r:embed="rId4">
-            <a:extLst>
-              <a:ext uri="{96DAC541-7B7A-43D3-8B79-37D633B846F1}">
-                <asvg:svgBlip xmlns:asvg="http://schemas.microsoft.com/office/drawing/2016/SVG/main" r:embed="rId5"/>
-              </a:ext>
-            </a:extLst>
-          </a:blip>
-          <a:stretch>
-            <a:fillRect/>
-          </a:stretch>
-        </p:blipFill>
-        <p:spPr>
-          <a:xfrm>
-            <a:off x="4572000" y="3336701"/>
-            <a:ext cx="4229100" cy="2819400"/>
-          </a:xfrm>
-          <a:prstGeom prst="rect">
-            <a:avLst/>
-          </a:prstGeom>
-        </p:spPr>
-      </p:pic>
-    </p:spTree>
-    <p:extLst>
-      <p:ext uri="{BB962C8B-B14F-4D97-AF65-F5344CB8AC3E}">
-        <p14:creationId xmlns:p14="http://schemas.microsoft.com/office/powerpoint/2010/main" val="853940684"/>
-      </p:ext>
-    </p:extLst>
-  </p:cSld>
-  <p:clrMapOvr>
-    <a:masterClrMapping/>
-  </p:clrMapOvr>
-</p:sld>
-</file>
-
-<file path=ppt/slides/slide24.xml><?xml version="1.0" encoding="utf-8"?>
-<p:sld xmlns:a="http://schemas.openxmlformats.org/drawingml/2006/main" xmlns:r="http://schemas.openxmlformats.org/officeDocument/2006/relationships" xmlns:p="http://schemas.openxmlformats.org/presentationml/2006/main">
-  <p:cSld>
-    <p:spTree>
-      <p:nvGrpSpPr>
-        <p:cNvPr id="1" name=""/>
-        <p:cNvGrpSpPr/>
-        <p:nvPr/>
-      </p:nvGrpSpPr>
-      <p:grpSpPr>
-        <a:xfrm>
-          <a:off x="0" y="0"/>
-          <a:ext cx="0" cy="0"/>
-          <a:chOff x="0" y="0"/>
-          <a:chExt cx="0" cy="0"/>
-        </a:xfrm>
-      </p:grpSpPr>
-      <p:sp>
-        <p:nvSpPr>
-          <p:cNvPr id="2" name="Title 1">
-            <a:extLst>
-              <a:ext uri="{FF2B5EF4-FFF2-40B4-BE49-F238E27FC236}">
-                <a16:creationId xmlns:a16="http://schemas.microsoft.com/office/drawing/2014/main" id="{B1E3CAE4-882A-AD65-9D3D-65403C199E82}"/>
-              </a:ext>
-            </a:extLst>
-          </p:cNvPr>
-          <p:cNvSpPr>
-            <a:spLocks noGrp="1"/>
-          </p:cNvSpPr>
-          <p:nvPr>
-            <p:ph type="title"/>
-          </p:nvPr>
-        </p:nvSpPr>
-        <p:spPr/>
-        <p:txBody>
-          <a:bodyPr/>
-          <a:lstStyle/>
-          <a:p>
-            <a:r>
-              <a:rPr lang="en-GB" dirty="0"/>
-              <a:t>Difficulties</a:t>
-            </a:r>
-          </a:p>
-        </p:txBody>
-      </p:sp>
-      <p:sp>
-        <p:nvSpPr>
-          <p:cNvPr id="3" name="Content Placeholder 2">
-            <a:extLst>
-              <a:ext uri="{FF2B5EF4-FFF2-40B4-BE49-F238E27FC236}">
-                <a16:creationId xmlns:a16="http://schemas.microsoft.com/office/drawing/2014/main" id="{C3801C6F-508B-93BE-B8E2-4E8BE0EF9259}"/>
-              </a:ext>
-            </a:extLst>
-          </p:cNvPr>
-          <p:cNvSpPr>
-            <a:spLocks noGrp="1"/>
-          </p:cNvSpPr>
-          <p:nvPr>
-            <p:ph idx="1"/>
-          </p:nvPr>
-        </p:nvSpPr>
-        <p:spPr>
-          <a:xfrm>
-            <a:off x="457200" y="1600200"/>
-            <a:ext cx="4011770" cy="4818599"/>
-          </a:xfrm>
-        </p:spPr>
-        <p:txBody>
-          <a:bodyPr/>
-          <a:lstStyle/>
-          <a:p>
-            <a:r>
-              <a:rPr lang="en-GB" b="0" dirty="0"/>
-              <a:t>Our stability analysis algorithm is </a:t>
-            </a:r>
-            <a:r>
-              <a:rPr lang="en-GB" dirty="0"/>
-              <a:t>not invincible</a:t>
-            </a:r>
-            <a:endParaRPr lang="en-GB" b="0" dirty="0"/>
-          </a:p>
-          <a:p>
-            <a:r>
-              <a:rPr lang="en-GB" b="0" dirty="0"/>
-              <a:t>In some cases, we may converge to an incorrect minima</a:t>
-            </a:r>
-          </a:p>
-          <a:p>
-            <a:r>
-              <a:rPr lang="en-GB" b="0" dirty="0"/>
-              <a:t>This may result in an unstable phase being reported as stable</a:t>
-            </a:r>
-          </a:p>
-        </p:txBody>
-      </p:sp>
-      <p:sp>
-        <p:nvSpPr>
-          <p:cNvPr id="4" name="Footer Placeholder 3">
-            <a:extLst>
-              <a:ext uri="{FF2B5EF4-FFF2-40B4-BE49-F238E27FC236}">
-                <a16:creationId xmlns:a16="http://schemas.microsoft.com/office/drawing/2014/main" id="{869C9ADF-5CA7-32B2-C157-76DA068F4D86}"/>
-              </a:ext>
-            </a:extLst>
-          </p:cNvPr>
-          <p:cNvSpPr>
-            <a:spLocks noGrp="1"/>
-          </p:cNvSpPr>
-          <p:nvPr>
-            <p:ph type="ftr" sz="quarter" idx="3"/>
-          </p:nvPr>
-        </p:nvSpPr>
-        <p:spPr/>
-        <p:txBody>
-          <a:bodyPr/>
-          <a:lstStyle/>
-          <a:p>
-            <a:r>
-              <a:rPr lang="en-GB"/>
-              <a:t>© Imperial College London</a:t>
-            </a:r>
-            <a:endParaRPr lang="en-US" dirty="0"/>
-          </a:p>
-        </p:txBody>
-      </p:sp>
-      <p:sp>
-        <p:nvSpPr>
-          <p:cNvPr id="5" name="Slide Number Placeholder 4">
-            <a:extLst>
-              <a:ext uri="{FF2B5EF4-FFF2-40B4-BE49-F238E27FC236}">
-                <a16:creationId xmlns:a16="http://schemas.microsoft.com/office/drawing/2014/main" id="{086C0923-8EB9-FE8D-56DE-3BCE92DCB934}"/>
-              </a:ext>
-            </a:extLst>
-          </p:cNvPr>
-          <p:cNvSpPr>
-            <a:spLocks noGrp="1"/>
-          </p:cNvSpPr>
-          <p:nvPr>
-            <p:ph type="sldNum" sz="quarter" idx="4"/>
-          </p:nvPr>
-        </p:nvSpPr>
-        <p:spPr/>
-        <p:txBody>
-          <a:bodyPr/>
-          <a:lstStyle/>
-          <a:p>
-            <a:pPr algn="ctr"/>
-            <a:r>
-              <a:rPr lang="en-US"/>
-              <a:t>Slide </a:t>
-            </a:r>
-            <a:fld id="{3C70A08B-371D-5A4D-978C-9F5470823ED6}" type="slidenum">
-              <a:rPr lang="en-US" smtClean="0"/>
-              <a:pPr algn="ctr"/>
-              <a:t>24</a:t>
-            </a:fld>
-            <a:endParaRPr lang="en-US" dirty="0"/>
-          </a:p>
-        </p:txBody>
-      </p:sp>
-      <p:pic>
-        <p:nvPicPr>
-          <p:cNvPr id="7" name="Graphic 6">
-            <a:extLst>
-              <a:ext uri="{FF2B5EF4-FFF2-40B4-BE49-F238E27FC236}">
-                <a16:creationId xmlns:a16="http://schemas.microsoft.com/office/drawing/2014/main" id="{796D03D3-9EE9-1ABC-43A3-23F764FFB20C}"/>
-              </a:ext>
-            </a:extLst>
-          </p:cNvPr>
-          <p:cNvPicPr>
-            <a:picLocks noChangeAspect="1"/>
-          </p:cNvPicPr>
-          <p:nvPr/>
-        </p:nvPicPr>
-        <p:blipFill>
-          <a:blip r:embed="rId2">
-            <a:extLst>
-              <a:ext uri="{96DAC541-7B7A-43D3-8B79-37D633B846F1}">
-                <asvg:svgBlip xmlns:asvg="http://schemas.microsoft.com/office/drawing/2016/SVG/main" r:embed="rId3"/>
-              </a:ext>
-            </a:extLst>
-          </a:blip>
-          <a:stretch>
-            <a:fillRect/>
-          </a:stretch>
-        </p:blipFill>
-        <p:spPr>
-          <a:xfrm>
-            <a:off x="4754204" y="2410980"/>
-            <a:ext cx="4354300" cy="2902866"/>
-          </a:xfrm>
-          <a:prstGeom prst="rect">
-            <a:avLst/>
-          </a:prstGeom>
-        </p:spPr>
-      </p:pic>
-    </p:spTree>
-    <p:extLst>
-      <p:ext uri="{BB962C8B-B14F-4D97-AF65-F5344CB8AC3E}">
-        <p14:creationId xmlns:p14="http://schemas.microsoft.com/office/powerpoint/2010/main" val="3860679924"/>
-      </p:ext>
-    </p:extLst>
-  </p:cSld>
-  <p:clrMapOvr>
-    <a:masterClrMapping/>
-  </p:clrMapOvr>
-</p:sld>
-</file>
-
-<file path=ppt/slides/slide25.xml><?xml version="1.0" encoding="utf-8"?>
-<p:sld xmlns:a="http://schemas.openxmlformats.org/drawingml/2006/main" xmlns:r="http://schemas.openxmlformats.org/officeDocument/2006/relationships" xmlns:p="http://schemas.openxmlformats.org/presentationml/2006/main">
-  <p:cSld>
-    <p:spTree>
-      <p:nvGrpSpPr>
-        <p:cNvPr id="1" name=""/>
-        <p:cNvGrpSpPr/>
-        <p:nvPr/>
-      </p:nvGrpSpPr>
-      <p:grpSpPr>
-        <a:xfrm>
-          <a:off x="0" y="0"/>
-          <a:ext cx="0" cy="0"/>
-          <a:chOff x="0" y="0"/>
-          <a:chExt cx="0" cy="0"/>
-        </a:xfrm>
-      </p:grpSpPr>
-      <p:sp>
-        <p:nvSpPr>
-          <p:cNvPr id="2" name="Title 1">
-            <a:extLst>
-              <a:ext uri="{FF2B5EF4-FFF2-40B4-BE49-F238E27FC236}">
-                <a16:creationId xmlns:a16="http://schemas.microsoft.com/office/drawing/2014/main" id="{3F780E12-AC1B-A8D0-C2DF-85A3E00ED6A1}"/>
-              </a:ext>
-            </a:extLst>
-          </p:cNvPr>
-          <p:cNvSpPr>
-            <a:spLocks noGrp="1"/>
-          </p:cNvSpPr>
-          <p:nvPr>
-            <p:ph type="title"/>
-          </p:nvPr>
-        </p:nvSpPr>
-        <p:spPr/>
-        <p:txBody>
-          <a:bodyPr/>
-          <a:lstStyle/>
-          <a:p>
-            <a:r>
-              <a:rPr lang="en-GB" dirty="0"/>
-              <a:t>Difficulties</a:t>
-            </a:r>
-          </a:p>
-        </p:txBody>
-      </p:sp>
-      <p:sp>
-        <p:nvSpPr>
-          <p:cNvPr id="3" name="Content Placeholder 2">
-            <a:extLst>
-              <a:ext uri="{FF2B5EF4-FFF2-40B4-BE49-F238E27FC236}">
-                <a16:creationId xmlns:a16="http://schemas.microsoft.com/office/drawing/2014/main" id="{097C9386-1870-974A-883C-E9F8EEF0CA9A}"/>
-              </a:ext>
-            </a:extLst>
-          </p:cNvPr>
-          <p:cNvSpPr>
-            <a:spLocks noGrp="1"/>
-          </p:cNvSpPr>
-          <p:nvPr>
-            <p:ph idx="1"/>
-          </p:nvPr>
-        </p:nvSpPr>
-        <p:spPr/>
-        <p:txBody>
-          <a:bodyPr/>
-          <a:lstStyle/>
-          <a:p>
-            <a:r>
-              <a:rPr lang="en-GB" b="0" dirty="0"/>
-              <a:t>Luckily, this problem is rare</a:t>
-            </a:r>
-          </a:p>
-          <a:p>
-            <a:r>
-              <a:rPr lang="en-GB" b="0" dirty="0"/>
-              <a:t>To avoid it, modifications to our method are required. These generally intend to “globalise” our optimisation technique.</a:t>
-            </a:r>
-          </a:p>
-          <a:p>
-            <a:r>
-              <a:rPr lang="en-GB" b="0" dirty="0"/>
-              <a:t>They include:</a:t>
-            </a:r>
-          </a:p>
-          <a:p>
-            <a:pPr lvl="1"/>
-            <a:r>
-              <a:rPr lang="en-GB" dirty="0"/>
-              <a:t>More points!</a:t>
-            </a:r>
-          </a:p>
-          <a:p>
-            <a:pPr lvl="1"/>
-            <a:r>
-              <a:rPr lang="en-GB" b="0" dirty="0"/>
-              <a:t>Tunnelling</a:t>
-            </a:r>
-          </a:p>
-          <a:p>
-            <a:pPr lvl="1"/>
-            <a:r>
-              <a:rPr lang="en-GB" dirty="0"/>
-              <a:t>Stochastic methods (e.g. evolutionary algorithms, simulated annealing)</a:t>
-            </a:r>
-          </a:p>
-          <a:p>
-            <a:r>
-              <a:rPr lang="en-GB" dirty="0"/>
-              <a:t>Usually these are not necessary</a:t>
-            </a:r>
-          </a:p>
-          <a:p>
-            <a:pPr lvl="1"/>
-            <a:endParaRPr lang="en-GB" b="0" dirty="0"/>
-          </a:p>
-          <a:p>
-            <a:pPr lvl="1"/>
-            <a:endParaRPr lang="en-GB" b="0" dirty="0"/>
-          </a:p>
-        </p:txBody>
-      </p:sp>
-      <p:sp>
-        <p:nvSpPr>
-          <p:cNvPr id="4" name="Footer Placeholder 3">
-            <a:extLst>
-              <a:ext uri="{FF2B5EF4-FFF2-40B4-BE49-F238E27FC236}">
-                <a16:creationId xmlns:a16="http://schemas.microsoft.com/office/drawing/2014/main" id="{F4DC7050-DBF8-E18D-F976-49B713F683EA}"/>
-              </a:ext>
-            </a:extLst>
-          </p:cNvPr>
-          <p:cNvSpPr>
-            <a:spLocks noGrp="1"/>
-          </p:cNvSpPr>
-          <p:nvPr>
-            <p:ph type="ftr" sz="quarter" idx="3"/>
-          </p:nvPr>
-        </p:nvSpPr>
-        <p:spPr/>
-        <p:txBody>
-          <a:bodyPr/>
-          <a:lstStyle/>
-          <a:p>
-            <a:r>
-              <a:rPr lang="en-GB"/>
-              <a:t>© Imperial College London</a:t>
-            </a:r>
-            <a:endParaRPr lang="en-US" dirty="0"/>
-          </a:p>
-        </p:txBody>
-      </p:sp>
-      <p:sp>
-        <p:nvSpPr>
-          <p:cNvPr id="5" name="Slide Number Placeholder 4">
-            <a:extLst>
-              <a:ext uri="{FF2B5EF4-FFF2-40B4-BE49-F238E27FC236}">
-                <a16:creationId xmlns:a16="http://schemas.microsoft.com/office/drawing/2014/main" id="{DF86E54E-519C-A68F-070A-E578C4FE37C0}"/>
-              </a:ext>
-            </a:extLst>
-          </p:cNvPr>
-          <p:cNvSpPr>
-            <a:spLocks noGrp="1"/>
-          </p:cNvSpPr>
-          <p:nvPr>
-            <p:ph type="sldNum" sz="quarter" idx="4"/>
-          </p:nvPr>
-        </p:nvSpPr>
-        <p:spPr/>
-        <p:txBody>
-          <a:bodyPr/>
-          <a:lstStyle/>
-          <a:p>
-            <a:pPr algn="ctr"/>
-            <a:r>
-              <a:rPr lang="en-US"/>
-              <a:t>Slide </a:t>
-            </a:r>
-            <a:fld id="{3C70A08B-371D-5A4D-978C-9F5470823ED6}" type="slidenum">
-              <a:rPr lang="en-US" smtClean="0"/>
-              <a:pPr algn="ctr"/>
-              <a:t>25</a:t>
-            </a:fld>
-            <a:endParaRPr lang="en-US" dirty="0"/>
-          </a:p>
-        </p:txBody>
-      </p:sp>
-    </p:spTree>
-    <p:extLst>
-      <p:ext uri="{BB962C8B-B14F-4D97-AF65-F5344CB8AC3E}">
-        <p14:creationId xmlns:p14="http://schemas.microsoft.com/office/powerpoint/2010/main" val="3841461831"/>
-      </p:ext>
-    </p:extLst>
-  </p:cSld>
-  <p:clrMapOvr>
-    <a:masterClrMapping/>
-  </p:clrMapOvr>
-</p:sld>
-</file>
-
-<file path=ppt/slides/slide26.xml><?xml version="1.0" encoding="utf-8"?>
-<p:sld xmlns:a="http://schemas.openxmlformats.org/drawingml/2006/main" xmlns:r="http://schemas.openxmlformats.org/officeDocument/2006/relationships" xmlns:p="http://schemas.openxmlformats.org/presentationml/2006/main">
-  <p:cSld>
-    <p:spTree>
-      <p:nvGrpSpPr>
-        <p:cNvPr id="1" name=""/>
-        <p:cNvGrpSpPr/>
-        <p:nvPr/>
-      </p:nvGrpSpPr>
-      <p:grpSpPr>
-        <a:xfrm>
-          <a:off x="0" y="0"/>
-          <a:ext cx="0" cy="0"/>
-          <a:chOff x="0" y="0"/>
-          <a:chExt cx="0" cy="0"/>
-        </a:xfrm>
-      </p:grpSpPr>
-      <p:sp>
-        <p:nvSpPr>
-          <p:cNvPr id="2" name="Title 1">
-            <a:extLst>
-              <a:ext uri="{FF2B5EF4-FFF2-40B4-BE49-F238E27FC236}">
-                <a16:creationId xmlns:a16="http://schemas.microsoft.com/office/drawing/2014/main" id="{AF81E089-0C8A-4F31-B7BF-1A5F4091C1AB}"/>
-              </a:ext>
-            </a:extLst>
-          </p:cNvPr>
-          <p:cNvSpPr>
-            <a:spLocks noGrp="1"/>
-          </p:cNvSpPr>
-          <p:nvPr>
-            <p:ph type="title"/>
-          </p:nvPr>
-        </p:nvSpPr>
-        <p:spPr/>
-        <p:txBody>
-          <a:bodyPr/>
-          <a:lstStyle/>
-          <a:p>
-            <a:r>
-              <a:rPr lang="en-GB" dirty="0"/>
-              <a:t>Key points</a:t>
-            </a:r>
-          </a:p>
-        </p:txBody>
-      </p:sp>
-      <p:sp>
-        <p:nvSpPr>
-          <p:cNvPr id="3" name="Content Placeholder 2">
-            <a:extLst>
-              <a:ext uri="{FF2B5EF4-FFF2-40B4-BE49-F238E27FC236}">
-                <a16:creationId xmlns:a16="http://schemas.microsoft.com/office/drawing/2014/main" id="{07AFC933-3B76-A90C-5714-5F57ABCEF8D7}"/>
-              </a:ext>
-            </a:extLst>
-          </p:cNvPr>
-          <p:cNvSpPr>
-            <a:spLocks noGrp="1"/>
-          </p:cNvSpPr>
-          <p:nvPr>
-            <p:ph idx="1"/>
-          </p:nvPr>
-        </p:nvSpPr>
-        <p:spPr/>
-        <p:txBody>
-          <a:bodyPr/>
-          <a:lstStyle/>
-          <a:p>
-            <a:endParaRPr lang="en-GB"/>
-          </a:p>
-        </p:txBody>
-      </p:sp>
-      <p:sp>
-        <p:nvSpPr>
-          <p:cNvPr id="4" name="Footer Placeholder 3">
-            <a:extLst>
-              <a:ext uri="{FF2B5EF4-FFF2-40B4-BE49-F238E27FC236}">
-                <a16:creationId xmlns:a16="http://schemas.microsoft.com/office/drawing/2014/main" id="{6258B416-D2A8-FB7B-EE42-1425C7147F7D}"/>
-              </a:ext>
-            </a:extLst>
-          </p:cNvPr>
-          <p:cNvSpPr>
-            <a:spLocks noGrp="1"/>
-          </p:cNvSpPr>
-          <p:nvPr>
-            <p:ph type="ftr" sz="quarter" idx="3"/>
-          </p:nvPr>
-        </p:nvSpPr>
-        <p:spPr/>
-        <p:txBody>
-          <a:bodyPr/>
-          <a:lstStyle/>
-          <a:p>
-            <a:r>
-              <a:rPr lang="en-GB"/>
-              <a:t>© Imperial College London</a:t>
-            </a:r>
-            <a:endParaRPr lang="en-US" dirty="0"/>
-          </a:p>
-        </p:txBody>
-      </p:sp>
-      <p:sp>
-        <p:nvSpPr>
-          <p:cNvPr id="5" name="Slide Number Placeholder 4">
-            <a:extLst>
-              <a:ext uri="{FF2B5EF4-FFF2-40B4-BE49-F238E27FC236}">
-                <a16:creationId xmlns:a16="http://schemas.microsoft.com/office/drawing/2014/main" id="{A5DF7DB3-EC3A-AC81-8EAB-DA195BFF0308}"/>
-              </a:ext>
-            </a:extLst>
-          </p:cNvPr>
-          <p:cNvSpPr>
-            <a:spLocks noGrp="1"/>
-          </p:cNvSpPr>
-          <p:nvPr>
-            <p:ph type="sldNum" sz="quarter" idx="4"/>
-          </p:nvPr>
-        </p:nvSpPr>
-        <p:spPr/>
-        <p:txBody>
-          <a:bodyPr/>
-          <a:lstStyle/>
-          <a:p>
-            <a:pPr algn="ctr"/>
-            <a:r>
-              <a:rPr lang="en-US"/>
-              <a:t>Slide </a:t>
-            </a:r>
-            <a:fld id="{3C70A08B-371D-5A4D-978C-9F5470823ED6}" type="slidenum">
-              <a:rPr lang="en-US" smtClean="0"/>
-              <a:pPr algn="ctr"/>
-              <a:t>26</a:t>
-            </a:fld>
-            <a:endParaRPr lang="en-US" dirty="0"/>
-          </a:p>
-        </p:txBody>
-      </p:sp>
-    </p:spTree>
-    <p:extLst>
-      <p:ext uri="{BB962C8B-B14F-4D97-AF65-F5344CB8AC3E}">
-        <p14:creationId xmlns:p14="http://schemas.microsoft.com/office/powerpoint/2010/main" val="3182583764"/>
       </p:ext>
     </p:extLst>
   </p:cSld>
@@ -12968,6 +16218,429 @@
 </p:sld>
 </file>
 
+<file path=ppt/slides/slide30.xml><?xml version="1.0" encoding="utf-8"?>
+<p:sld xmlns:a="http://schemas.openxmlformats.org/drawingml/2006/main" xmlns:r="http://schemas.openxmlformats.org/officeDocument/2006/relationships" xmlns:p="http://schemas.openxmlformats.org/presentationml/2006/main">
+  <p:cSld>
+    <p:spTree>
+      <p:nvGrpSpPr>
+        <p:cNvPr id="1" name=""/>
+        <p:cNvGrpSpPr/>
+        <p:nvPr/>
+      </p:nvGrpSpPr>
+      <p:grpSpPr>
+        <a:xfrm>
+          <a:off x="0" y="0"/>
+          <a:ext cx="0" cy="0"/>
+          <a:chOff x="0" y="0"/>
+          <a:chExt cx="0" cy="0"/>
+        </a:xfrm>
+      </p:grpSpPr>
+      <p:sp>
+        <p:nvSpPr>
+          <p:cNvPr id="2" name="Title 1">
+            <a:extLst>
+              <a:ext uri="{FF2B5EF4-FFF2-40B4-BE49-F238E27FC236}">
+                <a16:creationId xmlns:a16="http://schemas.microsoft.com/office/drawing/2014/main" id="{504E27BB-BDED-5B76-A2DE-DEAC699747DE}"/>
+              </a:ext>
+            </a:extLst>
+          </p:cNvPr>
+          <p:cNvSpPr>
+            <a:spLocks noGrp="1"/>
+          </p:cNvSpPr>
+          <p:nvPr>
+            <p:ph type="title"/>
+          </p:nvPr>
+        </p:nvSpPr>
+        <p:spPr/>
+        <p:txBody>
+          <a:bodyPr/>
+          <a:lstStyle/>
+          <a:p>
+            <a:r>
+              <a:rPr lang="en-GB" dirty="0"/>
+              <a:t>Equilibrium guesses</a:t>
+            </a:r>
+          </a:p>
+        </p:txBody>
+      </p:sp>
+      <p:sp>
+        <p:nvSpPr>
+          <p:cNvPr id="3" name="Content Placeholder 2">
+            <a:extLst>
+              <a:ext uri="{FF2B5EF4-FFF2-40B4-BE49-F238E27FC236}">
+                <a16:creationId xmlns:a16="http://schemas.microsoft.com/office/drawing/2014/main" id="{3E531A6A-9956-3CEC-A840-59C04669BEDB}"/>
+              </a:ext>
+            </a:extLst>
+          </p:cNvPr>
+          <p:cNvSpPr>
+            <a:spLocks noGrp="1"/>
+          </p:cNvSpPr>
+          <p:nvPr>
+            <p:ph idx="1"/>
+          </p:nvPr>
+        </p:nvSpPr>
+        <p:spPr/>
+        <p:txBody>
+          <a:bodyPr/>
+          <a:lstStyle/>
+          <a:p>
+            <a:r>
+              <a:rPr lang="en-GB" b="0" dirty="0"/>
+              <a:t>One of the key applications of stability analysis is providing good “guesses” of equilibrium</a:t>
+            </a:r>
+          </a:p>
+        </p:txBody>
+      </p:sp>
+      <p:sp>
+        <p:nvSpPr>
+          <p:cNvPr id="4" name="Footer Placeholder 3">
+            <a:extLst>
+              <a:ext uri="{FF2B5EF4-FFF2-40B4-BE49-F238E27FC236}">
+                <a16:creationId xmlns:a16="http://schemas.microsoft.com/office/drawing/2014/main" id="{E59965F1-E392-A23E-44A9-7FF19C7B7F24}"/>
+              </a:ext>
+            </a:extLst>
+          </p:cNvPr>
+          <p:cNvSpPr>
+            <a:spLocks noGrp="1"/>
+          </p:cNvSpPr>
+          <p:nvPr>
+            <p:ph type="ftr" sz="quarter" idx="3"/>
+          </p:nvPr>
+        </p:nvSpPr>
+        <p:spPr/>
+        <p:txBody>
+          <a:bodyPr/>
+          <a:lstStyle/>
+          <a:p>
+            <a:r>
+              <a:rPr lang="en-GB"/>
+              <a:t>© Imperial College London</a:t>
+            </a:r>
+            <a:endParaRPr lang="en-US" dirty="0"/>
+          </a:p>
+        </p:txBody>
+      </p:sp>
+      <p:sp>
+        <p:nvSpPr>
+          <p:cNvPr id="5" name="Slide Number Placeholder 4">
+            <a:extLst>
+              <a:ext uri="{FF2B5EF4-FFF2-40B4-BE49-F238E27FC236}">
+                <a16:creationId xmlns:a16="http://schemas.microsoft.com/office/drawing/2014/main" id="{C25ABA5B-7874-C0F7-F3F9-CBD906D3D6B7}"/>
+              </a:ext>
+            </a:extLst>
+          </p:cNvPr>
+          <p:cNvSpPr>
+            <a:spLocks noGrp="1"/>
+          </p:cNvSpPr>
+          <p:nvPr>
+            <p:ph type="sldNum" sz="quarter" idx="4"/>
+          </p:nvPr>
+        </p:nvSpPr>
+        <p:spPr/>
+        <p:txBody>
+          <a:bodyPr/>
+          <a:lstStyle/>
+          <a:p>
+            <a:pPr algn="ctr"/>
+            <a:r>
+              <a:rPr lang="en-US"/>
+              <a:t>Slide </a:t>
+            </a:r>
+            <a:fld id="{3C70A08B-371D-5A4D-978C-9F5470823ED6}" type="slidenum">
+              <a:rPr lang="en-US" smtClean="0"/>
+              <a:pPr algn="ctr"/>
+              <a:t>30</a:t>
+            </a:fld>
+            <a:endParaRPr lang="en-US" dirty="0"/>
+          </a:p>
+        </p:txBody>
+      </p:sp>
+      <p:pic>
+        <p:nvPicPr>
+          <p:cNvPr id="7" name="Graphic 6">
+            <a:extLst>
+              <a:ext uri="{FF2B5EF4-FFF2-40B4-BE49-F238E27FC236}">
+                <a16:creationId xmlns:a16="http://schemas.microsoft.com/office/drawing/2014/main" id="{F27BC6BC-4804-17B1-0A8B-09FE0BBB9095}"/>
+              </a:ext>
+            </a:extLst>
+          </p:cNvPr>
+          <p:cNvPicPr>
+            <a:picLocks noChangeAspect="1"/>
+          </p:cNvPicPr>
+          <p:nvPr/>
+        </p:nvPicPr>
+        <p:blipFill>
+          <a:blip r:embed="rId3">
+            <a:extLst>
+              <a:ext uri="{96DAC541-7B7A-43D3-8B79-37D633B846F1}">
+                <asvg:svgBlip xmlns:asvg="http://schemas.microsoft.com/office/drawing/2016/SVG/main" r:embed="rId4"/>
+              </a:ext>
+            </a:extLst>
+          </a:blip>
+          <a:stretch>
+            <a:fillRect/>
+          </a:stretch>
+        </p:blipFill>
+        <p:spPr>
+          <a:xfrm>
+            <a:off x="228600" y="3336701"/>
+            <a:ext cx="4229100" cy="2819400"/>
+          </a:xfrm>
+          <a:prstGeom prst="rect">
+            <a:avLst/>
+          </a:prstGeom>
+        </p:spPr>
+      </p:pic>
+      <p:pic>
+        <p:nvPicPr>
+          <p:cNvPr id="9" name="Graphic 8">
+            <a:extLst>
+              <a:ext uri="{FF2B5EF4-FFF2-40B4-BE49-F238E27FC236}">
+                <a16:creationId xmlns:a16="http://schemas.microsoft.com/office/drawing/2014/main" id="{7F8C769E-CC24-EDC8-3F05-639A62A58582}"/>
+              </a:ext>
+            </a:extLst>
+          </p:cNvPr>
+          <p:cNvPicPr>
+            <a:picLocks noChangeAspect="1"/>
+          </p:cNvPicPr>
+          <p:nvPr/>
+        </p:nvPicPr>
+        <p:blipFill>
+          <a:blip r:embed="rId5">
+            <a:extLst>
+              <a:ext uri="{96DAC541-7B7A-43D3-8B79-37D633B846F1}">
+                <asvg:svgBlip xmlns:asvg="http://schemas.microsoft.com/office/drawing/2016/SVG/main" r:embed="rId6"/>
+              </a:ext>
+            </a:extLst>
+          </a:blip>
+          <a:stretch>
+            <a:fillRect/>
+          </a:stretch>
+        </p:blipFill>
+        <p:spPr>
+          <a:xfrm>
+            <a:off x="4572000" y="3336701"/>
+            <a:ext cx="4229100" cy="2819400"/>
+          </a:xfrm>
+          <a:prstGeom prst="rect">
+            <a:avLst/>
+          </a:prstGeom>
+        </p:spPr>
+      </p:pic>
+    </p:spTree>
+    <p:extLst>
+      <p:ext uri="{BB962C8B-B14F-4D97-AF65-F5344CB8AC3E}">
+        <p14:creationId xmlns:p14="http://schemas.microsoft.com/office/powerpoint/2010/main" val="853940684"/>
+      </p:ext>
+    </p:extLst>
+  </p:cSld>
+  <p:clrMapOvr>
+    <a:masterClrMapping/>
+  </p:clrMapOvr>
+</p:sld>
+</file>
+
+<file path=ppt/slides/slide31.xml><?xml version="1.0" encoding="utf-8"?>
+<p:sld xmlns:a="http://schemas.openxmlformats.org/drawingml/2006/main" xmlns:r="http://schemas.openxmlformats.org/officeDocument/2006/relationships" xmlns:p="http://schemas.openxmlformats.org/presentationml/2006/main">
+  <p:cSld>
+    <p:spTree>
+      <p:nvGrpSpPr>
+        <p:cNvPr id="1" name=""/>
+        <p:cNvGrpSpPr/>
+        <p:nvPr/>
+      </p:nvGrpSpPr>
+      <p:grpSpPr>
+        <a:xfrm>
+          <a:off x="0" y="0"/>
+          <a:ext cx="0" cy="0"/>
+          <a:chOff x="0" y="0"/>
+          <a:chExt cx="0" cy="0"/>
+        </a:xfrm>
+      </p:grpSpPr>
+      <p:sp>
+        <p:nvSpPr>
+          <p:cNvPr id="2" name="Title 1">
+            <a:extLst>
+              <a:ext uri="{FF2B5EF4-FFF2-40B4-BE49-F238E27FC236}">
+                <a16:creationId xmlns:a16="http://schemas.microsoft.com/office/drawing/2014/main" id="{AF81E089-0C8A-4F31-B7BF-1A5F4091C1AB}"/>
+              </a:ext>
+            </a:extLst>
+          </p:cNvPr>
+          <p:cNvSpPr>
+            <a:spLocks noGrp="1"/>
+          </p:cNvSpPr>
+          <p:nvPr>
+            <p:ph type="title"/>
+          </p:nvPr>
+        </p:nvSpPr>
+        <p:spPr/>
+        <p:txBody>
+          <a:bodyPr/>
+          <a:lstStyle/>
+          <a:p>
+            <a:r>
+              <a:rPr lang="en-GB" dirty="0"/>
+              <a:t>Key points</a:t>
+            </a:r>
+          </a:p>
+        </p:txBody>
+      </p:sp>
+      <p:sp>
+        <p:nvSpPr>
+          <p:cNvPr id="3" name="Content Placeholder 2">
+            <a:extLst>
+              <a:ext uri="{FF2B5EF4-FFF2-40B4-BE49-F238E27FC236}">
+                <a16:creationId xmlns:a16="http://schemas.microsoft.com/office/drawing/2014/main" id="{07AFC933-3B76-A90C-5714-5F57ABCEF8D7}"/>
+              </a:ext>
+            </a:extLst>
+          </p:cNvPr>
+          <p:cNvSpPr>
+            <a:spLocks noGrp="1"/>
+          </p:cNvSpPr>
+          <p:nvPr>
+            <p:ph idx="1"/>
+          </p:nvPr>
+        </p:nvSpPr>
+        <p:spPr/>
+        <p:txBody>
+          <a:bodyPr>
+            <a:normAutofit lnSpcReduction="10000"/>
+          </a:bodyPr>
+          <a:lstStyle/>
+          <a:p>
+            <a:r>
+              <a:rPr lang="en-GB" b="0" dirty="0"/>
+              <a:t>When considering the Gibbs tangent plane criterion, there is only a single </a:t>
+            </a:r>
+            <a:r>
+              <a:rPr lang="en-GB" dirty="0"/>
+              <a:t>cotangent plane</a:t>
+            </a:r>
+            <a:r>
+              <a:rPr lang="en-GB" b="0" dirty="0"/>
+              <a:t> representing the equilibrium compositions</a:t>
+            </a:r>
+          </a:p>
+          <a:p>
+            <a:r>
+              <a:rPr lang="en-GB" b="0" dirty="0"/>
+              <a:t>There are infinite </a:t>
+            </a:r>
+            <a:r>
+              <a:rPr lang="en-GB" dirty="0"/>
+              <a:t>tangent planes</a:t>
+            </a:r>
+            <a:r>
+              <a:rPr lang="en-GB" b="0" dirty="0"/>
+              <a:t> that can signal chemical instability</a:t>
+            </a:r>
+          </a:p>
+          <a:p>
+            <a:r>
+              <a:rPr lang="en-GB" b="0" dirty="0"/>
+              <a:t>To calculate the tangent plane distance, we transform our function to an surrogate </a:t>
+            </a:r>
+            <a:r>
+              <a:rPr lang="en-GB" dirty="0"/>
+              <a:t>unconstrained function</a:t>
+            </a:r>
+          </a:p>
+          <a:p>
+            <a:r>
+              <a:rPr lang="en-GB" b="0" dirty="0"/>
+              <a:t>Stability analysis is an important tool in its own right, as well as providing </a:t>
+            </a:r>
+            <a:r>
+              <a:rPr lang="en-GB" dirty="0"/>
+              <a:t>initial guesses</a:t>
+            </a:r>
+            <a:r>
+              <a:rPr lang="en-GB" b="0" dirty="0"/>
+              <a:t> to further calculations</a:t>
+            </a:r>
+          </a:p>
+          <a:p>
+            <a:endParaRPr lang="en-GB" b="0" dirty="0"/>
+          </a:p>
+        </p:txBody>
+      </p:sp>
+      <p:sp>
+        <p:nvSpPr>
+          <p:cNvPr id="4" name="Footer Placeholder 3">
+            <a:extLst>
+              <a:ext uri="{FF2B5EF4-FFF2-40B4-BE49-F238E27FC236}">
+                <a16:creationId xmlns:a16="http://schemas.microsoft.com/office/drawing/2014/main" id="{6258B416-D2A8-FB7B-EE42-1425C7147F7D}"/>
+              </a:ext>
+            </a:extLst>
+          </p:cNvPr>
+          <p:cNvSpPr>
+            <a:spLocks noGrp="1"/>
+          </p:cNvSpPr>
+          <p:nvPr>
+            <p:ph type="ftr" sz="quarter" idx="3"/>
+          </p:nvPr>
+        </p:nvSpPr>
+        <p:spPr/>
+        <p:txBody>
+          <a:bodyPr/>
+          <a:lstStyle/>
+          <a:p>
+            <a:r>
+              <a:rPr lang="en-GB"/>
+              <a:t>© Imperial College London</a:t>
+            </a:r>
+            <a:endParaRPr lang="en-US" dirty="0"/>
+          </a:p>
+        </p:txBody>
+      </p:sp>
+      <p:sp>
+        <p:nvSpPr>
+          <p:cNvPr id="5" name="Slide Number Placeholder 4">
+            <a:extLst>
+              <a:ext uri="{FF2B5EF4-FFF2-40B4-BE49-F238E27FC236}">
+                <a16:creationId xmlns:a16="http://schemas.microsoft.com/office/drawing/2014/main" id="{A5DF7DB3-EC3A-AC81-8EAB-DA195BFF0308}"/>
+              </a:ext>
+            </a:extLst>
+          </p:cNvPr>
+          <p:cNvSpPr>
+            <a:spLocks noGrp="1"/>
+          </p:cNvSpPr>
+          <p:nvPr>
+            <p:ph type="sldNum" sz="quarter" idx="4"/>
+          </p:nvPr>
+        </p:nvSpPr>
+        <p:spPr/>
+        <p:txBody>
+          <a:bodyPr/>
+          <a:lstStyle/>
+          <a:p>
+            <a:pPr algn="ctr"/>
+            <a:r>
+              <a:rPr lang="en-US"/>
+              <a:t>Slide </a:t>
+            </a:r>
+            <a:fld id="{3C70A08B-371D-5A4D-978C-9F5470823ED6}" type="slidenum">
+              <a:rPr lang="en-US" smtClean="0"/>
+              <a:pPr algn="ctr"/>
+              <a:t>31</a:t>
+            </a:fld>
+            <a:endParaRPr lang="en-US" dirty="0"/>
+          </a:p>
+        </p:txBody>
+      </p:sp>
+    </p:spTree>
+    <p:extLst>
+      <p:ext uri="{BB962C8B-B14F-4D97-AF65-F5344CB8AC3E}">
+        <p14:creationId xmlns:p14="http://schemas.microsoft.com/office/powerpoint/2010/main" val="3182583764"/>
+      </p:ext>
+    </p:extLst>
+  </p:cSld>
+  <p:clrMapOvr>
+    <a:masterClrMapping/>
+  </p:clrMapOvr>
+</p:sld>
+</file>
+
 <file path=ppt/slides/slide4.xml><?xml version="1.0" encoding="utf-8"?>
 <p:sld xmlns:a="http://schemas.openxmlformats.org/drawingml/2006/main" xmlns:r="http://schemas.openxmlformats.org/officeDocument/2006/relationships" xmlns:p="http://schemas.openxmlformats.org/presentationml/2006/main">
   <p:cSld>
@@ -13320,13 +16993,13 @@
           <p:nvPr/>
         </p:nvPicPr>
         <p:blipFill rotWithShape="1">
-          <a:blip r:embed="rId2"/>
+          <a:blip r:embed="rId3"/>
           <a:srcRect l="19509"/>
           <a:stretch/>
         </p:blipFill>
         <p:spPr>
           <a:xfrm>
-            <a:off x="457199" y="3026391"/>
+            <a:off x="2694948" y="3026391"/>
             <a:ext cx="3940367" cy="3263619"/>
           </a:xfrm>
           <a:prstGeom prst="rect">
@@ -13334,50 +17007,6 @@
           </a:prstGeom>
         </p:spPr>
       </p:pic>
-      <p:sp>
-        <p:nvSpPr>
-          <p:cNvPr id="8" name="TextBox 7">
-            <a:extLst>
-              <a:ext uri="{FF2B5EF4-FFF2-40B4-BE49-F238E27FC236}">
-                <a16:creationId xmlns:a16="http://schemas.microsoft.com/office/drawing/2014/main" id="{D422B410-D21E-C370-3BDF-2E88B5F68B13}"/>
-              </a:ext>
-            </a:extLst>
-          </p:cNvPr>
-          <p:cNvSpPr txBox="1"/>
-          <p:nvPr/>
-        </p:nvSpPr>
-        <p:spPr>
-          <a:xfrm>
-            <a:off x="5796136" y="4082604"/>
-            <a:ext cx="2646609" cy="369332"/>
-          </a:xfrm>
-          <a:prstGeom prst="rect">
-            <a:avLst/>
-          </a:prstGeom>
-          <a:noFill/>
-          <a:ln>
-            <a:solidFill>
-              <a:srgbClr val="010000"/>
-            </a:solidFill>
-          </a:ln>
-        </p:spPr>
-        <p:txBody>
-          <a:bodyPr wrap="square" rtlCol="0">
-            <a:spAutoFit/>
-          </a:bodyPr>
-          <a:lstStyle/>
-          <a:p>
-            <a:pPr algn="ctr"/>
-            <a:r>
-              <a:rPr lang="en-GB" dirty="0">
-                <a:latin typeface="Arial"/>
-                <a:cs typeface="Arial"/>
-              </a:rPr>
-              <a:t>Ternary diagram</a:t>
-            </a:r>
-          </a:p>
-        </p:txBody>
-      </p:sp>
     </p:spTree>
     <p:extLst>
       <p:ext uri="{BB962C8B-B14F-4D97-AF65-F5344CB8AC3E}">
@@ -13436,8 +17065,158 @@
           </a:p>
         </p:txBody>
       </p:sp>
-      <mc:AlternateContent xmlns:mc="http://schemas.openxmlformats.org/markup-compatibility/2006" xmlns:a14="http://schemas.microsoft.com/office/drawing/2010/main">
-        <mc:Choice Requires="a14">
+      <p:sp>
+        <p:nvSpPr>
+          <p:cNvPr id="3" name="Content Placeholder 2">
+            <a:extLst>
+              <a:ext uri="{FF2B5EF4-FFF2-40B4-BE49-F238E27FC236}">
+                <a16:creationId xmlns:a16="http://schemas.microsoft.com/office/drawing/2014/main" id="{55407B72-9FD0-07B8-0835-4A56499CF6AE}"/>
+              </a:ext>
+            </a:extLst>
+          </p:cNvPr>
+          <p:cNvSpPr>
+            <a:spLocks noGrp="1"/>
+          </p:cNvSpPr>
+          <p:nvPr>
+            <p:ph idx="1"/>
+          </p:nvPr>
+        </p:nvSpPr>
+        <p:spPr/>
+        <p:txBody>
+          <a:bodyPr/>
+          <a:lstStyle/>
+          <a:p>
+            <a:r>
+              <a:rPr lang="en-GB" b="0" dirty="0"/>
+              <a:t>To implement this on a computer, we need a mathematical description of instability</a:t>
+            </a:r>
+          </a:p>
+        </p:txBody>
+      </p:sp>
+      <p:sp>
+        <p:nvSpPr>
+          <p:cNvPr id="4" name="Footer Placeholder 3">
+            <a:extLst>
+              <a:ext uri="{FF2B5EF4-FFF2-40B4-BE49-F238E27FC236}">
+                <a16:creationId xmlns:a16="http://schemas.microsoft.com/office/drawing/2014/main" id="{F88DEB2B-506E-EE4E-019B-4B963942D0F5}"/>
+              </a:ext>
+            </a:extLst>
+          </p:cNvPr>
+          <p:cNvSpPr>
+            <a:spLocks noGrp="1"/>
+          </p:cNvSpPr>
+          <p:nvPr>
+            <p:ph type="ftr" sz="quarter" idx="3"/>
+          </p:nvPr>
+        </p:nvSpPr>
+        <p:spPr/>
+        <p:txBody>
+          <a:bodyPr/>
+          <a:lstStyle/>
+          <a:p>
+            <a:r>
+              <a:rPr lang="en-GB"/>
+              <a:t>© Imperial College London</a:t>
+            </a:r>
+            <a:endParaRPr lang="en-US" dirty="0"/>
+          </a:p>
+        </p:txBody>
+      </p:sp>
+      <p:sp>
+        <p:nvSpPr>
+          <p:cNvPr id="5" name="Slide Number Placeholder 4">
+            <a:extLst>
+              <a:ext uri="{FF2B5EF4-FFF2-40B4-BE49-F238E27FC236}">
+                <a16:creationId xmlns:a16="http://schemas.microsoft.com/office/drawing/2014/main" id="{0637EAEF-C40F-D45A-36A4-F19A92F062DA}"/>
+              </a:ext>
+            </a:extLst>
+          </p:cNvPr>
+          <p:cNvSpPr>
+            <a:spLocks noGrp="1"/>
+          </p:cNvSpPr>
+          <p:nvPr>
+            <p:ph type="sldNum" sz="quarter" idx="4"/>
+          </p:nvPr>
+        </p:nvSpPr>
+        <p:spPr/>
+        <p:txBody>
+          <a:bodyPr/>
+          <a:lstStyle/>
+          <a:p>
+            <a:pPr algn="ctr"/>
+            <a:r>
+              <a:rPr lang="en-US"/>
+              <a:t>Slide </a:t>
+            </a:r>
+            <a:fld id="{3C70A08B-371D-5A4D-978C-9F5470823ED6}" type="slidenum">
+              <a:rPr lang="en-US" smtClean="0"/>
+              <a:pPr algn="ctr"/>
+              <a:t>6</a:t>
+            </a:fld>
+            <a:endParaRPr lang="en-US" dirty="0"/>
+          </a:p>
+        </p:txBody>
+      </p:sp>
+    </p:spTree>
+    <p:extLst>
+      <p:ext uri="{BB962C8B-B14F-4D97-AF65-F5344CB8AC3E}">
+        <p14:creationId xmlns:p14="http://schemas.microsoft.com/office/powerpoint/2010/main" val="3552292344"/>
+      </p:ext>
+    </p:extLst>
+  </p:cSld>
+  <p:clrMapOvr>
+    <a:masterClrMapping/>
+  </p:clrMapOvr>
+</p:sld>
+</file>
+
+<file path=ppt/slides/slide7.xml><?xml version="1.0" encoding="utf-8"?>
+<p:sld xmlns:a="http://schemas.openxmlformats.org/drawingml/2006/main" xmlns:r="http://schemas.openxmlformats.org/officeDocument/2006/relationships" xmlns:p="http://schemas.openxmlformats.org/presentationml/2006/main">
+  <p:cSld>
+    <p:spTree>
+      <p:nvGrpSpPr>
+        <p:cNvPr id="1" name=""/>
+        <p:cNvGrpSpPr/>
+        <p:nvPr/>
+      </p:nvGrpSpPr>
+      <p:grpSpPr>
+        <a:xfrm>
+          <a:off x="0" y="0"/>
+          <a:ext cx="0" cy="0"/>
+          <a:chOff x="0" y="0"/>
+          <a:chExt cx="0" cy="0"/>
+        </a:xfrm>
+      </p:grpSpPr>
+      <p:sp>
+        <p:nvSpPr>
+          <p:cNvPr id="2" name="Title 1">
+            <a:extLst>
+              <a:ext uri="{FF2B5EF4-FFF2-40B4-BE49-F238E27FC236}">
+                <a16:creationId xmlns:a16="http://schemas.microsoft.com/office/drawing/2014/main" id="{D5DE5F3D-4580-241D-BE18-CBE05B216D0E}"/>
+              </a:ext>
+            </a:extLst>
+          </p:cNvPr>
+          <p:cNvSpPr>
+            <a:spLocks noGrp="1"/>
+          </p:cNvSpPr>
+          <p:nvPr>
+            <p:ph type="title"/>
+          </p:nvPr>
+        </p:nvSpPr>
+        <p:spPr/>
+        <p:txBody>
+          <a:bodyPr/>
+          <a:lstStyle/>
+          <a:p>
+            <a:r>
+              <a:rPr lang="en-GB" dirty="0"/>
+              <a:t>Mathematical description</a:t>
+            </a:r>
+          </a:p>
+        </p:txBody>
+      </p:sp>
+      <mc:AlternateContent xmlns:mc="http://schemas.openxmlformats.org/markup-compatibility/2006">
+        <mc:Choice xmlns:a14="http://schemas.microsoft.com/office/drawing/2010/main" Requires="a14">
           <p:sp>
             <p:nvSpPr>
               <p:cNvPr id="3" name="Content Placeholder 2">
@@ -13461,7 +17240,225 @@
               <a:p>
                 <a:r>
                   <a:rPr lang="en-GB" b="0" dirty="0"/>
-                  <a:t>To implement this, we need a mathematical description of instability</a:t>
+                  <a:t>To implement this on a computer, we need a mathematical description of instability</a:t>
+                </a:r>
+              </a:p>
+              <a:p>
+                <a:r>
+                  <a:rPr lang="en-GB" b="0" dirty="0"/>
+                  <a:t>Following the description from Michelsen, this can be motivated by considering the Gibbs free energy (</a:t>
+                </a:r>
+                <a14:m>
+                  <m:oMath xmlns:m="http://schemas.openxmlformats.org/officeDocument/2006/math">
+                    <m:r>
+                      <a:rPr lang="en-GB" b="0" i="1" smtClean="0">
+                        <a:latin typeface="Cambria Math" panose="02040503050406030204" pitchFamily="18" charset="0"/>
+                      </a:rPr>
+                      <m:t>𝐺</m:t>
+                    </m:r>
+                  </m:oMath>
+                </a14:m>
+                <a:r>
+                  <a:rPr lang="en-GB" b="0" dirty="0"/>
+                  <a:t>) must be at a </a:t>
+                </a:r>
+                <a:r>
+                  <a:rPr lang="en-GB" dirty="0"/>
+                  <a:t>global minimum</a:t>
+                </a:r>
+                <a:endParaRPr lang="en-GB" b="0" dirty="0"/>
+              </a:p>
+            </p:txBody>
+          </p:sp>
+        </mc:Choice>
+        <mc:Fallback>
+          <p:sp>
+            <p:nvSpPr>
+              <p:cNvPr id="3" name="Content Placeholder 2">
+                <a:extLst>
+                  <a:ext uri="{FF2B5EF4-FFF2-40B4-BE49-F238E27FC236}">
+                    <a16:creationId xmlns:a16="http://schemas.microsoft.com/office/drawing/2014/main" id="{55407B72-9FD0-07B8-0835-4A56499CF6AE}"/>
+                  </a:ext>
+                </a:extLst>
+              </p:cNvPr>
+              <p:cNvSpPr>
+                <a:spLocks noGrp="1" noRot="1" noChangeAspect="1" noMove="1" noResize="1" noEditPoints="1" noAdjustHandles="1" noChangeArrowheads="1" noChangeShapeType="1" noTextEdit="1"/>
+              </p:cNvSpPr>
+              <p:nvPr>
+                <p:ph idx="1"/>
+              </p:nvPr>
+            </p:nvSpPr>
+            <p:spPr>
+              <a:blipFill>
+                <a:blip r:embed="rId2"/>
+                <a:stretch>
+                  <a:fillRect l="-1303" t="-1392" r="-2245"/>
+                </a:stretch>
+              </a:blipFill>
+            </p:spPr>
+            <p:txBody>
+              <a:bodyPr/>
+              <a:lstStyle/>
+              <a:p>
+                <a:r>
+                  <a:rPr lang="en-GB">
+                    <a:noFill/>
+                  </a:rPr>
+                  <a:t> </a:t>
+                </a:r>
+              </a:p>
+            </p:txBody>
+          </p:sp>
+        </mc:Fallback>
+      </mc:AlternateContent>
+      <p:sp>
+        <p:nvSpPr>
+          <p:cNvPr id="4" name="Footer Placeholder 3">
+            <a:extLst>
+              <a:ext uri="{FF2B5EF4-FFF2-40B4-BE49-F238E27FC236}">
+                <a16:creationId xmlns:a16="http://schemas.microsoft.com/office/drawing/2014/main" id="{F88DEB2B-506E-EE4E-019B-4B963942D0F5}"/>
+              </a:ext>
+            </a:extLst>
+          </p:cNvPr>
+          <p:cNvSpPr>
+            <a:spLocks noGrp="1"/>
+          </p:cNvSpPr>
+          <p:nvPr>
+            <p:ph type="ftr" sz="quarter" idx="3"/>
+          </p:nvPr>
+        </p:nvSpPr>
+        <p:spPr/>
+        <p:txBody>
+          <a:bodyPr/>
+          <a:lstStyle/>
+          <a:p>
+            <a:r>
+              <a:rPr lang="en-GB"/>
+              <a:t>© Imperial College London</a:t>
+            </a:r>
+            <a:endParaRPr lang="en-US" dirty="0"/>
+          </a:p>
+        </p:txBody>
+      </p:sp>
+      <p:sp>
+        <p:nvSpPr>
+          <p:cNvPr id="5" name="Slide Number Placeholder 4">
+            <a:extLst>
+              <a:ext uri="{FF2B5EF4-FFF2-40B4-BE49-F238E27FC236}">
+                <a16:creationId xmlns:a16="http://schemas.microsoft.com/office/drawing/2014/main" id="{0637EAEF-C40F-D45A-36A4-F19A92F062DA}"/>
+              </a:ext>
+            </a:extLst>
+          </p:cNvPr>
+          <p:cNvSpPr>
+            <a:spLocks noGrp="1"/>
+          </p:cNvSpPr>
+          <p:nvPr>
+            <p:ph type="sldNum" sz="quarter" idx="4"/>
+          </p:nvPr>
+        </p:nvSpPr>
+        <p:spPr/>
+        <p:txBody>
+          <a:bodyPr/>
+          <a:lstStyle/>
+          <a:p>
+            <a:pPr algn="ctr"/>
+            <a:r>
+              <a:rPr lang="en-US"/>
+              <a:t>Slide </a:t>
+            </a:r>
+            <a:fld id="{3C70A08B-371D-5A4D-978C-9F5470823ED6}" type="slidenum">
+              <a:rPr lang="en-US" smtClean="0"/>
+              <a:pPr algn="ctr"/>
+              <a:t>7</a:t>
+            </a:fld>
+            <a:endParaRPr lang="en-US" dirty="0"/>
+          </a:p>
+        </p:txBody>
+      </p:sp>
+    </p:spTree>
+    <p:extLst>
+      <p:ext uri="{BB962C8B-B14F-4D97-AF65-F5344CB8AC3E}">
+        <p14:creationId xmlns:p14="http://schemas.microsoft.com/office/powerpoint/2010/main" val="2227276125"/>
+      </p:ext>
+    </p:extLst>
+  </p:cSld>
+  <p:clrMapOvr>
+    <a:masterClrMapping/>
+  </p:clrMapOvr>
+</p:sld>
+</file>
+
+<file path=ppt/slides/slide8.xml><?xml version="1.0" encoding="utf-8"?>
+<p:sld xmlns:a="http://schemas.openxmlformats.org/drawingml/2006/main" xmlns:r="http://schemas.openxmlformats.org/officeDocument/2006/relationships" xmlns:p="http://schemas.openxmlformats.org/presentationml/2006/main">
+  <p:cSld>
+    <p:spTree>
+      <p:nvGrpSpPr>
+        <p:cNvPr id="1" name=""/>
+        <p:cNvGrpSpPr/>
+        <p:nvPr/>
+      </p:nvGrpSpPr>
+      <p:grpSpPr>
+        <a:xfrm>
+          <a:off x="0" y="0"/>
+          <a:ext cx="0" cy="0"/>
+          <a:chOff x="0" y="0"/>
+          <a:chExt cx="0" cy="0"/>
+        </a:xfrm>
+      </p:grpSpPr>
+      <p:sp>
+        <p:nvSpPr>
+          <p:cNvPr id="2" name="Title 1">
+            <a:extLst>
+              <a:ext uri="{FF2B5EF4-FFF2-40B4-BE49-F238E27FC236}">
+                <a16:creationId xmlns:a16="http://schemas.microsoft.com/office/drawing/2014/main" id="{D5DE5F3D-4580-241D-BE18-CBE05B216D0E}"/>
+              </a:ext>
+            </a:extLst>
+          </p:cNvPr>
+          <p:cNvSpPr>
+            <a:spLocks noGrp="1"/>
+          </p:cNvSpPr>
+          <p:nvPr>
+            <p:ph type="title"/>
+          </p:nvPr>
+        </p:nvSpPr>
+        <p:spPr/>
+        <p:txBody>
+          <a:bodyPr/>
+          <a:lstStyle/>
+          <a:p>
+            <a:r>
+              <a:rPr lang="en-GB" dirty="0"/>
+              <a:t>Mathematical description</a:t>
+            </a:r>
+          </a:p>
+        </p:txBody>
+      </p:sp>
+      <mc:AlternateContent xmlns:mc="http://schemas.openxmlformats.org/markup-compatibility/2006">
+        <mc:Choice xmlns:a14="http://schemas.microsoft.com/office/drawing/2010/main" Requires="a14">
+          <p:sp>
+            <p:nvSpPr>
+              <p:cNvPr id="3" name="Content Placeholder 2">
+                <a:extLst>
+                  <a:ext uri="{FF2B5EF4-FFF2-40B4-BE49-F238E27FC236}">
+                    <a16:creationId xmlns:a16="http://schemas.microsoft.com/office/drawing/2014/main" id="{55407B72-9FD0-07B8-0835-4A56499CF6AE}"/>
+                  </a:ext>
+                </a:extLst>
+              </p:cNvPr>
+              <p:cNvSpPr>
+                <a:spLocks noGrp="1"/>
+              </p:cNvSpPr>
+              <p:nvPr>
+                <p:ph idx="1"/>
+              </p:nvPr>
+            </p:nvSpPr>
+            <p:spPr/>
+            <p:txBody>
+              <a:bodyPr/>
+              <a:lstStyle/>
+              <a:p>
+                <a:r>
+                  <a:rPr lang="en-GB" b="0" dirty="0"/>
+                  <a:t>To implement this on a computer, we need a mathematical description of instability</a:t>
                 </a:r>
               </a:p>
               <a:p>
@@ -13730,7 +17727,7 @@
             </p:txBody>
           </p:sp>
         </mc:Choice>
-        <mc:Fallback xmlns="">
+        <mc:Fallback>
           <p:sp>
             <p:nvSpPr>
               <p:cNvPr id="3" name="Content Placeholder 2">
@@ -13751,7 +17748,7 @@
               <a:blipFill>
                 <a:blip r:embed="rId2"/>
                 <a:stretch>
-                  <a:fillRect l="-1303" t="-1392" r="-2100"/>
+                  <a:fillRect l="-1303" t="-1392" r="-2245"/>
                 </a:stretch>
               </a:blipFill>
             </p:spPr>
@@ -13828,7 +17825,7 @@
             <a:fld id="{3C70A08B-371D-5A4D-978C-9F5470823ED6}" type="slidenum">
               <a:rPr lang="en-US" smtClean="0"/>
               <a:pPr algn="ctr"/>
-              <a:t>6</a:t>
+              <a:t>8</a:t>
             </a:fld>
             <a:endParaRPr lang="en-US" dirty="0"/>
           </a:p>
@@ -13847,7 +17844,7 @@
 </p:sld>
 </file>
 
-<file path=ppt/slides/slide7.xml><?xml version="1.0" encoding="utf-8"?>
+<file path=ppt/slides/slide9.xml><?xml version="1.0" encoding="utf-8"?>
 <p:sld xmlns:a="http://schemas.openxmlformats.org/drawingml/2006/main" xmlns:r="http://schemas.openxmlformats.org/officeDocument/2006/relationships" xmlns:p="http://schemas.openxmlformats.org/presentationml/2006/main">
   <p:cSld>
     <p:spTree>
@@ -13892,8 +17889,8 @@
           </a:p>
         </p:txBody>
       </p:sp>
-      <mc:AlternateContent xmlns:mc="http://schemas.openxmlformats.org/markup-compatibility/2006" xmlns:a14="http://schemas.microsoft.com/office/drawing/2010/main">
-        <mc:Choice Requires="a14">
+      <mc:AlternateContent xmlns:mc="http://schemas.openxmlformats.org/markup-compatibility/2006">
+        <mc:Choice xmlns:a14="http://schemas.microsoft.com/office/drawing/2010/main" Requires="a14">
           <p:sp>
             <p:nvSpPr>
               <p:cNvPr id="3" name="Content Placeholder 2">
@@ -14174,7 +18171,7 @@
             </p:txBody>
           </p:sp>
         </mc:Choice>
-        <mc:Fallback xmlns="">
+        <mc:Fallback>
           <p:sp>
             <p:nvSpPr>
               <p:cNvPr id="3" name="Content Placeholder 2">
@@ -14272,7 +18269,7 @@
             <a:fld id="{3C70A08B-371D-5A4D-978C-9F5470823ED6}" type="slidenum">
               <a:rPr lang="en-US" smtClean="0"/>
               <a:pPr algn="ctr"/>
-              <a:t>7</a:t>
+              <a:t>9</a:t>
             </a:fld>
             <a:endParaRPr lang="en-US" dirty="0"/>
           </a:p>
@@ -14282,720 +18279,6 @@
     <p:extLst>
       <p:ext uri="{BB962C8B-B14F-4D97-AF65-F5344CB8AC3E}">
         <p14:creationId xmlns:p14="http://schemas.microsoft.com/office/powerpoint/2010/main" val="1048843457"/>
-      </p:ext>
-    </p:extLst>
-  </p:cSld>
-  <p:clrMapOvr>
-    <a:masterClrMapping/>
-  </p:clrMapOvr>
-</p:sld>
-</file>
-
-<file path=ppt/slides/slide8.xml><?xml version="1.0" encoding="utf-8"?>
-<p:sld xmlns:a="http://schemas.openxmlformats.org/drawingml/2006/main" xmlns:r="http://schemas.openxmlformats.org/officeDocument/2006/relationships" xmlns:p="http://schemas.openxmlformats.org/presentationml/2006/main">
-  <p:cSld>
-    <p:spTree>
-      <p:nvGrpSpPr>
-        <p:cNvPr id="1" name=""/>
-        <p:cNvGrpSpPr/>
-        <p:nvPr/>
-      </p:nvGrpSpPr>
-      <p:grpSpPr>
-        <a:xfrm>
-          <a:off x="0" y="0"/>
-          <a:ext cx="0" cy="0"/>
-          <a:chOff x="0" y="0"/>
-          <a:chExt cx="0" cy="0"/>
-        </a:xfrm>
-      </p:grpSpPr>
-      <p:sp>
-        <p:nvSpPr>
-          <p:cNvPr id="2" name="Title 1">
-            <a:extLst>
-              <a:ext uri="{FF2B5EF4-FFF2-40B4-BE49-F238E27FC236}">
-                <a16:creationId xmlns:a16="http://schemas.microsoft.com/office/drawing/2014/main" id="{76904C9A-5704-DFFF-C37A-541BDBC2EBF8}"/>
-              </a:ext>
-            </a:extLst>
-          </p:cNvPr>
-          <p:cNvSpPr>
-            <a:spLocks noGrp="1"/>
-          </p:cNvSpPr>
-          <p:nvPr>
-            <p:ph type="title"/>
-          </p:nvPr>
-        </p:nvSpPr>
-        <p:spPr/>
-        <p:txBody>
-          <a:bodyPr/>
-          <a:lstStyle/>
-          <a:p>
-            <a:r>
-              <a:rPr lang="en-GB" dirty="0"/>
-              <a:t>Mathematical description</a:t>
-            </a:r>
-          </a:p>
-        </p:txBody>
-      </p:sp>
-      <mc:AlternateContent xmlns:mc="http://schemas.openxmlformats.org/markup-compatibility/2006" xmlns:a14="http://schemas.microsoft.com/office/drawing/2010/main">
-        <mc:Choice Requires="a14">
-          <p:sp>
-            <p:nvSpPr>
-              <p:cNvPr id="3" name="Content Placeholder 2">
-                <a:extLst>
-                  <a:ext uri="{FF2B5EF4-FFF2-40B4-BE49-F238E27FC236}">
-                    <a16:creationId xmlns:a16="http://schemas.microsoft.com/office/drawing/2014/main" id="{E3F434A6-4AF1-8E9A-9003-B9746AA9E8A6}"/>
-                  </a:ext>
-                </a:extLst>
-              </p:cNvPr>
-              <p:cNvSpPr>
-                <a:spLocks noGrp="1"/>
-              </p:cNvSpPr>
-              <p:nvPr>
-                <p:ph idx="1"/>
-              </p:nvPr>
-            </p:nvSpPr>
-            <p:spPr/>
-            <p:txBody>
-              <a:bodyPr/>
-              <a:lstStyle/>
-              <a:p>
-                <a:r>
-                  <a:rPr lang="en-GB" b="0" dirty="0"/>
-                  <a:t>Our function describing chemical stability is then</a:t>
-                </a:r>
-                <a:br>
-                  <a:rPr lang="en-GB" dirty="0"/>
-                </a:br>
-                <a14:m>
-                  <m:oMath xmlns:m="http://schemas.openxmlformats.org/officeDocument/2006/math">
-                    <m:r>
-                      <a:rPr lang="en-GB" b="0" i="1" smtClean="0">
-                        <a:latin typeface="Cambria Math" panose="02040503050406030204" pitchFamily="18" charset="0"/>
-                      </a:rPr>
-                      <m:t>𝑇𝑃𝐷</m:t>
-                    </m:r>
-                    <m:d>
-                      <m:dPr>
-                        <m:ctrlPr>
-                          <a:rPr lang="en-GB" b="0" i="1" smtClean="0">
-                            <a:latin typeface="Cambria Math" panose="02040503050406030204" pitchFamily="18" charset="0"/>
-                          </a:rPr>
-                        </m:ctrlPr>
-                      </m:dPr>
-                      <m:e>
-                        <m:r>
-                          <a:rPr lang="en-GB" b="1" i="0" smtClean="0">
-                            <a:latin typeface="Cambria Math" panose="02040503050406030204" pitchFamily="18" charset="0"/>
-                          </a:rPr>
-                          <m:t>𝐱</m:t>
-                        </m:r>
-                      </m:e>
-                    </m:d>
-                    <m:r>
-                      <a:rPr lang="en-GB" b="0" i="1" smtClean="0">
-                        <a:latin typeface="Cambria Math" panose="02040503050406030204" pitchFamily="18" charset="0"/>
-                      </a:rPr>
-                      <m:t>=</m:t>
-                    </m:r>
-                    <m:r>
-                      <a:rPr lang="en-GB" b="0" i="1">
-                        <a:latin typeface="Cambria Math" panose="02040503050406030204" pitchFamily="18" charset="0"/>
-                      </a:rPr>
-                      <m:t>∑</m:t>
-                    </m:r>
-                    <m:sSub>
-                      <m:sSubPr>
-                        <m:ctrlPr>
-                          <a:rPr lang="en-GB" b="0" i="1">
-                            <a:latin typeface="Cambria Math" panose="02040503050406030204" pitchFamily="18" charset="0"/>
-                          </a:rPr>
-                        </m:ctrlPr>
-                      </m:sSubPr>
-                      <m:e>
-                        <m:r>
-                          <a:rPr lang="en-GB" b="1" i="0">
-                            <a:latin typeface="Cambria Math" panose="02040503050406030204" pitchFamily="18" charset="0"/>
-                          </a:rPr>
-                          <m:t>𝐱</m:t>
-                        </m:r>
-                      </m:e>
-                      <m:sub>
-                        <m:r>
-                          <a:rPr lang="en-GB" b="0" i="1">
-                            <a:latin typeface="Cambria Math" panose="02040503050406030204" pitchFamily="18" charset="0"/>
-                          </a:rPr>
-                          <m:t>𝑖</m:t>
-                        </m:r>
-                      </m:sub>
-                    </m:sSub>
-                    <m:d>
-                      <m:dPr>
-                        <m:ctrlPr>
-                          <a:rPr lang="en-GB" b="0" i="1">
-                            <a:latin typeface="Cambria Math" panose="02040503050406030204" pitchFamily="18" charset="0"/>
-                          </a:rPr>
-                        </m:ctrlPr>
-                      </m:dPr>
-                      <m:e>
-                        <m:sSub>
-                          <m:sSubPr>
-                            <m:ctrlPr>
-                              <a:rPr lang="en-GB" b="0" i="1">
-                                <a:latin typeface="Cambria Math" panose="02040503050406030204" pitchFamily="18" charset="0"/>
-                              </a:rPr>
-                            </m:ctrlPr>
-                          </m:sSubPr>
-                          <m:e>
-                            <m:r>
-                              <a:rPr lang="en-GB" b="0" i="1">
-                                <a:latin typeface="Cambria Math" panose="02040503050406030204" pitchFamily="18" charset="0"/>
-                              </a:rPr>
-                              <m:t>𝜇</m:t>
-                            </m:r>
-                          </m:e>
-                          <m:sub>
-                            <m:r>
-                              <a:rPr lang="en-GB" b="0" i="1">
-                                <a:latin typeface="Cambria Math" panose="02040503050406030204" pitchFamily="18" charset="0"/>
-                              </a:rPr>
-                              <m:t>𝑖</m:t>
-                            </m:r>
-                          </m:sub>
-                        </m:sSub>
-                        <m:d>
-                          <m:dPr>
-                            <m:ctrlPr>
-                              <a:rPr lang="en-GB" b="0" i="1">
-                                <a:latin typeface="Cambria Math" panose="02040503050406030204" pitchFamily="18" charset="0"/>
-                              </a:rPr>
-                            </m:ctrlPr>
-                          </m:dPr>
-                          <m:e>
-                            <m:r>
-                              <a:rPr lang="en-GB" b="1" i="0" smtClean="0">
-                                <a:latin typeface="Cambria Math" panose="02040503050406030204" pitchFamily="18" charset="0"/>
-                              </a:rPr>
-                              <m:t>𝐱</m:t>
-                            </m:r>
-                          </m:e>
-                        </m:d>
-                        <m:r>
-                          <a:rPr lang="en-GB" b="0" i="1">
-                            <a:latin typeface="Cambria Math" panose="02040503050406030204" pitchFamily="18" charset="0"/>
-                          </a:rPr>
-                          <m:t>−</m:t>
-                        </m:r>
-                        <m:sSub>
-                          <m:sSubPr>
-                            <m:ctrlPr>
-                              <a:rPr lang="en-GB" b="0" i="1">
-                                <a:latin typeface="Cambria Math" panose="02040503050406030204" pitchFamily="18" charset="0"/>
-                              </a:rPr>
-                            </m:ctrlPr>
-                          </m:sSubPr>
-                          <m:e>
-                            <m:r>
-                              <a:rPr lang="en-GB" b="0" i="1">
-                                <a:latin typeface="Cambria Math" panose="02040503050406030204" pitchFamily="18" charset="0"/>
-                              </a:rPr>
-                              <m:t>𝜇</m:t>
-                            </m:r>
-                          </m:e>
-                          <m:sub>
-                            <m:r>
-                              <a:rPr lang="en-GB" b="0" i="1">
-                                <a:latin typeface="Cambria Math" panose="02040503050406030204" pitchFamily="18" charset="0"/>
-                              </a:rPr>
-                              <m:t>𝑖</m:t>
-                            </m:r>
-                          </m:sub>
-                        </m:sSub>
-                        <m:d>
-                          <m:dPr>
-                            <m:ctrlPr>
-                              <a:rPr lang="en-GB" b="0" i="1">
-                                <a:latin typeface="Cambria Math" panose="02040503050406030204" pitchFamily="18" charset="0"/>
-                              </a:rPr>
-                            </m:ctrlPr>
-                          </m:dPr>
-                          <m:e>
-                            <m:r>
-                              <a:rPr lang="en-GB" b="1" i="0">
-                                <a:latin typeface="Cambria Math" panose="02040503050406030204" pitchFamily="18" charset="0"/>
-                              </a:rPr>
-                              <m:t>𝐳</m:t>
-                            </m:r>
-                          </m:e>
-                        </m:d>
-                      </m:e>
-                    </m:d>
-                  </m:oMath>
-                </a14:m>
-                <a:endParaRPr lang="en-GB" b="0" dirty="0"/>
-              </a:p>
-              <a:p>
-                <a:pPr marL="0" indent="0">
-                  <a:buNone/>
-                </a:pPr>
-                <a:endParaRPr lang="en-GB" b="0" dirty="0"/>
-              </a:p>
-            </p:txBody>
-          </p:sp>
-        </mc:Choice>
-        <mc:Fallback xmlns="">
-          <p:sp>
-            <p:nvSpPr>
-              <p:cNvPr id="3" name="Content Placeholder 2">
-                <a:extLst>
-                  <a:ext uri="{FF2B5EF4-FFF2-40B4-BE49-F238E27FC236}">
-                    <a16:creationId xmlns:a16="http://schemas.microsoft.com/office/drawing/2014/main" id="{E3F434A6-4AF1-8E9A-9003-B9746AA9E8A6}"/>
-                  </a:ext>
-                </a:extLst>
-              </p:cNvPr>
-              <p:cNvSpPr>
-                <a:spLocks noGrp="1" noRot="1" noChangeAspect="1" noMove="1" noResize="1" noEditPoints="1" noAdjustHandles="1" noChangeArrowheads="1" noChangeShapeType="1" noTextEdit="1"/>
-              </p:cNvSpPr>
-              <p:nvPr>
-                <p:ph idx="1"/>
-              </p:nvPr>
-            </p:nvSpPr>
-            <p:spPr>
-              <a:blipFill>
-                <a:blip r:embed="rId2"/>
-                <a:stretch>
-                  <a:fillRect l="-1303" t="-1392"/>
-                </a:stretch>
-              </a:blipFill>
-            </p:spPr>
-            <p:txBody>
-              <a:bodyPr/>
-              <a:lstStyle/>
-              <a:p>
-                <a:r>
-                  <a:rPr lang="en-GB">
-                    <a:noFill/>
-                  </a:rPr>
-                  <a:t> </a:t>
-                </a:r>
-              </a:p>
-            </p:txBody>
-          </p:sp>
-        </mc:Fallback>
-      </mc:AlternateContent>
-      <p:sp>
-        <p:nvSpPr>
-          <p:cNvPr id="4" name="Footer Placeholder 3">
-            <a:extLst>
-              <a:ext uri="{FF2B5EF4-FFF2-40B4-BE49-F238E27FC236}">
-                <a16:creationId xmlns:a16="http://schemas.microsoft.com/office/drawing/2014/main" id="{0E5DEAE0-A7D6-D429-1219-F74503E5CAAB}"/>
-              </a:ext>
-            </a:extLst>
-          </p:cNvPr>
-          <p:cNvSpPr>
-            <a:spLocks noGrp="1"/>
-          </p:cNvSpPr>
-          <p:nvPr>
-            <p:ph type="ftr" sz="quarter" idx="3"/>
-          </p:nvPr>
-        </p:nvSpPr>
-        <p:spPr/>
-        <p:txBody>
-          <a:bodyPr/>
-          <a:lstStyle/>
-          <a:p>
-            <a:r>
-              <a:rPr lang="en-GB"/>
-              <a:t>© Imperial College London</a:t>
-            </a:r>
-            <a:endParaRPr lang="en-US" dirty="0"/>
-          </a:p>
-        </p:txBody>
-      </p:sp>
-      <p:sp>
-        <p:nvSpPr>
-          <p:cNvPr id="5" name="Slide Number Placeholder 4">
-            <a:extLst>
-              <a:ext uri="{FF2B5EF4-FFF2-40B4-BE49-F238E27FC236}">
-                <a16:creationId xmlns:a16="http://schemas.microsoft.com/office/drawing/2014/main" id="{5F16C54E-6AD5-7EE5-E52A-9F593488070B}"/>
-              </a:ext>
-            </a:extLst>
-          </p:cNvPr>
-          <p:cNvSpPr>
-            <a:spLocks noGrp="1"/>
-          </p:cNvSpPr>
-          <p:nvPr>
-            <p:ph type="sldNum" sz="quarter" idx="4"/>
-          </p:nvPr>
-        </p:nvSpPr>
-        <p:spPr/>
-        <p:txBody>
-          <a:bodyPr/>
-          <a:lstStyle/>
-          <a:p>
-            <a:pPr algn="ctr"/>
-            <a:r>
-              <a:rPr lang="en-US"/>
-              <a:t>Slide </a:t>
-            </a:r>
-            <a:fld id="{3C70A08B-371D-5A4D-978C-9F5470823ED6}" type="slidenum">
-              <a:rPr lang="en-US" smtClean="0"/>
-              <a:pPr algn="ctr"/>
-              <a:t>8</a:t>
-            </a:fld>
-            <a:endParaRPr lang="en-US" dirty="0"/>
-          </a:p>
-        </p:txBody>
-      </p:sp>
-      <p:pic>
-        <p:nvPicPr>
-          <p:cNvPr id="7" name="Graphic 6">
-            <a:extLst>
-              <a:ext uri="{FF2B5EF4-FFF2-40B4-BE49-F238E27FC236}">
-                <a16:creationId xmlns:a16="http://schemas.microsoft.com/office/drawing/2014/main" id="{4BBA8596-CCBD-1E72-3D7E-325A3DDF390D}"/>
-              </a:ext>
-            </a:extLst>
-          </p:cNvPr>
-          <p:cNvPicPr>
-            <a:picLocks noChangeAspect="1"/>
-          </p:cNvPicPr>
-          <p:nvPr/>
-        </p:nvPicPr>
-        <p:blipFill>
-          <a:blip r:embed="rId3">
-            <a:extLst>
-              <a:ext uri="{96DAC541-7B7A-43D3-8B79-37D633B846F1}">
-                <asvg:svgBlip xmlns:asvg="http://schemas.microsoft.com/office/drawing/2016/SVG/main" r:embed="rId4"/>
-              </a:ext>
-            </a:extLst>
-          </a:blip>
-          <a:stretch>
-            <a:fillRect/>
-          </a:stretch>
-        </p:blipFill>
-        <p:spPr>
-          <a:xfrm>
-            <a:off x="2099309" y="2997701"/>
-            <a:ext cx="5131646" cy="3421098"/>
-          </a:xfrm>
-          <a:prstGeom prst="rect">
-            <a:avLst/>
-          </a:prstGeom>
-        </p:spPr>
-      </p:pic>
-    </p:spTree>
-    <p:extLst>
-      <p:ext uri="{BB962C8B-B14F-4D97-AF65-F5344CB8AC3E}">
-        <p14:creationId xmlns:p14="http://schemas.microsoft.com/office/powerpoint/2010/main" val="231973167"/>
-      </p:ext>
-    </p:extLst>
-  </p:cSld>
-  <p:clrMapOvr>
-    <a:masterClrMapping/>
-  </p:clrMapOvr>
-</p:sld>
-</file>
-
-<file path=ppt/slides/slide9.xml><?xml version="1.0" encoding="utf-8"?>
-<p:sld xmlns:a="http://schemas.openxmlformats.org/drawingml/2006/main" xmlns:r="http://schemas.openxmlformats.org/officeDocument/2006/relationships" xmlns:p="http://schemas.openxmlformats.org/presentationml/2006/main">
-  <p:cSld>
-    <p:spTree>
-      <p:nvGrpSpPr>
-        <p:cNvPr id="1" name=""/>
-        <p:cNvGrpSpPr/>
-        <p:nvPr/>
-      </p:nvGrpSpPr>
-      <p:grpSpPr>
-        <a:xfrm>
-          <a:off x="0" y="0"/>
-          <a:ext cx="0" cy="0"/>
-          <a:chOff x="0" y="0"/>
-          <a:chExt cx="0" cy="0"/>
-        </a:xfrm>
-      </p:grpSpPr>
-      <p:sp>
-        <p:nvSpPr>
-          <p:cNvPr id="2" name="Title 1">
-            <a:extLst>
-              <a:ext uri="{FF2B5EF4-FFF2-40B4-BE49-F238E27FC236}">
-                <a16:creationId xmlns:a16="http://schemas.microsoft.com/office/drawing/2014/main" id="{F68D8419-3037-DC53-62CA-5F99F1FE3E95}"/>
-              </a:ext>
-            </a:extLst>
-          </p:cNvPr>
-          <p:cNvSpPr>
-            <a:spLocks noGrp="1"/>
-          </p:cNvSpPr>
-          <p:nvPr>
-            <p:ph type="title"/>
-          </p:nvPr>
-        </p:nvSpPr>
-        <p:spPr/>
-        <p:txBody>
-          <a:bodyPr/>
-          <a:lstStyle/>
-          <a:p>
-            <a:r>
-              <a:rPr lang="en-GB" dirty="0"/>
-              <a:t>Mathematical description</a:t>
-            </a:r>
-          </a:p>
-        </p:txBody>
-      </p:sp>
-      <mc:AlternateContent xmlns:mc="http://schemas.openxmlformats.org/markup-compatibility/2006" xmlns:a14="http://schemas.microsoft.com/office/drawing/2010/main">
-        <mc:Choice Requires="a14">
-          <p:sp>
-            <p:nvSpPr>
-              <p:cNvPr id="3" name="Content Placeholder 2">
-                <a:extLst>
-                  <a:ext uri="{FF2B5EF4-FFF2-40B4-BE49-F238E27FC236}">
-                    <a16:creationId xmlns:a16="http://schemas.microsoft.com/office/drawing/2014/main" id="{E17D2067-812E-4AE4-3608-6A014A550968}"/>
-                  </a:ext>
-                </a:extLst>
-              </p:cNvPr>
-              <p:cNvSpPr>
-                <a:spLocks noGrp="1"/>
-              </p:cNvSpPr>
-              <p:nvPr>
-                <p:ph idx="1"/>
-              </p:nvPr>
-            </p:nvSpPr>
-            <p:spPr/>
-            <p:txBody>
-              <a:bodyPr/>
-              <a:lstStyle/>
-              <a:p>
-                <a:r>
-                  <a:rPr lang="en-GB" b="0" dirty="0"/>
-                  <a:t>Another way of considering this algorithmically is</a:t>
-                </a:r>
-              </a:p>
-              <a:p>
-                <a:pPr marL="914400" lvl="1" indent="-457200">
-                  <a:buAutoNum type="arabicPeriod"/>
-                </a:pPr>
-                <a:r>
-                  <a:rPr lang="en-GB" dirty="0"/>
-                  <a:t>Evaluate every minima of </a:t>
-                </a:r>
-                <a14:m>
-                  <m:oMath xmlns:m="http://schemas.openxmlformats.org/officeDocument/2006/math">
-                    <m:r>
-                      <a:rPr lang="en-GB" b="0" i="1" smtClean="0">
-                        <a:latin typeface="Cambria Math" panose="02040503050406030204" pitchFamily="18" charset="0"/>
-                      </a:rPr>
-                      <m:t>𝑇𝑃𝐷</m:t>
-                    </m:r>
-                  </m:oMath>
-                </a14:m>
-                <a:endParaRPr lang="en-GB" b="0" dirty="0"/>
-              </a:p>
-              <a:p>
-                <a:pPr marL="914400" lvl="1" indent="-457200">
-                  <a:buAutoNum type="arabicPeriod"/>
-                </a:pPr>
-                <a:r>
-                  <a:rPr lang="en-GB" dirty="0"/>
-                  <a:t>If </a:t>
-                </a:r>
-                <a14:m>
-                  <m:oMath xmlns:m="http://schemas.openxmlformats.org/officeDocument/2006/math">
-                    <m:r>
-                      <a:rPr lang="en-GB" b="0" i="1" smtClean="0">
-                        <a:latin typeface="Cambria Math" panose="02040503050406030204" pitchFamily="18" charset="0"/>
-                      </a:rPr>
-                      <m:t>𝑇𝑃𝐷</m:t>
-                    </m:r>
-                    <m:r>
-                      <a:rPr lang="en-GB" b="0" i="1" smtClean="0">
-                        <a:latin typeface="Cambria Math" panose="02040503050406030204" pitchFamily="18" charset="0"/>
-                      </a:rPr>
-                      <m:t>≥0</m:t>
-                    </m:r>
-                  </m:oMath>
-                </a14:m>
-                <a:r>
-                  <a:rPr lang="en-GB" b="0" dirty="0"/>
-                  <a:t> for every minimum found</a:t>
-                </a:r>
-              </a:p>
-              <a:p>
-                <a:pPr marL="1314450" lvl="2" indent="-457200"/>
-                <a:r>
-                  <a:rPr lang="en-GB" dirty="0"/>
-                  <a:t>r</a:t>
-                </a:r>
-                <a:r>
-                  <a:rPr lang="en-GB" b="0" dirty="0"/>
-                  <a:t>eturn STABLE</a:t>
-                </a:r>
-              </a:p>
-              <a:p>
-                <a:pPr marL="914400" lvl="1" indent="-457200">
-                  <a:buAutoNum type="arabicPeriod"/>
-                </a:pPr>
-                <a:r>
-                  <a:rPr lang="en-GB" dirty="0"/>
-                  <a:t>Else</a:t>
-                </a:r>
-                <a:endParaRPr lang="en-GB" b="0" dirty="0"/>
-              </a:p>
-              <a:p>
-                <a:pPr marL="1314450" lvl="2" indent="-457200"/>
-                <a:r>
-                  <a:rPr lang="en-GB" dirty="0"/>
-                  <a:t>r</a:t>
-                </a:r>
-                <a:r>
-                  <a:rPr lang="en-GB" b="0" dirty="0"/>
-                  <a:t>eturn UNSTABLE</a:t>
-                </a:r>
-              </a:p>
-              <a:p>
-                <a:pPr marL="1314450" lvl="2" indent="-457200"/>
-                <a:endParaRPr lang="en-GB" dirty="0"/>
-              </a:p>
-              <a:p>
-                <a:pPr marL="514350" indent="-457200"/>
-                <a:r>
-                  <a:rPr lang="en-GB" b="0" dirty="0"/>
-                  <a:t>The issue then becomes: </a:t>
-                </a:r>
-                <a:r>
-                  <a:rPr lang="en-GB" dirty="0"/>
-                  <a:t>how do we find the minima of </a:t>
-                </a:r>
-                <a14:m>
-                  <m:oMath xmlns:m="http://schemas.openxmlformats.org/officeDocument/2006/math">
-                    <m:r>
-                      <a:rPr lang="en-GB" b="1" i="1" smtClean="0">
-                        <a:latin typeface="Cambria Math" panose="02040503050406030204" pitchFamily="18" charset="0"/>
-                      </a:rPr>
-                      <m:t>𝑻𝑷𝑫</m:t>
-                    </m:r>
-                  </m:oMath>
-                </a14:m>
-                <a:r>
-                  <a:rPr lang="en-GB" dirty="0"/>
-                  <a:t>?</a:t>
-                </a:r>
-              </a:p>
-              <a:p>
-                <a:pPr marL="914400" lvl="1" indent="-457200">
-                  <a:buFont typeface="+mj-lt"/>
-                  <a:buAutoNum type="arabicPeriod"/>
-                </a:pPr>
-                <a:endParaRPr lang="en-GB" b="0" dirty="0"/>
-              </a:p>
-            </p:txBody>
-          </p:sp>
-        </mc:Choice>
-        <mc:Fallback xmlns="">
-          <p:sp>
-            <p:nvSpPr>
-              <p:cNvPr id="3" name="Content Placeholder 2">
-                <a:extLst>
-                  <a:ext uri="{FF2B5EF4-FFF2-40B4-BE49-F238E27FC236}">
-                    <a16:creationId xmlns:a16="http://schemas.microsoft.com/office/drawing/2014/main" id="{E17D2067-812E-4AE4-3608-6A014A550968}"/>
-                  </a:ext>
-                </a:extLst>
-              </p:cNvPr>
-              <p:cNvSpPr>
-                <a:spLocks noGrp="1" noRot="1" noChangeAspect="1" noMove="1" noResize="1" noEditPoints="1" noAdjustHandles="1" noChangeArrowheads="1" noChangeShapeType="1" noTextEdit="1"/>
-              </p:cNvSpPr>
-              <p:nvPr>
-                <p:ph idx="1"/>
-              </p:nvPr>
-            </p:nvSpPr>
-            <p:spPr>
-              <a:blipFill>
-                <a:blip r:embed="rId2"/>
-                <a:stretch>
-                  <a:fillRect l="-1303" t="-1392"/>
-                </a:stretch>
-              </a:blipFill>
-            </p:spPr>
-            <p:txBody>
-              <a:bodyPr/>
-              <a:lstStyle/>
-              <a:p>
-                <a:r>
-                  <a:rPr lang="en-GB">
-                    <a:noFill/>
-                  </a:rPr>
-                  <a:t> </a:t>
-                </a:r>
-              </a:p>
-            </p:txBody>
-          </p:sp>
-        </mc:Fallback>
-      </mc:AlternateContent>
-      <p:sp>
-        <p:nvSpPr>
-          <p:cNvPr id="4" name="Footer Placeholder 3">
-            <a:extLst>
-              <a:ext uri="{FF2B5EF4-FFF2-40B4-BE49-F238E27FC236}">
-                <a16:creationId xmlns:a16="http://schemas.microsoft.com/office/drawing/2014/main" id="{B957C9FE-6E78-E0C7-28CD-1994ED300062}"/>
-              </a:ext>
-            </a:extLst>
-          </p:cNvPr>
-          <p:cNvSpPr>
-            <a:spLocks noGrp="1"/>
-          </p:cNvSpPr>
-          <p:nvPr>
-            <p:ph type="ftr" sz="quarter" idx="3"/>
-          </p:nvPr>
-        </p:nvSpPr>
-        <p:spPr/>
-        <p:txBody>
-          <a:bodyPr/>
-          <a:lstStyle/>
-          <a:p>
-            <a:r>
-              <a:rPr lang="en-GB"/>
-              <a:t>© Imperial College London</a:t>
-            </a:r>
-            <a:endParaRPr lang="en-US" dirty="0"/>
-          </a:p>
-        </p:txBody>
-      </p:sp>
-      <p:sp>
-        <p:nvSpPr>
-          <p:cNvPr id="5" name="Slide Number Placeholder 4">
-            <a:extLst>
-              <a:ext uri="{FF2B5EF4-FFF2-40B4-BE49-F238E27FC236}">
-                <a16:creationId xmlns:a16="http://schemas.microsoft.com/office/drawing/2014/main" id="{8FD00F8E-BEAB-DACD-373B-A624CA61E88D}"/>
-              </a:ext>
-            </a:extLst>
-          </p:cNvPr>
-          <p:cNvSpPr>
-            <a:spLocks noGrp="1"/>
-          </p:cNvSpPr>
-          <p:nvPr>
-            <p:ph type="sldNum" sz="quarter" idx="4"/>
-          </p:nvPr>
-        </p:nvSpPr>
-        <p:spPr/>
-        <p:txBody>
-          <a:bodyPr/>
-          <a:lstStyle/>
-          <a:p>
-            <a:pPr algn="ctr"/>
-            <a:r>
-              <a:rPr lang="en-US"/>
-              <a:t>Slide </a:t>
-            </a:r>
-            <a:fld id="{3C70A08B-371D-5A4D-978C-9F5470823ED6}" type="slidenum">
-              <a:rPr lang="en-US" smtClean="0"/>
-              <a:pPr algn="ctr"/>
-              <a:t>9</a:t>
-            </a:fld>
-            <a:endParaRPr lang="en-US" dirty="0"/>
-          </a:p>
-        </p:txBody>
-      </p:sp>
-    </p:spTree>
-    <p:extLst>
-      <p:ext uri="{BB962C8B-B14F-4D97-AF65-F5344CB8AC3E}">
-        <p14:creationId xmlns:p14="http://schemas.microsoft.com/office/powerpoint/2010/main" val="2421420483"/>
       </p:ext>
     </p:extLst>
   </p:cSld>
